--- a/documentation/poster.pptx
+++ b/documentation/poster.pptx
@@ -110,6 +110,11 @@
       </a:defRPr>
     </a:lvl9pPr>
   </p:defaultTextStyle>
+  <p:extLst>
+    <p:ext uri="{EFAFB233-063F-42B5-8137-9DF3F51BA10A}">
+      <p15:sldGuideLst xmlns:p15="http://schemas.microsoft.com/office/powerpoint/2012/main"/>
+    </p:ext>
+  </p:extLst>
 </p:presentation>
 </file>
 
@@ -195,7 +200,7 @@
           <a:p>
             <a:fld id="{7A742C25-6B9D-4BBC-B963-7C0051B7F1C0}" type="datetimeFigureOut">
               <a:rPr lang="en-US" smtClean="0"/>
-              <a:t>11/6/2018</a:t>
+              <a:t>11/15/2018</a:t>
             </a:fld>
             <a:endParaRPr lang="en-US"/>
           </a:p>
@@ -360,7 +365,7 @@
           <a:p>
             <a:fld id="{6337218B-FAD9-4329-997D-1F8E36863CDC}" type="datetimeFigureOut">
               <a:rPr lang="en-US" smtClean="0"/>
-              <a:t>11/6/2018</a:t>
+              <a:t>11/15/2018</a:t>
             </a:fld>
             <a:endParaRPr lang="en-US"/>
           </a:p>
@@ -887,7 +892,7 @@
           <a:p>
             <a:fld id="{D2033A72-562D-473B-B2EC-CFF4CA1A8D42}" type="datetimeFigureOut">
               <a:rPr lang="en-US" smtClean="0"/>
-              <a:t>11/6/2018</a:t>
+              <a:t>11/15/2018</a:t>
             </a:fld>
             <a:endParaRPr lang="en-US"/>
           </a:p>
@@ -1057,7 +1062,7 @@
           <a:p>
             <a:fld id="{D2033A72-562D-473B-B2EC-CFF4CA1A8D42}" type="datetimeFigureOut">
               <a:rPr lang="en-US" smtClean="0"/>
-              <a:t>11/6/2018</a:t>
+              <a:t>11/15/2018</a:t>
             </a:fld>
             <a:endParaRPr lang="en-US"/>
           </a:p>
@@ -1237,7 +1242,7 @@
           <a:p>
             <a:fld id="{D2033A72-562D-473B-B2EC-CFF4CA1A8D42}" type="datetimeFigureOut">
               <a:rPr lang="en-US" smtClean="0"/>
-              <a:t>11/6/2018</a:t>
+              <a:t>11/15/2018</a:t>
             </a:fld>
             <a:endParaRPr lang="en-US"/>
           </a:p>
@@ -1407,7 +1412,7 @@
           <a:p>
             <a:fld id="{D2033A72-562D-473B-B2EC-CFF4CA1A8D42}" type="datetimeFigureOut">
               <a:rPr lang="en-US" smtClean="0"/>
-              <a:t>11/6/2018</a:t>
+              <a:t>11/15/2018</a:t>
             </a:fld>
             <a:endParaRPr lang="en-US"/>
           </a:p>
@@ -1651,7 +1656,7 @@
           <a:p>
             <a:fld id="{D2033A72-562D-473B-B2EC-CFF4CA1A8D42}" type="datetimeFigureOut">
               <a:rPr lang="en-US" smtClean="0"/>
-              <a:t>11/6/2018</a:t>
+              <a:t>11/15/2018</a:t>
             </a:fld>
             <a:endParaRPr lang="en-US"/>
           </a:p>
@@ -1883,7 +1888,7 @@
           <a:p>
             <a:fld id="{D2033A72-562D-473B-B2EC-CFF4CA1A8D42}" type="datetimeFigureOut">
               <a:rPr lang="en-US" smtClean="0"/>
-              <a:t>11/6/2018</a:t>
+              <a:t>11/15/2018</a:t>
             </a:fld>
             <a:endParaRPr lang="en-US"/>
           </a:p>
@@ -2250,7 +2255,7 @@
           <a:p>
             <a:fld id="{D2033A72-562D-473B-B2EC-CFF4CA1A8D42}" type="datetimeFigureOut">
               <a:rPr lang="en-US" smtClean="0"/>
-              <a:t>11/6/2018</a:t>
+              <a:t>11/15/2018</a:t>
             </a:fld>
             <a:endParaRPr lang="en-US"/>
           </a:p>
@@ -2368,7 +2373,7 @@
           <a:p>
             <a:fld id="{D2033A72-562D-473B-B2EC-CFF4CA1A8D42}" type="datetimeFigureOut">
               <a:rPr lang="en-US" smtClean="0"/>
-              <a:t>11/6/2018</a:t>
+              <a:t>11/15/2018</a:t>
             </a:fld>
             <a:endParaRPr lang="en-US"/>
           </a:p>
@@ -2463,7 +2468,7 @@
           <a:p>
             <a:fld id="{D2033A72-562D-473B-B2EC-CFF4CA1A8D42}" type="datetimeFigureOut">
               <a:rPr lang="en-US" smtClean="0"/>
-              <a:t>11/6/2018</a:t>
+              <a:t>11/15/2018</a:t>
             </a:fld>
             <a:endParaRPr lang="en-US"/>
           </a:p>
@@ -2740,7 +2745,7 @@
           <a:p>
             <a:fld id="{D2033A72-562D-473B-B2EC-CFF4CA1A8D42}" type="datetimeFigureOut">
               <a:rPr lang="en-US" smtClean="0"/>
-              <a:t>11/6/2018</a:t>
+              <a:t>11/15/2018</a:t>
             </a:fld>
             <a:endParaRPr lang="en-US"/>
           </a:p>
@@ -2997,7 +3002,7 @@
           <a:p>
             <a:fld id="{D2033A72-562D-473B-B2EC-CFF4CA1A8D42}" type="datetimeFigureOut">
               <a:rPr lang="en-US" smtClean="0"/>
-              <a:t>11/6/2018</a:t>
+              <a:t>11/15/2018</a:t>
             </a:fld>
             <a:endParaRPr lang="en-US"/>
           </a:p>
@@ -3210,7 +3215,7 @@
           <a:p>
             <a:fld id="{D2033A72-562D-473B-B2EC-CFF4CA1A8D42}" type="datetimeFigureOut">
               <a:rPr lang="en-US" smtClean="0"/>
-              <a:t>11/6/2018</a:t>
+              <a:t>11/15/2018</a:t>
             </a:fld>
             <a:endParaRPr lang="en-US"/>
           </a:p>
@@ -3727,7 +3732,7 @@
         <p:spPr>
           <a:xfrm>
             <a:off x="640080" y="2335869"/>
-            <a:ext cx="21305520" cy="1754326"/>
+            <a:ext cx="21305520" cy="1569660"/>
           </a:xfrm>
           <a:prstGeom prst="rect">
             <a:avLst/>
@@ -3853,34 +3858,7 @@
                 </a:solidFill>
                 <a:latin typeface="Berlin Sans FB" panose="020E0602020502020306" pitchFamily="34" charset="0"/>
               </a:rPr>
-              <a:t>Developed by </a:t>
-            </a:r>
-            <a:r>
-              <a:rPr lang="en-US" sz="4800" dirty="0" smtClean="0">
-                <a:solidFill>
-                  <a:schemeClr val="bg1"/>
-                </a:solidFill>
-                <a:latin typeface="Berlin Sans FB" panose="020E0602020502020306" pitchFamily="34" charset="0"/>
-              </a:rPr>
-              <a:t>Simon Owens		     Advisor/Sponsor: </a:t>
-            </a:r>
-            <a:r>
-              <a:rPr lang="en-US" sz="6000" dirty="0" smtClean="0">
-                <a:solidFill>
-                  <a:schemeClr val="bg1"/>
-                </a:solidFill>
-                <a:latin typeface="Berlin Sans FB" panose="020E0602020502020306" pitchFamily="34" charset="0"/>
-              </a:rPr>
-              <a:t>Mr</a:t>
-            </a:r>
-            <a:r>
-              <a:rPr lang="en-US" sz="4800" dirty="0" smtClean="0">
-                <a:solidFill>
-                  <a:schemeClr val="bg1"/>
-                </a:solidFill>
-                <a:latin typeface="Berlin Sans FB" panose="020E0602020502020306" pitchFamily="34" charset="0"/>
-              </a:rPr>
-              <a:t>. Mark Randall</a:t>
+              <a:t>Developed by Simon Owens		     Advisor/Sponsor: Mr. Mark Randall</a:t>
             </a:r>
           </a:p>
           <a:p>
@@ -3909,16 +3887,7 @@
                 </a:solidFill>
                 <a:latin typeface="Berlin Sans FB" panose="020E0602020502020306" pitchFamily="34" charset="0"/>
               </a:rPr>
-              <a:t>                             </a:t>
-            </a:r>
-            <a:r>
-              <a:rPr lang="en-US" sz="4800" dirty="0" smtClean="0">
-                <a:solidFill>
-                  <a:schemeClr val="bg1"/>
-                </a:solidFill>
-                <a:latin typeface="Berlin Sans FB" panose="020E0602020502020306" pitchFamily="34" charset="0"/>
-              </a:rPr>
-              <a:t>University of Evansville</a:t>
+              <a:t>                             University of Evansville</a:t>
             </a:r>
           </a:p>
         </p:txBody>
@@ -4196,7 +4165,7 @@
         <p:spPr>
           <a:xfrm>
             <a:off x="11502190" y="5387405"/>
-            <a:ext cx="9990220" cy="8166337"/>
+            <a:ext cx="9990220" cy="5778864"/>
           </a:xfrm>
           <a:prstGeom prst="rect">
             <a:avLst/>
@@ -4402,8 +4371,8 @@
         </p:nvSpPr>
         <p:spPr>
           <a:xfrm>
-            <a:off x="11554328" y="14228032"/>
-            <a:ext cx="9990220" cy="5496363"/>
+            <a:off x="11502191" y="11659036"/>
+            <a:ext cx="9990220" cy="8350268"/>
           </a:xfrm>
           <a:prstGeom prst="rect">
             <a:avLst/>
@@ -4445,7 +4414,7 @@
         </p:nvSpPr>
         <p:spPr>
           <a:xfrm>
-            <a:off x="11554328" y="14241472"/>
+            <a:off x="11502191" y="11672476"/>
             <a:ext cx="9990220" cy="876682"/>
           </a:xfrm>
           <a:prstGeom prst="rect">
@@ -4783,7 +4752,7 @@
         </p:nvSpPr>
         <p:spPr>
           <a:xfrm>
-            <a:off x="11554327" y="14174573"/>
+            <a:off x="11502190" y="11605577"/>
             <a:ext cx="10042357" cy="1107996"/>
           </a:xfrm>
           <a:prstGeom prst="rect">
@@ -4805,7 +4774,7 @@
                 </a:solidFill>
                 <a:latin typeface="Berlin Sans FB" panose="020E0602020502020306" pitchFamily="34" charset="0"/>
               </a:rPr>
-              <a:t>VIRTUALIZATION</a:t>
+              <a:t>DESIGN</a:t>
             </a:r>
             <a:endParaRPr lang="en-US" sz="6600" dirty="0">
               <a:solidFill>
@@ -4907,7 +4876,7 @@
         <p:spPr>
           <a:xfrm>
             <a:off x="640080" y="6766560"/>
-            <a:ext cx="9509760" cy="4524315"/>
+            <a:ext cx="9509760" cy="4401205"/>
           </a:xfrm>
           <a:prstGeom prst="rect">
             <a:avLst/>
@@ -4921,10 +4890,42 @@
           <a:lstStyle/>
           <a:p>
             <a:r>
-              <a:rPr lang="en-US" sz="3600" dirty="0" smtClean="0"/>
-              <a:t>The Security Lab Manager is a web application that manages vulnerable virtualization machines for users to practice hacking on.  Once hosted, users can login, choose an exercise, and start hacking in their own virtual environment.  Administrators can login to view completed exercises and send grades to users.  New exercises and machines can easily be added or imported.</a:t>
-            </a:r>
-            <a:endParaRPr lang="en-US" sz="3600" dirty="0"/>
+              <a:rPr lang="en-US" sz="4000" dirty="0" smtClean="0"/>
+              <a:t>The Security Lab Manager is a web application that manages vulnerable virtualization machines for users to practice hacking on.  </a:t>
+            </a:r>
+            <a:r>
+              <a:rPr lang="en-US" sz="4000" dirty="0"/>
+              <a:t>U</a:t>
+            </a:r>
+            <a:r>
+              <a:rPr lang="en-US" sz="4000" dirty="0" smtClean="0"/>
+              <a:t>sers </a:t>
+            </a:r>
+            <a:r>
+              <a:rPr lang="en-US" sz="4000" dirty="0" smtClean="0"/>
+              <a:t>can </a:t>
+            </a:r>
+            <a:r>
+              <a:rPr lang="en-US" sz="4000" dirty="0" smtClean="0"/>
+              <a:t>start </a:t>
+            </a:r>
+            <a:r>
+              <a:rPr lang="en-US" sz="4000" dirty="0" smtClean="0"/>
+              <a:t>hacking in their own virtual environment.  Administrators can </a:t>
+            </a:r>
+            <a:r>
+              <a:rPr lang="en-US" sz="4000" dirty="0" smtClean="0"/>
+              <a:t>view </a:t>
+            </a:r>
+            <a:r>
+              <a:rPr lang="en-US" sz="4000" dirty="0" smtClean="0"/>
+              <a:t>completed exercises and send grades to </a:t>
+            </a:r>
+            <a:r>
+              <a:rPr lang="en-US" sz="4000" dirty="0" smtClean="0"/>
+              <a:t>users.</a:t>
+            </a:r>
+            <a:endParaRPr lang="en-US" sz="4000" dirty="0"/>
           </a:p>
         </p:txBody>
       </p:sp>
@@ -4937,7 +4938,7 @@
         <p:spPr>
           <a:xfrm>
             <a:off x="11676648" y="6595571"/>
-            <a:ext cx="9479280" cy="3970318"/>
+            <a:ext cx="9479280" cy="4401205"/>
           </a:xfrm>
           <a:prstGeom prst="rect">
             <a:avLst/>
@@ -4951,18 +4952,34 @@
           <a:lstStyle/>
           <a:p>
             <a:r>
-              <a:rPr lang="en-US" sz="3600" dirty="0" smtClean="0"/>
-              <a:t>This application was planned and developed using the Agile framework.  DevOps principles of tested driven development, automated test, continuous integration, and continuous deployment were used.  The CI/CD pipeline utilized </a:t>
-            </a:r>
-            <a:r>
-              <a:rPr lang="en-US" sz="3600" dirty="0" err="1" smtClean="0"/>
-              <a:t>sonarqube</a:t>
-            </a:r>
-            <a:r>
-              <a:rPr lang="en-US" sz="3600" dirty="0" smtClean="0"/>
-              <a:t> code scanners and OWASP ZAP utility to ensure code was lean and secure.</a:t>
-            </a:r>
-            <a:endParaRPr lang="en-US" sz="3600" dirty="0"/>
+              <a:rPr lang="en-US" sz="4000" dirty="0" smtClean="0"/>
+              <a:t>This application was planned and developed using the Agile framework.  DevOps principles of tested driven development, automated test, continuous integration, and continuous deployment were used. </a:t>
+            </a:r>
+            <a:r>
+              <a:rPr lang="en-US" sz="4000" dirty="0" smtClean="0"/>
+              <a:t>The </a:t>
+            </a:r>
+            <a:r>
+              <a:rPr lang="en-US" sz="4000" dirty="0" smtClean="0"/>
+              <a:t>CI/CD pipeline utilized </a:t>
+            </a:r>
+            <a:r>
+              <a:rPr lang="en-US" sz="4000" dirty="0" smtClean="0"/>
+              <a:t>code and web scanners to </a:t>
+            </a:r>
+            <a:r>
+              <a:rPr lang="en-US" sz="4000" dirty="0" smtClean="0"/>
+              <a:t>ensure </a:t>
+            </a:r>
+            <a:r>
+              <a:rPr lang="en-US" sz="4000" dirty="0" smtClean="0"/>
+              <a:t>code is </a:t>
+            </a:r>
+            <a:r>
+              <a:rPr lang="en-US" sz="4000" dirty="0" smtClean="0"/>
+              <a:t>lean and secure.</a:t>
+            </a:r>
+            <a:endParaRPr lang="en-US" sz="4000" dirty="0"/>
           </a:p>
         </p:txBody>
       </p:sp>
@@ -4975,7 +4992,7 @@
         <p:spPr>
           <a:xfrm>
             <a:off x="640080" y="13451237"/>
-            <a:ext cx="9509760" cy="4524315"/>
+            <a:ext cx="9509760" cy="4401205"/>
           </a:xfrm>
           <a:prstGeom prst="rect">
             <a:avLst/>
@@ -4989,10 +5006,42 @@
           <a:lstStyle/>
           <a:p>
             <a:r>
-              <a:rPr lang="en-US" sz="3600" dirty="0" smtClean="0"/>
-              <a:t>Security training is desired in all parts of industry: secure coding for developers, Reverse Engineers, Q/A Testers, and Security Engineers.  There are several virtual machines to practice security, but none have a student-teacher model.  With this application, students can easily begin learning security, without having to setup their own environment.</a:t>
-            </a:r>
-            <a:endParaRPr lang="en-US" sz="3600" dirty="0"/>
+              <a:rPr lang="en-US" sz="4000" dirty="0" smtClean="0"/>
+              <a:t>Security training is desired in all parts of industry: secure coding for </a:t>
+            </a:r>
+            <a:r>
+              <a:rPr lang="en-US" sz="4000" dirty="0" smtClean="0"/>
+              <a:t>developers, </a:t>
+            </a:r>
+            <a:r>
+              <a:rPr lang="en-US" sz="4000" dirty="0" smtClean="0"/>
+              <a:t>Q/A Testers, and Security Engineers.  There are several virtual machines to practice security, but none have a student-teacher model.  </a:t>
+            </a:r>
+            <a:r>
+              <a:rPr lang="en-US" sz="4000" dirty="0"/>
+              <a:t>S</a:t>
+            </a:r>
+            <a:r>
+              <a:rPr lang="en-US" sz="4000" dirty="0" smtClean="0"/>
+              <a:t>tudents can now </a:t>
+            </a:r>
+            <a:r>
+              <a:rPr lang="en-US" sz="4000" dirty="0" smtClean="0"/>
+              <a:t>easily begin learning </a:t>
+            </a:r>
+            <a:r>
+              <a:rPr lang="en-US" sz="4000" dirty="0" smtClean="0"/>
+              <a:t>security</a:t>
+            </a:r>
+            <a:r>
+              <a:rPr lang="en-US" sz="4000" dirty="0"/>
+              <a:t> </a:t>
+            </a:r>
+            <a:r>
+              <a:rPr lang="en-US" sz="4000" dirty="0" smtClean="0"/>
+              <a:t>with just this application.</a:t>
+            </a:r>
+            <a:endParaRPr lang="en-US" sz="4000" dirty="0"/>
           </a:p>
         </p:txBody>
       </p:sp>
@@ -5004,8 +5053,8 @@
         </p:nvSpPr>
         <p:spPr>
           <a:xfrm>
-            <a:off x="11794558" y="15791471"/>
-            <a:ext cx="9509760" cy="2485680"/>
+            <a:off x="11742421" y="13222475"/>
+            <a:ext cx="9509760" cy="890115"/>
           </a:xfrm>
           <a:prstGeom prst="rect">
             <a:avLst/>
@@ -5020,10 +5069,8 @@
           <a:p>
             <a:r>
               <a:rPr lang="en-US" dirty="0" smtClean="0"/>
-              <a:t>NA need more development/scoping/designing</a:t>
-            </a:r>
-          </a:p>
-          <a:p>
+              <a:t>Diagram Title</a:t>
+            </a:r>
             <a:endParaRPr lang="en-US" dirty="0"/>
           </a:p>
         </p:txBody>
@@ -5037,7 +5084,7 @@
         <p:spPr>
           <a:xfrm>
             <a:off x="615215" y="20513360"/>
-            <a:ext cx="9509760" cy="1687898"/>
+            <a:ext cx="9509760" cy="1938992"/>
           </a:xfrm>
           <a:prstGeom prst="rect">
             <a:avLst/>
@@ -5051,10 +5098,26 @@
           <a:lstStyle/>
           <a:p>
             <a:r>
-              <a:rPr lang="en-US" dirty="0" smtClean="0"/>
-              <a:t>NA need more development/scoping/designing</a:t>
-            </a:r>
-            <a:endParaRPr lang="en-US" dirty="0"/>
+              <a:rPr lang="en-US" sz="4000" dirty="0" err="1" smtClean="0"/>
+              <a:t>Req</a:t>
+            </a:r>
+            <a:r>
+              <a:rPr lang="en-US" sz="4000" dirty="0" smtClean="0"/>
+              <a:t> 1 – </a:t>
+            </a:r>
+          </a:p>
+          <a:p>
+            <a:r>
+              <a:rPr lang="en-US" sz="4000" dirty="0" err="1" smtClean="0"/>
+              <a:t>Req</a:t>
+            </a:r>
+            <a:r>
+              <a:rPr lang="en-US" sz="4000" dirty="0" smtClean="0"/>
+              <a:t> 2 –</a:t>
+            </a:r>
+          </a:p>
+          <a:p>
+            <a:endParaRPr lang="en-US" sz="4000" dirty="0"/>
           </a:p>
         </p:txBody>
       </p:sp>
@@ -5082,8 +5145,9 @@
           <a:p>
             <a:r>
               <a:rPr lang="en-US" dirty="0" smtClean="0"/>
-              <a:t>NA need to complete</a:t>
-            </a:r>
+              <a:t>Screenshots</a:t>
+            </a:r>
+            <a:endParaRPr lang="en-US" dirty="0" smtClean="0"/>
           </a:p>
           <a:p>
             <a:endParaRPr lang="en-US" dirty="0"/>
@@ -5132,30 +5196,6 @@
           <a:xfrm>
             <a:off x="7495565" y="30402197"/>
             <a:ext cx="3081588" cy="867471"/>
-          </a:xfrm>
-          <a:prstGeom prst="rect">
-            <a:avLst/>
-          </a:prstGeom>
-        </p:spPr>
-      </p:pic>
-      <p:pic>
-        <p:nvPicPr>
-          <p:cNvPr id="1024" name="Picture 1023"/>
-          <p:cNvPicPr>
-            <a:picLocks noChangeAspect="1"/>
-          </p:cNvPicPr>
-          <p:nvPr/>
-        </p:nvPicPr>
-        <p:blipFill>
-          <a:blip r:embed="rId7"/>
-          <a:stretch>
-            <a:fillRect/>
-          </a:stretch>
-        </p:blipFill>
-        <p:spPr>
-          <a:xfrm>
-            <a:off x="14028744" y="10711803"/>
-            <a:ext cx="4752365" cy="2562860"/>
           </a:xfrm>
           <a:prstGeom prst="rect">
             <a:avLst/>
@@ -5985,7 +6025,7 @@
 </file>
 
 <file path=customXml/itemProps2.xml><?xml version="1.0" encoding="utf-8"?>
-<ds:datastoreItem xmlns:ds="http://schemas.openxmlformats.org/officeDocument/2006/customXml" ds:itemID="{04204482-D1E3-418F-A9DA-310B41F13597}">
+<ds:datastoreItem xmlns:ds="http://schemas.openxmlformats.org/officeDocument/2006/customXml" ds:itemID="{BA633446-2620-482C-A8D1-407432FD6C9E}">
   <ds:schemaRefs>
     <ds:schemaRef ds:uri="http://www.w3.org/2001/XMLSchema"/>
     <ds:schemaRef ds:uri="http://www.boldonjames.com/2008/01/sie/internal/label"/>

--- a/documentation/poster.pptx
+++ b/documentation/poster.pptx
@@ -200,7 +200,7 @@
           <a:p>
             <a:fld id="{7A742C25-6B9D-4BBC-B963-7C0051B7F1C0}" type="datetimeFigureOut">
               <a:rPr lang="en-US" smtClean="0"/>
-              <a:t>11/15/2018</a:t>
+              <a:t>3/31/2019</a:t>
             </a:fld>
             <a:endParaRPr lang="en-US"/>
           </a:p>
@@ -365,7 +365,7 @@
           <a:p>
             <a:fld id="{6337218B-FAD9-4329-997D-1F8E36863CDC}" type="datetimeFigureOut">
               <a:rPr lang="en-US" smtClean="0"/>
-              <a:t>11/15/2018</a:t>
+              <a:t>3/31/2019</a:t>
             </a:fld>
             <a:endParaRPr lang="en-US"/>
           </a:p>
@@ -892,7 +892,7 @@
           <a:p>
             <a:fld id="{D2033A72-562D-473B-B2EC-CFF4CA1A8D42}" type="datetimeFigureOut">
               <a:rPr lang="en-US" smtClean="0"/>
-              <a:t>11/15/2018</a:t>
+              <a:t>3/31/2019</a:t>
             </a:fld>
             <a:endParaRPr lang="en-US"/>
           </a:p>
@@ -1062,7 +1062,7 @@
           <a:p>
             <a:fld id="{D2033A72-562D-473B-B2EC-CFF4CA1A8D42}" type="datetimeFigureOut">
               <a:rPr lang="en-US" smtClean="0"/>
-              <a:t>11/15/2018</a:t>
+              <a:t>3/31/2019</a:t>
             </a:fld>
             <a:endParaRPr lang="en-US"/>
           </a:p>
@@ -1242,7 +1242,7 @@
           <a:p>
             <a:fld id="{D2033A72-562D-473B-B2EC-CFF4CA1A8D42}" type="datetimeFigureOut">
               <a:rPr lang="en-US" smtClean="0"/>
-              <a:t>11/15/2018</a:t>
+              <a:t>3/31/2019</a:t>
             </a:fld>
             <a:endParaRPr lang="en-US"/>
           </a:p>
@@ -1412,7 +1412,7 @@
           <a:p>
             <a:fld id="{D2033A72-562D-473B-B2EC-CFF4CA1A8D42}" type="datetimeFigureOut">
               <a:rPr lang="en-US" smtClean="0"/>
-              <a:t>11/15/2018</a:t>
+              <a:t>3/31/2019</a:t>
             </a:fld>
             <a:endParaRPr lang="en-US"/>
           </a:p>
@@ -1656,7 +1656,7 @@
           <a:p>
             <a:fld id="{D2033A72-562D-473B-B2EC-CFF4CA1A8D42}" type="datetimeFigureOut">
               <a:rPr lang="en-US" smtClean="0"/>
-              <a:t>11/15/2018</a:t>
+              <a:t>3/31/2019</a:t>
             </a:fld>
             <a:endParaRPr lang="en-US"/>
           </a:p>
@@ -1888,7 +1888,7 @@
           <a:p>
             <a:fld id="{D2033A72-562D-473B-B2EC-CFF4CA1A8D42}" type="datetimeFigureOut">
               <a:rPr lang="en-US" smtClean="0"/>
-              <a:t>11/15/2018</a:t>
+              <a:t>3/31/2019</a:t>
             </a:fld>
             <a:endParaRPr lang="en-US"/>
           </a:p>
@@ -2255,7 +2255,7 @@
           <a:p>
             <a:fld id="{D2033A72-562D-473B-B2EC-CFF4CA1A8D42}" type="datetimeFigureOut">
               <a:rPr lang="en-US" smtClean="0"/>
-              <a:t>11/15/2018</a:t>
+              <a:t>3/31/2019</a:t>
             </a:fld>
             <a:endParaRPr lang="en-US"/>
           </a:p>
@@ -2373,7 +2373,7 @@
           <a:p>
             <a:fld id="{D2033A72-562D-473B-B2EC-CFF4CA1A8D42}" type="datetimeFigureOut">
               <a:rPr lang="en-US" smtClean="0"/>
-              <a:t>11/15/2018</a:t>
+              <a:t>3/31/2019</a:t>
             </a:fld>
             <a:endParaRPr lang="en-US"/>
           </a:p>
@@ -2468,7 +2468,7 @@
           <a:p>
             <a:fld id="{D2033A72-562D-473B-B2EC-CFF4CA1A8D42}" type="datetimeFigureOut">
               <a:rPr lang="en-US" smtClean="0"/>
-              <a:t>11/15/2018</a:t>
+              <a:t>3/31/2019</a:t>
             </a:fld>
             <a:endParaRPr lang="en-US"/>
           </a:p>
@@ -2745,7 +2745,7 @@
           <a:p>
             <a:fld id="{D2033A72-562D-473B-B2EC-CFF4CA1A8D42}" type="datetimeFigureOut">
               <a:rPr lang="en-US" smtClean="0"/>
-              <a:t>11/15/2018</a:t>
+              <a:t>3/31/2019</a:t>
             </a:fld>
             <a:endParaRPr lang="en-US"/>
           </a:p>
@@ -3002,7 +3002,7 @@
           <a:p>
             <a:fld id="{D2033A72-562D-473B-B2EC-CFF4CA1A8D42}" type="datetimeFigureOut">
               <a:rPr lang="en-US" smtClean="0"/>
-              <a:t>11/15/2018</a:t>
+              <a:t>3/31/2019</a:t>
             </a:fld>
             <a:endParaRPr lang="en-US"/>
           </a:p>
@@ -3215,7 +3215,7 @@
           <a:p>
             <a:fld id="{D2033A72-562D-473B-B2EC-CFF4CA1A8D42}" type="datetimeFigureOut">
               <a:rPr lang="en-US" smtClean="0"/>
-              <a:t>11/15/2018</a:t>
+              <a:t>3/31/2019</a:t>
             </a:fld>
             <a:endParaRPr lang="en-US"/>
           </a:p>
@@ -4371,8 +4371,8 @@
         </p:nvSpPr>
         <p:spPr>
           <a:xfrm>
-            <a:off x="11502191" y="11659036"/>
-            <a:ext cx="9990220" cy="8350268"/>
+            <a:off x="11502189" y="11663529"/>
+            <a:ext cx="9997632" cy="8345775"/>
           </a:xfrm>
           <a:prstGeom prst="rect">
             <a:avLst/>
@@ -4402,7 +4402,7 @@
           <a:lstStyle/>
           <a:p>
             <a:pPr algn="ctr"/>
-            <a:endParaRPr lang="en-US"/>
+            <a:endParaRPr lang="en-US" dirty="0"/>
           </a:p>
         </p:txBody>
       </p:sp>
@@ -4899,31 +4899,7 @@
             </a:r>
             <a:r>
               <a:rPr lang="en-US" sz="4000" dirty="0" smtClean="0"/>
-              <a:t>sers </a:t>
-            </a:r>
-            <a:r>
-              <a:rPr lang="en-US" sz="4000" dirty="0" smtClean="0"/>
-              <a:t>can </a:t>
-            </a:r>
-            <a:r>
-              <a:rPr lang="en-US" sz="4000" dirty="0" smtClean="0"/>
-              <a:t>start </a:t>
-            </a:r>
-            <a:r>
-              <a:rPr lang="en-US" sz="4000" dirty="0" smtClean="0"/>
-              <a:t>hacking in their own virtual environment.  Administrators can </a:t>
-            </a:r>
-            <a:r>
-              <a:rPr lang="en-US" sz="4000" dirty="0" smtClean="0"/>
-              <a:t>view </a:t>
-            </a:r>
-            <a:r>
-              <a:rPr lang="en-US" sz="4000" dirty="0" smtClean="0"/>
-              <a:t>completed exercises and send grades to </a:t>
-            </a:r>
-            <a:r>
-              <a:rPr lang="en-US" sz="4000" dirty="0" smtClean="0"/>
-              <a:t>users.</a:t>
+              <a:t>sers can start hacking in their own virtual environment.  Administrators can view completed exercises and send grades to users.</a:t>
             </a:r>
             <a:endParaRPr lang="en-US" sz="4000" dirty="0"/>
           </a:p>
@@ -4953,31 +4929,7 @@
           <a:p>
             <a:r>
               <a:rPr lang="en-US" sz="4000" dirty="0" smtClean="0"/>
-              <a:t>This application was planned and developed using the Agile framework.  DevOps principles of tested driven development, automated test, continuous integration, and continuous deployment were used. </a:t>
-            </a:r>
-            <a:r>
-              <a:rPr lang="en-US" sz="4000" dirty="0" smtClean="0"/>
-              <a:t>The </a:t>
-            </a:r>
-            <a:r>
-              <a:rPr lang="en-US" sz="4000" dirty="0" smtClean="0"/>
-              <a:t>CI/CD pipeline utilized </a:t>
-            </a:r>
-            <a:r>
-              <a:rPr lang="en-US" sz="4000" dirty="0" smtClean="0"/>
-              <a:t>code and web scanners to </a:t>
-            </a:r>
-            <a:r>
-              <a:rPr lang="en-US" sz="4000" dirty="0" smtClean="0"/>
-              <a:t>ensure </a:t>
-            </a:r>
-            <a:r>
-              <a:rPr lang="en-US" sz="4000" dirty="0" smtClean="0"/>
-              <a:t>code is </a:t>
-            </a:r>
-            <a:r>
-              <a:rPr lang="en-US" sz="4000" dirty="0" smtClean="0"/>
-              <a:t>lean and secure.</a:t>
+              <a:t>This application was planned and developed using the Agile framework.  DevOps principles of tested driven development, automated test, continuous integration, and continuous deployment were used. The CI/CD pipeline utilized code and web scanners to ensure code is lean and secure.</a:t>
             </a:r>
             <a:endParaRPr lang="en-US" sz="4000" dirty="0"/>
           </a:p>
@@ -5007,15 +4959,7 @@
           <a:p>
             <a:r>
               <a:rPr lang="en-US" sz="4000" dirty="0" smtClean="0"/>
-              <a:t>Security training is desired in all parts of industry: secure coding for </a:t>
-            </a:r>
-            <a:r>
-              <a:rPr lang="en-US" sz="4000" dirty="0" smtClean="0"/>
-              <a:t>developers, </a:t>
-            </a:r>
-            <a:r>
-              <a:rPr lang="en-US" sz="4000" dirty="0" smtClean="0"/>
-              <a:t>Q/A Testers, and Security Engineers.  There are several virtual machines to practice security, but none have a student-teacher model.  </a:t>
+              <a:t>Security training is desired in all parts of industry: secure coding for developers, Q/A Testers, and Security Engineers.  There are several virtual machines to practice security, but none have a student-teacher model.  </a:t>
             </a:r>
             <a:r>
               <a:rPr lang="en-US" sz="4000" dirty="0"/>
@@ -5023,15 +4967,7 @@
             </a:r>
             <a:r>
               <a:rPr lang="en-US" sz="4000" dirty="0" smtClean="0"/>
-              <a:t>tudents can now </a:t>
-            </a:r>
-            <a:r>
-              <a:rPr lang="en-US" sz="4000" dirty="0" smtClean="0"/>
-              <a:t>easily begin learning </a:t>
-            </a:r>
-            <a:r>
-              <a:rPr lang="en-US" sz="4000" dirty="0" smtClean="0"/>
-              <a:t>security</a:t>
+              <a:t>tudents can now easily begin learning security</a:t>
             </a:r>
             <a:r>
               <a:rPr lang="en-US" sz="4000" dirty="0"/>
@@ -5047,14 +4983,14 @@
       </p:sp>
       <p:sp>
         <p:nvSpPr>
-          <p:cNvPr id="46" name="TextBox 45"/>
+          <p:cNvPr id="47" name="TextBox 46"/>
           <p:cNvSpPr txBox="1"/>
           <p:nvPr/>
         </p:nvSpPr>
         <p:spPr>
           <a:xfrm>
-            <a:off x="11742421" y="13222475"/>
-            <a:ext cx="9509760" cy="890115"/>
+            <a:off x="615215" y="20513360"/>
+            <a:ext cx="9509760" cy="8094524"/>
           </a:xfrm>
           <a:prstGeom prst="rect">
             <a:avLst/>
@@ -5068,23 +5004,91 @@
           <a:lstStyle/>
           <a:p>
             <a:r>
-              <a:rPr lang="en-US" dirty="0" smtClean="0"/>
-              <a:t>Diagram Title</a:t>
-            </a:r>
-            <a:endParaRPr lang="en-US" dirty="0"/>
-          </a:p>
-        </p:txBody>
-      </p:sp>
-      <p:sp>
-        <p:nvSpPr>
-          <p:cNvPr id="47" name="TextBox 46"/>
+              <a:rPr lang="en-US" sz="4000" dirty="0" smtClean="0"/>
+              <a:t>1 </a:t>
+            </a:r>
+            <a:r>
+              <a:rPr lang="en-US" sz="4000" dirty="0"/>
+              <a:t>–  Student interface for starting, stopping, and restarting exercises.  There should also be a place to submit answers for exercises</a:t>
+            </a:r>
+          </a:p>
+          <a:p>
+            <a:r>
+              <a:rPr lang="en-US" sz="4000" dirty="0" smtClean="0"/>
+              <a:t>2 – Instructor </a:t>
+            </a:r>
+            <a:r>
+              <a:rPr lang="en-US" sz="4000" dirty="0"/>
+              <a:t>interface for creating, editing, deleting: classes, exercises, students, and managing application performance</a:t>
+            </a:r>
+          </a:p>
+          <a:p>
+            <a:r>
+              <a:rPr lang="en-US" sz="4000" dirty="0" smtClean="0"/>
+              <a:t>3 – Instructors </a:t>
+            </a:r>
+            <a:r>
+              <a:rPr lang="en-US" sz="4000" dirty="0"/>
+              <a:t>should be able to easily check and email grades</a:t>
+            </a:r>
+          </a:p>
+          <a:p>
+            <a:r>
+              <a:rPr lang="en-US" sz="4000" dirty="0" smtClean="0"/>
+              <a:t>4 </a:t>
+            </a:r>
+            <a:r>
+              <a:rPr lang="en-US" sz="4000" dirty="0"/>
+              <a:t>– Must contain 1 web security exercise</a:t>
+            </a:r>
+          </a:p>
+          <a:p>
+            <a:r>
+              <a:rPr lang="en-US" sz="4000" dirty="0" smtClean="0"/>
+              <a:t>5 – Must </a:t>
+            </a:r>
+            <a:r>
+              <a:rPr lang="en-US" sz="4000" dirty="0"/>
+              <a:t>contain 1 desktop security exercise</a:t>
+            </a:r>
+          </a:p>
+          <a:p>
+            <a:r>
+              <a:rPr lang="en-US" sz="4000" dirty="0" smtClean="0"/>
+              <a:t>6 – Must </a:t>
+            </a:r>
+            <a:r>
+              <a:rPr lang="en-US" sz="4000" dirty="0"/>
+              <a:t>be developed securely</a:t>
+            </a:r>
+          </a:p>
+          <a:p>
+            <a:r>
+              <a:rPr lang="en-US" sz="4000" dirty="0" smtClean="0"/>
+              <a:t>7 – Must </a:t>
+            </a:r>
+            <a:r>
+              <a:rPr lang="en-US" sz="4000" dirty="0"/>
+              <a:t>be easily installed and </a:t>
+            </a:r>
+            <a:r>
+              <a:rPr lang="en-US" sz="4000" dirty="0" smtClean="0"/>
+              <a:t>enhanced by other developers</a:t>
+            </a:r>
+            <a:endParaRPr lang="en-US" sz="4000" dirty="0"/>
+          </a:p>
+        </p:txBody>
+      </p:sp>
+      <p:sp>
+        <p:nvSpPr>
+          <p:cNvPr id="48" name="TextBox 47"/>
           <p:cNvSpPr txBox="1"/>
           <p:nvPr/>
         </p:nvSpPr>
         <p:spPr>
           <a:xfrm>
-            <a:off x="615215" y="20513360"/>
-            <a:ext cx="9509760" cy="1938992"/>
+            <a:off x="11520847" y="21570673"/>
+            <a:ext cx="9971563" cy="922843"/>
           </a:xfrm>
           <a:prstGeom prst="rect">
             <a:avLst/>
@@ -5097,60 +5101,12 @@
           </a:bodyPr>
           <a:lstStyle/>
           <a:p>
-            <a:r>
-              <a:rPr lang="en-US" sz="4000" dirty="0" err="1" smtClean="0"/>
-              <a:t>Req</a:t>
-            </a:r>
-            <a:r>
-              <a:rPr lang="en-US" sz="4000" dirty="0" smtClean="0"/>
-              <a:t> 1 – </a:t>
-            </a:r>
-          </a:p>
-          <a:p>
-            <a:r>
-              <a:rPr lang="en-US" sz="4000" dirty="0" err="1" smtClean="0"/>
-              <a:t>Req</a:t>
-            </a:r>
-            <a:r>
-              <a:rPr lang="en-US" sz="4000" dirty="0" smtClean="0"/>
-              <a:t> 2 –</a:t>
-            </a:r>
-          </a:p>
-          <a:p>
-            <a:endParaRPr lang="en-US" sz="4000" dirty="0"/>
-          </a:p>
-        </p:txBody>
-      </p:sp>
-      <p:sp>
-        <p:nvSpPr>
-          <p:cNvPr id="48" name="TextBox 47"/>
-          <p:cNvSpPr txBox="1"/>
-          <p:nvPr/>
-        </p:nvSpPr>
-        <p:spPr>
-          <a:xfrm>
-            <a:off x="11768487" y="22280825"/>
-            <a:ext cx="9509760" cy="1687898"/>
-          </a:xfrm>
-          <a:prstGeom prst="rect">
-            <a:avLst/>
-          </a:prstGeom>
-          <a:noFill/>
-        </p:spPr>
-        <p:txBody>
-          <a:bodyPr wrap="square" rtlCol="0">
-            <a:spAutoFit/>
-          </a:bodyPr>
-          <a:lstStyle/>
-          <a:p>
+            <a:pPr algn="ctr"/>
             <a:r>
               <a:rPr lang="en-US" dirty="0" smtClean="0"/>
-              <a:t>Screenshots</a:t>
+              <a:t>Student</a:t>
             </a:r>
             <a:endParaRPr lang="en-US" dirty="0" smtClean="0"/>
-          </a:p>
-          <a:p>
-            <a:endParaRPr lang="en-US" dirty="0"/>
           </a:p>
         </p:txBody>
       </p:sp>
@@ -5202,6 +5158,456 @@
           </a:prstGeom>
         </p:spPr>
       </p:pic>
+      <p:sp>
+        <p:nvSpPr>
+          <p:cNvPr id="41" name="TextBox 40"/>
+          <p:cNvSpPr txBox="1"/>
+          <p:nvPr/>
+        </p:nvSpPr>
+        <p:spPr>
+          <a:xfrm>
+            <a:off x="11502191" y="25022246"/>
+            <a:ext cx="9976184" cy="922843"/>
+          </a:xfrm>
+          <a:prstGeom prst="rect">
+            <a:avLst/>
+          </a:prstGeom>
+          <a:noFill/>
+        </p:spPr>
+        <p:txBody>
+          <a:bodyPr wrap="square" rtlCol="0">
+            <a:spAutoFit/>
+          </a:bodyPr>
+          <a:lstStyle/>
+          <a:p>
+            <a:pPr algn="ctr"/>
+            <a:r>
+              <a:rPr lang="en-US" dirty="0" smtClean="0"/>
+              <a:t>Instructor</a:t>
+            </a:r>
+            <a:endParaRPr lang="en-US" dirty="0" smtClean="0"/>
+          </a:p>
+        </p:txBody>
+      </p:sp>
+      <p:sp>
+        <p:nvSpPr>
+          <p:cNvPr id="44" name="TextBox 43"/>
+          <p:cNvSpPr txBox="1"/>
+          <p:nvPr/>
+        </p:nvSpPr>
+        <p:spPr>
+          <a:xfrm>
+            <a:off x="11502191" y="28733823"/>
+            <a:ext cx="9990220" cy="3352328"/>
+          </a:xfrm>
+          <a:prstGeom prst="rect">
+            <a:avLst/>
+          </a:prstGeom>
+          <a:noFill/>
+        </p:spPr>
+        <p:txBody>
+          <a:bodyPr wrap="square" rtlCol="0">
+            <a:spAutoFit/>
+          </a:bodyPr>
+          <a:lstStyle/>
+          <a:p>
+            <a:pPr algn="ctr"/>
+            <a:r>
+              <a:rPr lang="en-US" dirty="0" smtClean="0"/>
+              <a:t>Summary</a:t>
+            </a:r>
+          </a:p>
+          <a:p>
+            <a:r>
+              <a:rPr lang="en-US" sz="4000" dirty="0" smtClean="0"/>
+              <a:t>The project is functional, has no static analysis findings, and scales well.  </a:t>
+            </a:r>
+            <a:r>
+              <a:rPr lang="en-US" sz="4000" dirty="0" smtClean="0"/>
+              <a:t>Meets</a:t>
+            </a:r>
+            <a:r>
+              <a:rPr lang="en-US" sz="4000" dirty="0" smtClean="0"/>
+              <a:t> requirements, but this application needs to be further developed to be useful for other Universities.</a:t>
+            </a:r>
+            <a:endParaRPr lang="en-US" sz="4000" dirty="0" smtClean="0"/>
+          </a:p>
+        </p:txBody>
+      </p:sp>
+      <p:sp>
+        <p:nvSpPr>
+          <p:cNvPr id="50" name="TextBox 49"/>
+          <p:cNvSpPr txBox="1"/>
+          <p:nvPr/>
+        </p:nvSpPr>
+        <p:spPr>
+          <a:xfrm>
+            <a:off x="11502190" y="12558512"/>
+            <a:ext cx="9971563" cy="922843"/>
+          </a:xfrm>
+          <a:prstGeom prst="rect">
+            <a:avLst/>
+          </a:prstGeom>
+          <a:noFill/>
+        </p:spPr>
+        <p:txBody>
+          <a:bodyPr wrap="square" rtlCol="0">
+            <a:spAutoFit/>
+          </a:bodyPr>
+          <a:lstStyle/>
+          <a:p>
+            <a:pPr algn="ctr"/>
+            <a:r>
+              <a:rPr lang="en-US" dirty="0" smtClean="0"/>
+              <a:t>Components</a:t>
+            </a:r>
+            <a:endParaRPr lang="en-US" dirty="0" smtClean="0"/>
+          </a:p>
+        </p:txBody>
+      </p:sp>
+      <p:sp>
+        <p:nvSpPr>
+          <p:cNvPr id="51" name="TextBox 50"/>
+          <p:cNvSpPr txBox="1"/>
+          <p:nvPr/>
+        </p:nvSpPr>
+        <p:spPr>
+          <a:xfrm>
+            <a:off x="11483534" y="16008273"/>
+            <a:ext cx="9976184" cy="3967881"/>
+          </a:xfrm>
+          <a:prstGeom prst="rect">
+            <a:avLst/>
+          </a:prstGeom>
+          <a:noFill/>
+        </p:spPr>
+        <p:txBody>
+          <a:bodyPr wrap="square" numCol="1" rtlCol="0">
+            <a:spAutoFit/>
+          </a:bodyPr>
+          <a:lstStyle/>
+          <a:p>
+            <a:pPr algn="ctr"/>
+            <a:r>
+              <a:rPr lang="en-US" dirty="0" smtClean="0"/>
+              <a:t>Database</a:t>
+            </a:r>
+          </a:p>
+          <a:p>
+            <a:r>
+              <a:rPr lang="en-US" sz="4000" dirty="0"/>
+              <a:t> </a:t>
+            </a:r>
+            <a:r>
+              <a:rPr lang="en-US" sz="4000" dirty="0" smtClean="0"/>
+              <a:t>      Classes</a:t>
+            </a:r>
+          </a:p>
+          <a:p>
+            <a:r>
+              <a:rPr lang="en-US" sz="4000" dirty="0" smtClean="0"/>
+              <a:t>       Exercises</a:t>
+            </a:r>
+          </a:p>
+          <a:p>
+            <a:r>
+              <a:rPr lang="en-US" sz="4000" dirty="0" smtClean="0"/>
+              <a:t>       Submissions</a:t>
+            </a:r>
+          </a:p>
+          <a:p>
+            <a:r>
+              <a:rPr lang="en-US" sz="4000" dirty="0" smtClean="0"/>
+              <a:t>       Users</a:t>
+            </a:r>
+          </a:p>
+          <a:p>
+            <a:r>
+              <a:rPr lang="en-US" sz="4000" dirty="0" smtClean="0"/>
+              <a:t>       Settings</a:t>
+            </a:r>
+          </a:p>
+        </p:txBody>
+      </p:sp>
+      <p:pic>
+        <p:nvPicPr>
+          <p:cNvPr id="52" name="Picture 2" descr="https://github.com/so87/Security-Lab-Manager/raw/dev/documentation/high-level-design.PNG"/>
+          <p:cNvPicPr>
+            <a:picLocks noChangeAspect="1" noChangeArrowheads="1"/>
+          </p:cNvPicPr>
+          <p:nvPr/>
+        </p:nvPicPr>
+        <p:blipFill>
+          <a:blip r:embed="rId7" cstate="print">
+            <a:extLst>
+              <a:ext uri="{28A0092B-C50C-407E-A947-70E740481C1C}">
+                <a14:useLocalDpi xmlns:a14="http://schemas.microsoft.com/office/drawing/2010/main" val="0"/>
+              </a:ext>
+            </a:extLst>
+          </a:blip>
+          <a:srcRect/>
+          <a:stretch>
+            <a:fillRect/>
+          </a:stretch>
+        </p:blipFill>
+        <p:spPr bwMode="auto">
+          <a:xfrm>
+            <a:off x="11554327" y="13734372"/>
+            <a:ext cx="3170076" cy="2433689"/>
+          </a:xfrm>
+          <a:prstGeom prst="rect">
+            <a:avLst/>
+          </a:prstGeom>
+          <a:noFill/>
+          <a:extLst>
+            <a:ext uri="{909E8E84-426E-40DD-AFC4-6F175D3DCCD1}">
+              <a14:hiddenFill xmlns:a14="http://schemas.microsoft.com/office/drawing/2010/main">
+                <a:solidFill>
+                  <a:srgbClr val="FFFFFF"/>
+                </a:solidFill>
+              </a14:hiddenFill>
+            </a:ext>
+          </a:extLst>
+        </p:spPr>
+      </p:pic>
+      <p:pic>
+        <p:nvPicPr>
+          <p:cNvPr id="3" name="Picture 2"/>
+          <p:cNvPicPr>
+            <a:picLocks noChangeAspect="1"/>
+          </p:cNvPicPr>
+          <p:nvPr/>
+        </p:nvPicPr>
+        <p:blipFill>
+          <a:blip r:embed="rId8"/>
+          <a:stretch>
+            <a:fillRect/>
+          </a:stretch>
+        </p:blipFill>
+        <p:spPr>
+          <a:xfrm>
+            <a:off x="12129237" y="22270533"/>
+            <a:ext cx="8626191" cy="2942803"/>
+          </a:xfrm>
+          <a:prstGeom prst="rect">
+            <a:avLst/>
+          </a:prstGeom>
+        </p:spPr>
+      </p:pic>
+      <p:pic>
+        <p:nvPicPr>
+          <p:cNvPr id="5" name="Picture 4"/>
+          <p:cNvPicPr>
+            <a:picLocks noChangeAspect="1"/>
+          </p:cNvPicPr>
+          <p:nvPr/>
+        </p:nvPicPr>
+        <p:blipFill>
+          <a:blip r:embed="rId9"/>
+          <a:stretch>
+            <a:fillRect/>
+          </a:stretch>
+        </p:blipFill>
+        <p:spPr>
+          <a:xfrm>
+            <a:off x="12129236" y="25696733"/>
+            <a:ext cx="8626191" cy="3078499"/>
+          </a:xfrm>
+          <a:prstGeom prst="rect">
+            <a:avLst/>
+          </a:prstGeom>
+        </p:spPr>
+      </p:pic>
+      <p:pic>
+        <p:nvPicPr>
+          <p:cNvPr id="1026" name="Picture 2" descr="https://github.com/so87/Security-Lab-Manager/raw/dev/documentation/dev-deploy-process.PNG"/>
+          <p:cNvPicPr>
+            <a:picLocks noChangeAspect="1" noChangeArrowheads="1"/>
+          </p:cNvPicPr>
+          <p:nvPr/>
+        </p:nvPicPr>
+        <p:blipFill>
+          <a:blip r:embed="rId10">
+            <a:extLst>
+              <a:ext uri="{28A0092B-C50C-407E-A947-70E740481C1C}">
+                <a14:useLocalDpi xmlns:a14="http://schemas.microsoft.com/office/drawing/2010/main" val="0"/>
+              </a:ext>
+            </a:extLst>
+          </a:blip>
+          <a:srcRect/>
+          <a:stretch>
+            <a:fillRect/>
+          </a:stretch>
+        </p:blipFill>
+        <p:spPr bwMode="auto">
+          <a:xfrm>
+            <a:off x="18152156" y="13734722"/>
+            <a:ext cx="3340254" cy="1804019"/>
+          </a:xfrm>
+          <a:prstGeom prst="rect">
+            <a:avLst/>
+          </a:prstGeom>
+          <a:noFill/>
+          <a:extLst>
+            <a:ext uri="{909E8E84-426E-40DD-AFC4-6F175D3DCCD1}">
+              <a14:hiddenFill xmlns:a14="http://schemas.microsoft.com/office/drawing/2010/main">
+                <a:solidFill>
+                  <a:srgbClr val="FFFFFF"/>
+                </a:solidFill>
+              </a14:hiddenFill>
+            </a:ext>
+          </a:extLst>
+        </p:spPr>
+      </p:pic>
+      <p:pic>
+        <p:nvPicPr>
+          <p:cNvPr id="6" name="Picture 5"/>
+          <p:cNvPicPr>
+            <a:picLocks noChangeAspect="1"/>
+          </p:cNvPicPr>
+          <p:nvPr/>
+        </p:nvPicPr>
+        <p:blipFill>
+          <a:blip r:embed="rId11"/>
+          <a:stretch>
+            <a:fillRect/>
+          </a:stretch>
+        </p:blipFill>
+        <p:spPr>
+          <a:xfrm>
+            <a:off x="14693985" y="14043928"/>
+            <a:ext cx="3413445" cy="1087542"/>
+          </a:xfrm>
+          <a:prstGeom prst="rect">
+            <a:avLst/>
+          </a:prstGeom>
+        </p:spPr>
+      </p:pic>
+      <p:pic>
+        <p:nvPicPr>
+          <p:cNvPr id="11" name="Picture 10"/>
+          <p:cNvPicPr>
+            <a:picLocks noChangeAspect="1"/>
+          </p:cNvPicPr>
+          <p:nvPr/>
+        </p:nvPicPr>
+        <p:blipFill>
+          <a:blip r:embed="rId12"/>
+          <a:stretch>
+            <a:fillRect/>
+          </a:stretch>
+        </p:blipFill>
+        <p:spPr>
+          <a:xfrm>
+            <a:off x="16253927" y="17036594"/>
+            <a:ext cx="4902001" cy="3145900"/>
+          </a:xfrm>
+          <a:prstGeom prst="rect">
+            <a:avLst/>
+          </a:prstGeom>
+        </p:spPr>
+      </p:pic>
+      <p:sp>
+        <p:nvSpPr>
+          <p:cNvPr id="16" name="TextBox 15"/>
+          <p:cNvSpPr txBox="1"/>
+          <p:nvPr/>
+        </p:nvSpPr>
+        <p:spPr>
+          <a:xfrm>
+            <a:off x="12438556" y="13270677"/>
+            <a:ext cx="1543050" cy="523220"/>
+          </a:xfrm>
+          <a:prstGeom prst="rect">
+            <a:avLst/>
+          </a:prstGeom>
+          <a:noFill/>
+        </p:spPr>
+        <p:txBody>
+          <a:bodyPr wrap="square" rtlCol="0">
+            <a:spAutoFit/>
+          </a:bodyPr>
+          <a:lstStyle/>
+          <a:p>
+            <a:pPr algn="ctr"/>
+            <a:r>
+              <a:rPr lang="en-US" sz="2800" dirty="0" smtClean="0"/>
+              <a:t>Internals</a:t>
+            </a:r>
+            <a:endParaRPr lang="en-US" sz="2800" dirty="0"/>
+          </a:p>
+        </p:txBody>
+      </p:sp>
+      <p:sp>
+        <p:nvSpPr>
+          <p:cNvPr id="53" name="TextBox 52"/>
+          <p:cNvSpPr txBox="1"/>
+          <p:nvPr/>
+        </p:nvSpPr>
+        <p:spPr>
+          <a:xfrm>
+            <a:off x="15038434" y="13271616"/>
+            <a:ext cx="3091359" cy="523220"/>
+          </a:xfrm>
+          <a:prstGeom prst="rect">
+            <a:avLst/>
+          </a:prstGeom>
+          <a:noFill/>
+        </p:spPr>
+        <p:txBody>
+          <a:bodyPr wrap="square" rtlCol="0">
+            <a:spAutoFit/>
+          </a:bodyPr>
+          <a:lstStyle/>
+          <a:p>
+            <a:pPr algn="ctr"/>
+            <a:r>
+              <a:rPr lang="en-US" sz="2800" dirty="0" err="1" smtClean="0"/>
+              <a:t>Gunicorn</a:t>
+            </a:r>
+            <a:r>
+              <a:rPr lang="en-US" sz="2800" dirty="0"/>
+              <a:t> </a:t>
+            </a:r>
+            <a:r>
+              <a:rPr lang="en-US" sz="2800" dirty="0" smtClean="0"/>
+              <a:t>- Browser</a:t>
+            </a:r>
+            <a:endParaRPr lang="en-US" sz="2800" dirty="0"/>
+          </a:p>
+        </p:txBody>
+      </p:sp>
+      <p:sp>
+        <p:nvSpPr>
+          <p:cNvPr id="54" name="TextBox 53"/>
+          <p:cNvSpPr txBox="1"/>
+          <p:nvPr/>
+        </p:nvSpPr>
+        <p:spPr>
+          <a:xfrm>
+            <a:off x="18368359" y="13271462"/>
+            <a:ext cx="3091359" cy="523220"/>
+          </a:xfrm>
+          <a:prstGeom prst="rect">
+            <a:avLst/>
+          </a:prstGeom>
+          <a:noFill/>
+        </p:spPr>
+        <p:txBody>
+          <a:bodyPr wrap="square" rtlCol="0">
+            <a:spAutoFit/>
+          </a:bodyPr>
+          <a:lstStyle/>
+          <a:p>
+            <a:pPr algn="ctr"/>
+            <a:r>
+              <a:rPr lang="en-US" sz="2800" dirty="0" smtClean="0"/>
+              <a:t>Network Setup</a:t>
+            </a:r>
+            <a:endParaRPr lang="en-US" sz="2800" dirty="0"/>
+          </a:p>
+        </p:txBody>
+      </p:sp>
     </p:spTree>
     <p:extLst>
       <p:ext uri="{BB962C8B-B14F-4D97-AF65-F5344CB8AC3E}">
@@ -6025,7 +6431,7 @@
 </file>
 
 <file path=customXml/itemProps2.xml><?xml version="1.0" encoding="utf-8"?>
-<ds:datastoreItem xmlns:ds="http://schemas.openxmlformats.org/officeDocument/2006/customXml" ds:itemID="{BA633446-2620-482C-A8D1-407432FD6C9E}">
+<ds:datastoreItem xmlns:ds="http://schemas.openxmlformats.org/officeDocument/2006/customXml" ds:itemID="{2EF28B04-7BD9-4708-B545-D41AE94ED983}">
   <ds:schemaRefs>
     <ds:schemaRef ds:uri="http://www.w3.org/2001/XMLSchema"/>
     <ds:schemaRef ds:uri="http://www.boldonjames.com/2008/01/sie/internal/label"/>

--- a/documentation/poster.pptx
+++ b/documentation/poster.pptx
@@ -200,7 +200,7 @@
           <a:p>
             <a:fld id="{7A742C25-6B9D-4BBC-B963-7C0051B7F1C0}" type="datetimeFigureOut">
               <a:rPr lang="en-US" smtClean="0"/>
-              <a:t>3/31/2019</a:t>
+              <a:t>4/5/2019</a:t>
             </a:fld>
             <a:endParaRPr lang="en-US"/>
           </a:p>
@@ -365,7 +365,7 @@
           <a:p>
             <a:fld id="{6337218B-FAD9-4329-997D-1F8E36863CDC}" type="datetimeFigureOut">
               <a:rPr lang="en-US" smtClean="0"/>
-              <a:t>3/31/2019</a:t>
+              <a:t>4/5/2019</a:t>
             </a:fld>
             <a:endParaRPr lang="en-US"/>
           </a:p>
@@ -892,7 +892,7 @@
           <a:p>
             <a:fld id="{D2033A72-562D-473B-B2EC-CFF4CA1A8D42}" type="datetimeFigureOut">
               <a:rPr lang="en-US" smtClean="0"/>
-              <a:t>3/31/2019</a:t>
+              <a:t>4/5/2019</a:t>
             </a:fld>
             <a:endParaRPr lang="en-US"/>
           </a:p>
@@ -1062,7 +1062,7 @@
           <a:p>
             <a:fld id="{D2033A72-562D-473B-B2EC-CFF4CA1A8D42}" type="datetimeFigureOut">
               <a:rPr lang="en-US" smtClean="0"/>
-              <a:t>3/31/2019</a:t>
+              <a:t>4/5/2019</a:t>
             </a:fld>
             <a:endParaRPr lang="en-US"/>
           </a:p>
@@ -1242,7 +1242,7 @@
           <a:p>
             <a:fld id="{D2033A72-562D-473B-B2EC-CFF4CA1A8D42}" type="datetimeFigureOut">
               <a:rPr lang="en-US" smtClean="0"/>
-              <a:t>3/31/2019</a:t>
+              <a:t>4/5/2019</a:t>
             </a:fld>
             <a:endParaRPr lang="en-US"/>
           </a:p>
@@ -1412,7 +1412,7 @@
           <a:p>
             <a:fld id="{D2033A72-562D-473B-B2EC-CFF4CA1A8D42}" type="datetimeFigureOut">
               <a:rPr lang="en-US" smtClean="0"/>
-              <a:t>3/31/2019</a:t>
+              <a:t>4/5/2019</a:t>
             </a:fld>
             <a:endParaRPr lang="en-US"/>
           </a:p>
@@ -1656,7 +1656,7 @@
           <a:p>
             <a:fld id="{D2033A72-562D-473B-B2EC-CFF4CA1A8D42}" type="datetimeFigureOut">
               <a:rPr lang="en-US" smtClean="0"/>
-              <a:t>3/31/2019</a:t>
+              <a:t>4/5/2019</a:t>
             </a:fld>
             <a:endParaRPr lang="en-US"/>
           </a:p>
@@ -1888,7 +1888,7 @@
           <a:p>
             <a:fld id="{D2033A72-562D-473B-B2EC-CFF4CA1A8D42}" type="datetimeFigureOut">
               <a:rPr lang="en-US" smtClean="0"/>
-              <a:t>3/31/2019</a:t>
+              <a:t>4/5/2019</a:t>
             </a:fld>
             <a:endParaRPr lang="en-US"/>
           </a:p>
@@ -2255,7 +2255,7 @@
           <a:p>
             <a:fld id="{D2033A72-562D-473B-B2EC-CFF4CA1A8D42}" type="datetimeFigureOut">
               <a:rPr lang="en-US" smtClean="0"/>
-              <a:t>3/31/2019</a:t>
+              <a:t>4/5/2019</a:t>
             </a:fld>
             <a:endParaRPr lang="en-US"/>
           </a:p>
@@ -2373,7 +2373,7 @@
           <a:p>
             <a:fld id="{D2033A72-562D-473B-B2EC-CFF4CA1A8D42}" type="datetimeFigureOut">
               <a:rPr lang="en-US" smtClean="0"/>
-              <a:t>3/31/2019</a:t>
+              <a:t>4/5/2019</a:t>
             </a:fld>
             <a:endParaRPr lang="en-US"/>
           </a:p>
@@ -2468,7 +2468,7 @@
           <a:p>
             <a:fld id="{D2033A72-562D-473B-B2EC-CFF4CA1A8D42}" type="datetimeFigureOut">
               <a:rPr lang="en-US" smtClean="0"/>
-              <a:t>3/31/2019</a:t>
+              <a:t>4/5/2019</a:t>
             </a:fld>
             <a:endParaRPr lang="en-US"/>
           </a:p>
@@ -2745,7 +2745,7 @@
           <a:p>
             <a:fld id="{D2033A72-562D-473B-B2EC-CFF4CA1A8D42}" type="datetimeFigureOut">
               <a:rPr lang="en-US" smtClean="0"/>
-              <a:t>3/31/2019</a:t>
+              <a:t>4/5/2019</a:t>
             </a:fld>
             <a:endParaRPr lang="en-US"/>
           </a:p>
@@ -3002,7 +3002,7 @@
           <a:p>
             <a:fld id="{D2033A72-562D-473B-B2EC-CFF4CA1A8D42}" type="datetimeFigureOut">
               <a:rPr lang="en-US" smtClean="0"/>
-              <a:t>3/31/2019</a:t>
+              <a:t>4/5/2019</a:t>
             </a:fld>
             <a:endParaRPr lang="en-US"/>
           </a:p>
@@ -3215,7 +3215,7 @@
           <a:p>
             <a:fld id="{D2033A72-562D-473B-B2EC-CFF4CA1A8D42}" type="datetimeFigureOut">
               <a:rPr lang="en-US" smtClean="0"/>
-              <a:t>3/31/2019</a:t>
+              <a:t>4/5/2019</a:t>
             </a:fld>
             <a:endParaRPr lang="en-US"/>
           </a:p>
@@ -3642,8 +3642,8 @@
         </p:blipFill>
         <p:spPr>
           <a:xfrm>
-            <a:off x="7434605" y="28140546"/>
-            <a:ext cx="3690595" cy="3690595"/>
+            <a:off x="7808608" y="29625984"/>
+            <a:ext cx="2809755" cy="3120966"/>
           </a:xfrm>
           <a:prstGeom prst="rect">
             <a:avLst/>
@@ -3665,7 +3665,7 @@
             <a:avLst/>
           </a:prstGeom>
           <a:solidFill>
-            <a:srgbClr val="7030A0"/>
+            <a:srgbClr val="58267E"/>
           </a:solidFill>
         </p:spPr>
         <p:style>
@@ -3715,8 +3715,8 @@
         </p:blipFill>
         <p:spPr>
           <a:xfrm>
-            <a:off x="477253" y="29748355"/>
-            <a:ext cx="6910213" cy="2636176"/>
+            <a:off x="401054" y="30914083"/>
+            <a:ext cx="3904424" cy="1489498"/>
           </a:xfrm>
           <a:prstGeom prst="rect">
             <a:avLst/>
@@ -3731,8 +3731,8 @@
         </p:nvSpPr>
         <p:spPr>
           <a:xfrm>
-            <a:off x="640080" y="2335869"/>
-            <a:ext cx="21305520" cy="1569660"/>
+            <a:off x="0" y="2335869"/>
+            <a:ext cx="21945600" cy="1569660"/>
           </a:xfrm>
           <a:prstGeom prst="rect">
             <a:avLst/>
@@ -3858,7 +3858,25 @@
                 </a:solidFill>
                 <a:latin typeface="Berlin Sans FB" panose="020E0602020502020306" pitchFamily="34" charset="0"/>
               </a:rPr>
-              <a:t>Developed by Simon Owens		     Advisor/Sponsor: Mr. Mark Randall</a:t>
+              <a:t>Developed by Simon Owens		     </a:t>
+            </a:r>
+            <a:r>
+              <a:rPr lang="en-US" sz="4800" dirty="0" smtClean="0">
+                <a:solidFill>
+                  <a:schemeClr val="bg1"/>
+                </a:solidFill>
+                <a:latin typeface="Berlin Sans FB" panose="020E0602020502020306" pitchFamily="34" charset="0"/>
+              </a:rPr>
+              <a:t>  Advisor/Sponsor</a:t>
+            </a:r>
+            <a:r>
+              <a:rPr lang="en-US" sz="4800" dirty="0" smtClean="0">
+                <a:solidFill>
+                  <a:schemeClr val="bg1"/>
+                </a:solidFill>
+                <a:latin typeface="Berlin Sans FB" panose="020E0602020502020306" pitchFamily="34" charset="0"/>
+              </a:rPr>
+              <a:t>: Mr. Mark Randall</a:t>
             </a:r>
           </a:p>
           <a:p>
@@ -3887,7 +3905,25 @@
                 </a:solidFill>
                 <a:latin typeface="Berlin Sans FB" panose="020E0602020502020306" pitchFamily="34" charset="0"/>
               </a:rPr>
-              <a:t>                             University of Evansville</a:t>
+              <a:t>                             </a:t>
+            </a:r>
+            <a:r>
+              <a:rPr lang="en-US" sz="4800" dirty="0" smtClean="0">
+                <a:solidFill>
+                  <a:schemeClr val="bg1"/>
+                </a:solidFill>
+                <a:latin typeface="Berlin Sans FB" panose="020E0602020502020306" pitchFamily="34" charset="0"/>
+              </a:rPr>
+              <a:t>  University </a:t>
+            </a:r>
+            <a:r>
+              <a:rPr lang="en-US" sz="4800" dirty="0" smtClean="0">
+                <a:solidFill>
+                  <a:schemeClr val="bg1"/>
+                </a:solidFill>
+                <a:latin typeface="Berlin Sans FB" panose="020E0602020502020306" pitchFamily="34" charset="0"/>
+              </a:rPr>
+              <a:t>of Evansville</a:t>
             </a:r>
           </a:p>
         </p:txBody>
@@ -3900,7 +3936,7 @@
         </p:nvSpPr>
         <p:spPr>
           <a:xfrm>
-            <a:off x="152400" y="717888"/>
+            <a:off x="0" y="717888"/>
             <a:ext cx="21945600" cy="1569660"/>
           </a:xfrm>
           <a:prstGeom prst="rect">
@@ -4016,7 +4052,16 @@
                 </a:solidFill>
                 <a:latin typeface="Bauhaus 93" panose="04030905020B02020C02" pitchFamily="82" charset="0"/>
               </a:rPr>
-              <a:t>Security Lab Manager</a:t>
+              <a:t> Security </a:t>
+            </a:r>
+            <a:r>
+              <a:rPr lang="en-US" sz="9600" dirty="0" smtClean="0">
+                <a:solidFill>
+                  <a:schemeClr val="bg1"/>
+                </a:solidFill>
+                <a:latin typeface="Bauhaus 93" panose="04030905020B02020C02" pitchFamily="82" charset="0"/>
+              </a:rPr>
+              <a:t>Lab Manager</a:t>
             </a:r>
             <a:endParaRPr lang="en-US" sz="9600" dirty="0">
               <a:solidFill>
@@ -4079,7 +4124,7 @@
         <p:spPr>
           <a:xfrm>
             <a:off x="401054" y="5387406"/>
-            <a:ext cx="10042357" cy="6114783"/>
+            <a:ext cx="10042357" cy="6285070"/>
           </a:xfrm>
           <a:prstGeom prst="rect">
             <a:avLst/>
@@ -4128,7 +4173,7 @@
             <a:avLst/>
           </a:prstGeom>
           <a:solidFill>
-            <a:srgbClr val="7030A0"/>
+            <a:srgbClr val="58267E"/>
           </a:solidFill>
         </p:spPr>
         <p:style>
@@ -4164,8 +4209,8 @@
         </p:nvSpPr>
         <p:spPr>
           <a:xfrm>
-            <a:off x="11502190" y="5387405"/>
-            <a:ext cx="9990220" cy="5778864"/>
+            <a:off x="11502190" y="5387404"/>
+            <a:ext cx="9990220" cy="5806043"/>
           </a:xfrm>
           <a:prstGeom prst="rect">
             <a:avLst/>
@@ -4214,7 +4259,7 @@
             <a:avLst/>
           </a:prstGeom>
           <a:solidFill>
-            <a:srgbClr val="7030A0"/>
+            <a:srgbClr val="58267E"/>
           </a:solidFill>
         </p:spPr>
         <p:style>
@@ -4286,7 +4331,7 @@
         <p:spPr>
           <a:xfrm>
             <a:off x="401054" y="13165131"/>
-            <a:ext cx="10042357" cy="5000949"/>
+            <a:ext cx="10042357" cy="5286645"/>
           </a:xfrm>
           <a:prstGeom prst="rect">
             <a:avLst/>
@@ -4335,7 +4380,7 @@
             <a:avLst/>
           </a:prstGeom>
           <a:solidFill>
-            <a:srgbClr val="7030A0"/>
+            <a:srgbClr val="58267E"/>
           </a:solidFill>
         </p:spPr>
         <p:style>
@@ -4421,7 +4466,7 @@
             <a:avLst/>
           </a:prstGeom>
           <a:solidFill>
-            <a:srgbClr val="7030A0"/>
+            <a:srgbClr val="58267E"/>
           </a:solidFill>
         </p:spPr>
         <p:style>
@@ -4458,7 +4503,7 @@
         <p:spPr>
           <a:xfrm>
             <a:off x="401053" y="18942392"/>
-            <a:ext cx="10042357" cy="10029650"/>
+            <a:ext cx="10042357" cy="11700654"/>
           </a:xfrm>
           <a:prstGeom prst="rect">
             <a:avLst/>
@@ -4507,7 +4552,7 @@
             <a:avLst/>
           </a:prstGeom>
           <a:solidFill>
-            <a:srgbClr val="7030A0"/>
+            <a:srgbClr val="58267E"/>
           </a:solidFill>
         </p:spPr>
         <p:style>
@@ -4593,7 +4638,7 @@
             <a:avLst/>
           </a:prstGeom>
           <a:solidFill>
-            <a:srgbClr val="7030A0"/>
+            <a:srgbClr val="58267E"/>
           </a:solidFill>
         </p:spPr>
         <p:style>
@@ -4629,7 +4674,7 @@
         </p:nvSpPr>
         <p:spPr>
           <a:xfrm>
-            <a:off x="401053" y="5367338"/>
+            <a:off x="401053" y="5381848"/>
             <a:ext cx="10042357" cy="1107996"/>
           </a:xfrm>
           <a:prstGeom prst="rect">
@@ -4692,7 +4737,7 @@
                 </a:solidFill>
                 <a:latin typeface="Berlin Sans FB" panose="020E0602020502020306" pitchFamily="34" charset="0"/>
               </a:rPr>
-              <a:t>DEVELOPMENT</a:t>
+              <a:t>REQUIREMENTS</a:t>
             </a:r>
             <a:endParaRPr lang="en-US" sz="6600" dirty="0">
               <a:solidFill>
@@ -4711,7 +4756,7 @@
         </p:nvSpPr>
         <p:spPr>
           <a:xfrm>
-            <a:off x="348917" y="12166667"/>
+            <a:off x="421487" y="12137642"/>
             <a:ext cx="10042357" cy="1107996"/>
           </a:xfrm>
           <a:prstGeom prst="rect">
@@ -4752,7 +4797,7 @@
         </p:nvSpPr>
         <p:spPr>
           <a:xfrm>
-            <a:off x="11502190" y="11605577"/>
+            <a:off x="11487676" y="11562032"/>
             <a:ext cx="10042357" cy="1107996"/>
           </a:xfrm>
           <a:prstGeom prst="rect">
@@ -4793,7 +4838,7 @@
         </p:nvSpPr>
         <p:spPr>
           <a:xfrm>
-            <a:off x="11676648" y="20448612"/>
+            <a:off x="11487963" y="20477641"/>
             <a:ext cx="10042357" cy="1107996"/>
           </a:xfrm>
           <a:prstGeom prst="rect">
@@ -4834,7 +4879,7 @@
         </p:nvSpPr>
         <p:spPr>
           <a:xfrm>
-            <a:off x="477253" y="18878750"/>
+            <a:off x="404683" y="18936806"/>
             <a:ext cx="10042357" cy="1107996"/>
           </a:xfrm>
           <a:prstGeom prst="rect">
@@ -4856,7 +4901,7 @@
                 </a:solidFill>
                 <a:latin typeface="Berlin Sans FB" panose="020E0602020502020306" pitchFamily="34" charset="0"/>
               </a:rPr>
-              <a:t>REQUIREMENTS</a:t>
+              <a:t>DEVELOPMENT</a:t>
             </a:r>
             <a:endParaRPr lang="en-US" sz="6600" dirty="0">
               <a:solidFill>
@@ -4875,8 +4920,8 @@
         </p:nvSpPr>
         <p:spPr>
           <a:xfrm>
-            <a:off x="640080" y="6766560"/>
-            <a:ext cx="9509760" cy="4401205"/>
+            <a:off x="640080" y="6480810"/>
+            <a:ext cx="9509760" cy="5016758"/>
           </a:xfrm>
           <a:prstGeom prst="rect">
             <a:avLst/>
@@ -4890,31 +4935,86 @@
           <a:lstStyle/>
           <a:p>
             <a:r>
-              <a:rPr lang="en-US" sz="4000" dirty="0" smtClean="0"/>
+              <a:rPr lang="en-US" sz="2400" dirty="0" smtClean="0"/>
               <a:t>The Security Lab Manager is a web application that manages vulnerable virtualization machines for users to practice hacking on.  </a:t>
             </a:r>
             <a:r>
-              <a:rPr lang="en-US" sz="4000" dirty="0"/>
+              <a:rPr lang="en-US" sz="2400" dirty="0"/>
               <a:t>U</a:t>
             </a:r>
             <a:r>
-              <a:rPr lang="en-US" sz="4000" dirty="0" smtClean="0"/>
+              <a:rPr lang="en-US" sz="2400" dirty="0" smtClean="0"/>
               <a:t>sers can start hacking in their own virtual environment.  Administrators can view completed exercises and send grades to users.</a:t>
             </a:r>
-            <a:endParaRPr lang="en-US" sz="4000" dirty="0"/>
-          </a:p>
-        </p:txBody>
-      </p:sp>
-      <p:sp>
-        <p:nvSpPr>
-          <p:cNvPr id="42" name="TextBox 41"/>
+            <a:endParaRPr lang="en-US" sz="2400" dirty="0"/>
+          </a:p>
+          <a:p>
+            <a:r>
+              <a:rPr lang="en-US" sz="2800" b="1" dirty="0" smtClean="0"/>
+              <a:t>Features</a:t>
+            </a:r>
+          </a:p>
+          <a:p>
+            <a:r>
+              <a:rPr lang="en-US" sz="2400" dirty="0" smtClean="0"/>
+              <a:t/>
+            </a:r>
+            <a:br>
+              <a:rPr lang="en-US" sz="2400" dirty="0" smtClean="0"/>
+            </a:br>
+            <a:r>
+              <a:rPr lang="en-US" sz="2400" dirty="0" smtClean="0"/>
+              <a:t/>
+            </a:r>
+            <a:br>
+              <a:rPr lang="en-US" sz="2400" dirty="0" smtClean="0"/>
+            </a:br>
+            <a:endParaRPr lang="en-US" sz="2400" dirty="0" smtClean="0"/>
+          </a:p>
+          <a:p>
+            <a:r>
+              <a:rPr lang="en-US" sz="2800" b="1" dirty="0" smtClean="0"/>
+              <a:t>Software</a:t>
+            </a:r>
+          </a:p>
+          <a:p>
+            <a:r>
+              <a:rPr lang="en-US" sz="2400" dirty="0" smtClean="0"/>
+              <a:t>❏ Front End – JavaScript, JQuery, HTML5, CSS</a:t>
+            </a:r>
+          </a:p>
+          <a:p>
+            <a:r>
+              <a:rPr lang="en-US" sz="2400" dirty="0" smtClean="0"/>
+              <a:t>❏ Back End – Django Framework, Python, Docker SDK, Bash, PostgreSQL</a:t>
+            </a:r>
+          </a:p>
+          <a:p>
+            <a:r>
+              <a:rPr lang="en-US" sz="2400" dirty="0" smtClean="0"/>
+              <a:t>❏ Platform – Docker Linux Containers: Can run and develop on Windows or Linux if </a:t>
+            </a:r>
+            <a:r>
+              <a:rPr lang="en-US" sz="2400" dirty="0"/>
+              <a:t>D</a:t>
+            </a:r>
+            <a:r>
+              <a:rPr lang="en-US" sz="2400" dirty="0" smtClean="0"/>
+              <a:t>ocker is installed</a:t>
+            </a:r>
+          </a:p>
+        </p:txBody>
+      </p:sp>
+      <p:sp>
+        <p:nvSpPr>
+          <p:cNvPr id="45" name="TextBox 44"/>
           <p:cNvSpPr txBox="1"/>
           <p:nvPr/>
         </p:nvSpPr>
         <p:spPr>
           <a:xfrm>
-            <a:off x="11676648" y="6595571"/>
-            <a:ext cx="9479280" cy="4401205"/>
+            <a:off x="640080" y="13260737"/>
+            <a:ext cx="9509760" cy="3046988"/>
           </a:xfrm>
           <a:prstGeom prst="rect">
             <a:avLst/>
@@ -4928,23 +5028,49 @@
           <a:lstStyle/>
           <a:p>
             <a:r>
-              <a:rPr lang="en-US" sz="4000" dirty="0" smtClean="0"/>
-              <a:t>This application was planned and developed using the Agile framework.  DevOps principles of tested driven development, automated test, continuous integration, and continuous deployment were used. The CI/CD pipeline utilized code and web scanners to ensure code is lean and secure.</a:t>
-            </a:r>
-            <a:endParaRPr lang="en-US" sz="4000" dirty="0"/>
-          </a:p>
-        </p:txBody>
-      </p:sp>
-      <p:sp>
-        <p:nvSpPr>
-          <p:cNvPr id="45" name="TextBox 44"/>
+              <a:rPr lang="en-US" sz="2400" dirty="0" smtClean="0"/>
+              <a:t>Security training is desired in all parts of industry: secure coding for developers, Q/A Testers, and Security Engineers.  There are several virtual machines to practice security, but none have a student-teacher model.  </a:t>
+            </a:r>
+            <a:r>
+              <a:rPr lang="en-US" sz="2400" dirty="0"/>
+              <a:t>S</a:t>
+            </a:r>
+            <a:r>
+              <a:rPr lang="en-US" sz="2400" dirty="0" smtClean="0"/>
+              <a:t>tudents can now easily begin learning security</a:t>
+            </a:r>
+            <a:r>
+              <a:rPr lang="en-US" sz="2400" dirty="0"/>
+              <a:t> </a:t>
+            </a:r>
+            <a:r>
+              <a:rPr lang="en-US" sz="2400" dirty="0" smtClean="0"/>
+              <a:t>with just this application</a:t>
+            </a:r>
+            <a:r>
+              <a:rPr lang="en-US" sz="2400" dirty="0" smtClean="0"/>
+              <a:t>.  The table below compares current options for learning security, bring your own device(BYOD), using VMware virtual machines, or this application.</a:t>
+            </a:r>
+            <a:endParaRPr lang="en-US" sz="2400" dirty="0" smtClean="0"/>
+          </a:p>
+          <a:p>
+            <a:endParaRPr lang="en-US" sz="2400" dirty="0"/>
+          </a:p>
+          <a:p>
+            <a:endParaRPr lang="en-US" sz="2400" dirty="0" smtClean="0"/>
+          </a:p>
+        </p:txBody>
+      </p:sp>
+      <p:sp>
+        <p:nvSpPr>
+          <p:cNvPr id="47" name="TextBox 46"/>
           <p:cNvSpPr txBox="1"/>
           <p:nvPr/>
         </p:nvSpPr>
         <p:spPr>
           <a:xfrm>
-            <a:off x="640080" y="13451237"/>
-            <a:ext cx="9509760" cy="4401205"/>
+            <a:off x="11735642" y="6505216"/>
+            <a:ext cx="9509760" cy="3785652"/>
           </a:xfrm>
           <a:prstGeom prst="rect">
             <a:avLst/>
@@ -4958,161 +5084,136 @@
           <a:lstStyle/>
           <a:p>
             <a:r>
-              <a:rPr lang="en-US" sz="4000" dirty="0" smtClean="0"/>
-              <a:t>Security training is desired in all parts of industry: secure coding for developers, Q/A Testers, and Security Engineers.  There are several virtual machines to practice security, but none have a student-teacher model.  </a:t>
-            </a:r>
-            <a:r>
-              <a:rPr lang="en-US" sz="4000" dirty="0"/>
-              <a:t>S</a:t>
-            </a:r>
-            <a:r>
-              <a:rPr lang="en-US" sz="4000" dirty="0" smtClean="0"/>
-              <a:t>tudents can now easily begin learning security</a:t>
-            </a:r>
-            <a:r>
-              <a:rPr lang="en-US" sz="4000" dirty="0"/>
-              <a:t> </a:t>
-            </a:r>
-            <a:r>
-              <a:rPr lang="en-US" sz="4000" dirty="0" smtClean="0"/>
-              <a:t>with just this application.</a:t>
-            </a:r>
-            <a:endParaRPr lang="en-US" sz="4000" dirty="0"/>
-          </a:p>
-        </p:txBody>
-      </p:sp>
-      <p:sp>
-        <p:nvSpPr>
-          <p:cNvPr id="47" name="TextBox 46"/>
-          <p:cNvSpPr txBox="1"/>
-          <p:nvPr/>
-        </p:nvSpPr>
-        <p:spPr>
-          <a:xfrm>
-            <a:off x="615215" y="20513360"/>
-            <a:ext cx="9509760" cy="8094524"/>
-          </a:xfrm>
-          <a:prstGeom prst="rect">
-            <a:avLst/>
-          </a:prstGeom>
-          <a:noFill/>
-        </p:spPr>
-        <p:txBody>
-          <a:bodyPr wrap="square" rtlCol="0">
-            <a:spAutoFit/>
-          </a:bodyPr>
-          <a:lstStyle/>
-          <a:p>
-            <a:r>
-              <a:rPr lang="en-US" sz="4000" dirty="0" smtClean="0"/>
-              <a:t>1 </a:t>
-            </a:r>
-            <a:r>
-              <a:rPr lang="en-US" sz="4000" dirty="0"/>
-              <a:t>–  Student interface for starting, stopping, and restarting exercises.  There should also be a place to submit answers for exercises</a:t>
-            </a:r>
-          </a:p>
-          <a:p>
-            <a:r>
-              <a:rPr lang="en-US" sz="4000" dirty="0" smtClean="0"/>
-              <a:t>2 – Instructor </a:t>
-            </a:r>
-            <a:r>
-              <a:rPr lang="en-US" sz="4000" dirty="0"/>
+              <a:rPr lang="en-US" sz="2400" dirty="0"/>
+              <a:t>❏ </a:t>
+            </a:r>
+            <a:r>
+              <a:rPr lang="en-US" sz="2400" dirty="0" smtClean="0"/>
+              <a:t> Student </a:t>
+            </a:r>
+            <a:r>
+              <a:rPr lang="en-US" sz="2400" dirty="0"/>
+              <a:t>interface for starting, stopping, and restarting exercises.  There should also be a place to submit answers for exercises</a:t>
+            </a:r>
+          </a:p>
+          <a:p>
+            <a:r>
+              <a:rPr lang="en-US" sz="2400" dirty="0"/>
+              <a:t>❏ </a:t>
+            </a:r>
+            <a:r>
+              <a:rPr lang="en-US" sz="2400" dirty="0" smtClean="0"/>
+              <a:t> Instructor </a:t>
+            </a:r>
+            <a:r>
+              <a:rPr lang="en-US" sz="2400" dirty="0"/>
               <a:t>interface for creating, editing, deleting: classes, exercises, students, and managing application performance</a:t>
             </a:r>
           </a:p>
           <a:p>
             <a:r>
-              <a:rPr lang="en-US" sz="4000" dirty="0" smtClean="0"/>
-              <a:t>3 – Instructors </a:t>
-            </a:r>
-            <a:r>
-              <a:rPr lang="en-US" sz="4000" dirty="0"/>
+              <a:rPr lang="en-US" sz="2400" dirty="0"/>
+              <a:t>❏ </a:t>
+            </a:r>
+            <a:r>
+              <a:rPr lang="en-US" sz="2400" dirty="0" smtClean="0"/>
+              <a:t> Instructors </a:t>
+            </a:r>
+            <a:r>
+              <a:rPr lang="en-US" sz="2400" dirty="0"/>
               <a:t>should be able to easily check and email grades</a:t>
             </a:r>
           </a:p>
           <a:p>
             <a:r>
-              <a:rPr lang="en-US" sz="4000" dirty="0" smtClean="0"/>
-              <a:t>4 </a:t>
-            </a:r>
-            <a:r>
-              <a:rPr lang="en-US" sz="4000" dirty="0"/>
-              <a:t>– Must contain 1 web security exercise</a:t>
-            </a:r>
-          </a:p>
-          <a:p>
-            <a:r>
-              <a:rPr lang="en-US" sz="4000" dirty="0" smtClean="0"/>
-              <a:t>5 – Must </a:t>
-            </a:r>
-            <a:r>
-              <a:rPr lang="en-US" sz="4000" dirty="0"/>
-              <a:t>contain 1 desktop security exercise</a:t>
-            </a:r>
-          </a:p>
-          <a:p>
-            <a:r>
-              <a:rPr lang="en-US" sz="4000" dirty="0" smtClean="0"/>
-              <a:t>6 – Must </a:t>
-            </a:r>
-            <a:r>
-              <a:rPr lang="en-US" sz="4000" dirty="0"/>
-              <a:t>be developed securely</a:t>
-            </a:r>
-          </a:p>
-          <a:p>
-            <a:r>
-              <a:rPr lang="en-US" sz="4000" dirty="0" smtClean="0"/>
-              <a:t>7 – Must </a:t>
-            </a:r>
-            <a:r>
-              <a:rPr lang="en-US" sz="4000" dirty="0"/>
+              <a:rPr lang="en-US" sz="2400" dirty="0"/>
+              <a:t>❏ </a:t>
+            </a:r>
+            <a:r>
+              <a:rPr lang="en-US" sz="2400" dirty="0" smtClean="0"/>
+              <a:t> Must </a:t>
+            </a:r>
+            <a:r>
+              <a:rPr lang="en-US" sz="2400" dirty="0"/>
+              <a:t>contain </a:t>
+            </a:r>
+            <a:r>
+              <a:rPr lang="en-US" sz="2400" dirty="0" smtClean="0"/>
+              <a:t>one </a:t>
+            </a:r>
+            <a:r>
+              <a:rPr lang="en-US" sz="2400" dirty="0"/>
+              <a:t>web security exercise</a:t>
+            </a:r>
+          </a:p>
+          <a:p>
+            <a:r>
+              <a:rPr lang="en-US" sz="2400" dirty="0"/>
+              <a:t>❏ </a:t>
+            </a:r>
+            <a:r>
+              <a:rPr lang="en-US" sz="2400" dirty="0" smtClean="0"/>
+              <a:t> Must </a:t>
+            </a:r>
+            <a:r>
+              <a:rPr lang="en-US" sz="2400" dirty="0"/>
+              <a:t>contain </a:t>
+            </a:r>
+            <a:r>
+              <a:rPr lang="en-US" sz="2400" dirty="0" smtClean="0"/>
+              <a:t>one </a:t>
+            </a:r>
+            <a:r>
+              <a:rPr lang="en-US" sz="2400" dirty="0"/>
+              <a:t>desktop security exercise</a:t>
+            </a:r>
+          </a:p>
+          <a:p>
+            <a:r>
+              <a:rPr lang="en-US" sz="2400" dirty="0"/>
+              <a:t>❏ </a:t>
+            </a:r>
+            <a:r>
+              <a:rPr lang="en-US" sz="2400" dirty="0" smtClean="0"/>
+              <a:t> Must </a:t>
+            </a:r>
+            <a:r>
+              <a:rPr lang="en-US" sz="2400" dirty="0"/>
+              <a:t>be developed </a:t>
+            </a:r>
+            <a:r>
+              <a:rPr lang="en-US" sz="2400" dirty="0" smtClean="0"/>
+              <a:t>securely – scan for vulnerabilities and fix them</a:t>
+            </a:r>
+            <a:endParaRPr lang="en-US" sz="2400" dirty="0"/>
+          </a:p>
+          <a:p>
+            <a:r>
+              <a:rPr lang="en-US" sz="2400" dirty="0"/>
+              <a:t>❏ </a:t>
+            </a:r>
+            <a:r>
+              <a:rPr lang="en-US" sz="2400" dirty="0" smtClean="0"/>
+              <a:t> Must </a:t>
+            </a:r>
+            <a:r>
+              <a:rPr lang="en-US" sz="2400" dirty="0"/>
               <a:t>be easily installed and </a:t>
             </a:r>
             <a:r>
-              <a:rPr lang="en-US" sz="4000" dirty="0" smtClean="0"/>
+              <a:rPr lang="en-US" sz="2400" dirty="0" smtClean="0"/>
               <a:t>enhanced by other developers</a:t>
             </a:r>
-            <a:endParaRPr lang="en-US" sz="4000" dirty="0"/>
-          </a:p>
-        </p:txBody>
-      </p:sp>
-      <p:sp>
-        <p:nvSpPr>
-          <p:cNvPr id="48" name="TextBox 47"/>
-          <p:cNvSpPr txBox="1"/>
-          <p:nvPr/>
-        </p:nvSpPr>
-        <p:spPr>
-          <a:xfrm>
-            <a:off x="11520847" y="21570673"/>
-            <a:ext cx="9971563" cy="922843"/>
-          </a:xfrm>
-          <a:prstGeom prst="rect">
-            <a:avLst/>
-          </a:prstGeom>
-          <a:noFill/>
-        </p:spPr>
-        <p:txBody>
-          <a:bodyPr wrap="square" rtlCol="0">
-            <a:spAutoFit/>
-          </a:bodyPr>
-          <a:lstStyle/>
-          <a:p>
-            <a:pPr algn="ctr"/>
-            <a:r>
-              <a:rPr lang="en-US" dirty="0" smtClean="0"/>
-              <a:t>Student</a:t>
-            </a:r>
-            <a:endParaRPr lang="en-US" dirty="0" smtClean="0"/>
+            <a:endParaRPr lang="en-US" sz="2400" dirty="0"/>
+          </a:p>
+          <a:p>
+            <a:endParaRPr lang="en-US" sz="2400" dirty="0"/>
           </a:p>
         </p:txBody>
       </p:sp>
       <p:pic>
         <p:nvPicPr>
-          <p:cNvPr id="49" name="Picture 48"/>
+          <p:cNvPr id="61" name="Picture 60"/>
           <p:cNvPicPr>
             <a:picLocks noChangeAspect="1"/>
           </p:cNvPicPr>
@@ -5126,48 +5227,24 @@
         </p:blipFill>
         <p:spPr>
           <a:xfrm>
-            <a:off x="7627869" y="31329216"/>
-            <a:ext cx="2891741" cy="1003851"/>
+            <a:off x="4659914" y="31680150"/>
+            <a:ext cx="3078587" cy="866626"/>
           </a:xfrm>
           <a:prstGeom prst="rect">
             <a:avLst/>
           </a:prstGeom>
         </p:spPr>
       </p:pic>
-      <p:pic>
-        <p:nvPicPr>
-          <p:cNvPr id="61" name="Picture 60"/>
-          <p:cNvPicPr>
-            <a:picLocks noChangeAspect="1"/>
-          </p:cNvPicPr>
-          <p:nvPr/>
-        </p:nvPicPr>
-        <p:blipFill>
-          <a:blip r:embed="rId6"/>
-          <a:stretch>
-            <a:fillRect/>
-          </a:stretch>
-        </p:blipFill>
-        <p:spPr>
-          <a:xfrm>
-            <a:off x="7495565" y="30402197"/>
-            <a:ext cx="3081588" cy="867471"/>
-          </a:xfrm>
-          <a:prstGeom prst="rect">
-            <a:avLst/>
-          </a:prstGeom>
-        </p:spPr>
-      </p:pic>
-      <p:sp>
-        <p:nvSpPr>
-          <p:cNvPr id="41" name="TextBox 40"/>
+      <p:sp>
+        <p:nvSpPr>
+          <p:cNvPr id="50" name="TextBox 49"/>
           <p:cNvSpPr txBox="1"/>
           <p:nvPr/>
         </p:nvSpPr>
         <p:spPr>
           <a:xfrm>
-            <a:off x="11502191" y="25022246"/>
-            <a:ext cx="9976184" cy="922843"/>
+            <a:off x="11502190" y="12529015"/>
+            <a:ext cx="9971563" cy="922843"/>
           </a:xfrm>
           <a:prstGeom prst="rect">
             <a:avLst/>
@@ -5183,85 +5260,8 @@
             <a:pPr algn="ctr"/>
             <a:r>
               <a:rPr lang="en-US" dirty="0" smtClean="0"/>
-              <a:t>Instructor</a:t>
-            </a:r>
-            <a:endParaRPr lang="en-US" dirty="0" smtClean="0"/>
-          </a:p>
-        </p:txBody>
-      </p:sp>
-      <p:sp>
-        <p:nvSpPr>
-          <p:cNvPr id="44" name="TextBox 43"/>
-          <p:cNvSpPr txBox="1"/>
-          <p:nvPr/>
-        </p:nvSpPr>
-        <p:spPr>
-          <a:xfrm>
-            <a:off x="11502191" y="28733823"/>
-            <a:ext cx="9990220" cy="3352328"/>
-          </a:xfrm>
-          <a:prstGeom prst="rect">
-            <a:avLst/>
-          </a:prstGeom>
-          <a:noFill/>
-        </p:spPr>
-        <p:txBody>
-          <a:bodyPr wrap="square" rtlCol="0">
-            <a:spAutoFit/>
-          </a:bodyPr>
-          <a:lstStyle/>
-          <a:p>
-            <a:pPr algn="ctr"/>
-            <a:r>
-              <a:rPr lang="en-US" dirty="0" smtClean="0"/>
-              <a:t>Summary</a:t>
-            </a:r>
-          </a:p>
-          <a:p>
-            <a:r>
-              <a:rPr lang="en-US" sz="4000" dirty="0" smtClean="0"/>
-              <a:t>The project is functional, has no static analysis findings, and scales well.  </a:t>
-            </a:r>
-            <a:r>
-              <a:rPr lang="en-US" sz="4000" dirty="0" smtClean="0"/>
-              <a:t>Meets</a:t>
-            </a:r>
-            <a:r>
-              <a:rPr lang="en-US" sz="4000" dirty="0" smtClean="0"/>
-              <a:t> requirements, but this application needs to be further developed to be useful for other Universities.</a:t>
-            </a:r>
-            <a:endParaRPr lang="en-US" sz="4000" dirty="0" smtClean="0"/>
-          </a:p>
-        </p:txBody>
-      </p:sp>
-      <p:sp>
-        <p:nvSpPr>
-          <p:cNvPr id="50" name="TextBox 49"/>
-          <p:cNvSpPr txBox="1"/>
-          <p:nvPr/>
-        </p:nvSpPr>
-        <p:spPr>
-          <a:xfrm>
-            <a:off x="11502190" y="12558512"/>
-            <a:ext cx="9971563" cy="922843"/>
-          </a:xfrm>
-          <a:prstGeom prst="rect">
-            <a:avLst/>
-          </a:prstGeom>
-          <a:noFill/>
-        </p:spPr>
-        <p:txBody>
-          <a:bodyPr wrap="square" rtlCol="0">
-            <a:spAutoFit/>
-          </a:bodyPr>
-          <a:lstStyle/>
-          <a:p>
-            <a:pPr algn="ctr"/>
-            <a:r>
-              <a:rPr lang="en-US" dirty="0" smtClean="0"/>
               <a:t>Components</a:t>
             </a:r>
-            <a:endParaRPr lang="en-US" dirty="0" smtClean="0"/>
           </a:p>
         </p:txBody>
       </p:sp>
@@ -5273,8 +5273,8 @@
         </p:nvSpPr>
         <p:spPr>
           <a:xfrm>
-            <a:off x="11483534" y="16008273"/>
-            <a:ext cx="9976184" cy="3967881"/>
+            <a:off x="11788334" y="16008273"/>
+            <a:ext cx="9976184" cy="3352328"/>
           </a:xfrm>
           <a:prstGeom prst="rect">
             <a:avLst/>
@@ -5287,7 +5287,6 @@
           </a:bodyPr>
           <a:lstStyle/>
           <a:p>
-            <a:pPr algn="ctr"/>
             <a:r>
               <a:rPr lang="en-US" dirty="0" smtClean="0"/>
               <a:t>Database</a:t>
@@ -5295,37 +5294,42 @@
           </a:p>
           <a:p>
             <a:r>
-              <a:rPr lang="en-US" sz="4000" dirty="0"/>
-              <a:t> </a:t>
-            </a:r>
-            <a:r>
-              <a:rPr lang="en-US" sz="4000" dirty="0" smtClean="0"/>
-              <a:t>      Classes</a:t>
-            </a:r>
-          </a:p>
-          <a:p>
-            <a:r>
-              <a:rPr lang="en-US" sz="4000" dirty="0" smtClean="0"/>
-              <a:t>       Exercises</a:t>
-            </a:r>
-          </a:p>
-          <a:p>
-            <a:r>
-              <a:rPr lang="en-US" sz="4000" dirty="0" smtClean="0"/>
-              <a:t>       Submissions</a:t>
-            </a:r>
-          </a:p>
-          <a:p>
-            <a:r>
-              <a:rPr lang="en-US" sz="4000" dirty="0" smtClean="0"/>
-              <a:t>       Users</a:t>
-            </a:r>
-          </a:p>
-          <a:p>
-            <a:r>
-              <a:rPr lang="en-US" sz="4000" dirty="0" smtClean="0"/>
-              <a:t>       Settings</a:t>
-            </a:r>
+              <a:rPr lang="en-US" sz="3200" dirty="0"/>
+              <a:t>❏ Classes</a:t>
+            </a:r>
+            <a:endParaRPr lang="en-US" sz="3200" dirty="0" smtClean="0"/>
+          </a:p>
+          <a:p>
+            <a:r>
+              <a:rPr lang="en-US" sz="3200" dirty="0"/>
+              <a:t>❏ Exercises</a:t>
+            </a:r>
+            <a:endParaRPr lang="en-US" sz="3200" dirty="0" smtClean="0"/>
+          </a:p>
+          <a:p>
+            <a:r>
+              <a:rPr lang="en-US" sz="3200" dirty="0" smtClean="0"/>
+              <a:t>❏ </a:t>
+            </a:r>
+            <a:r>
+              <a:rPr lang="en-US" sz="3200" dirty="0"/>
+              <a:t>Submissions</a:t>
+            </a:r>
+            <a:endParaRPr lang="en-US" sz="3200" dirty="0" smtClean="0"/>
+          </a:p>
+          <a:p>
+            <a:r>
+              <a:rPr lang="en-US" sz="3200" dirty="0"/>
+              <a:t>❏ Users</a:t>
+            </a:r>
+            <a:endParaRPr lang="en-US" sz="3200" dirty="0" smtClean="0"/>
+          </a:p>
+          <a:p>
+            <a:r>
+              <a:rPr lang="en-US" sz="3200" dirty="0"/>
+              <a:t>❏ Settings</a:t>
+            </a:r>
+            <a:endParaRPr lang="en-US" sz="3200" dirty="0" smtClean="0"/>
           </a:p>
         </p:txBody>
       </p:sp>
@@ -5338,7 +5342,7 @@
           <p:nvPr/>
         </p:nvPicPr>
         <p:blipFill>
-          <a:blip r:embed="rId7" cstate="print">
+          <a:blip r:embed="rId6" cstate="print">
             <a:extLst>
               <a:ext uri="{28A0092B-C50C-407E-A947-70E740481C1C}">
                 <a14:useLocalDpi xmlns:a14="http://schemas.microsoft.com/office/drawing/2010/main" val="0"/>
@@ -5352,8 +5356,8 @@
         </p:blipFill>
         <p:spPr bwMode="auto">
           <a:xfrm>
-            <a:off x="11554327" y="13734372"/>
-            <a:ext cx="3170076" cy="2433689"/>
+            <a:off x="11791530" y="13734372"/>
+            <a:ext cx="2931045" cy="2250183"/>
           </a:xfrm>
           <a:prstGeom prst="rect">
             <a:avLst/>
@@ -5372,7 +5376,156 @@
       </p:pic>
       <p:pic>
         <p:nvPicPr>
-          <p:cNvPr id="3" name="Picture 2"/>
+          <p:cNvPr id="11" name="Picture 10"/>
+          <p:cNvPicPr>
+            <a:picLocks noChangeAspect="1"/>
+          </p:cNvPicPr>
+          <p:nvPr/>
+        </p:nvPicPr>
+        <p:blipFill>
+          <a:blip r:embed="rId7"/>
+          <a:stretch>
+            <a:fillRect/>
+          </a:stretch>
+        </p:blipFill>
+        <p:spPr>
+          <a:xfrm>
+            <a:off x="15264194" y="16331435"/>
+            <a:ext cx="7423287" cy="4463024"/>
+          </a:xfrm>
+          <a:prstGeom prst="rect">
+            <a:avLst/>
+          </a:prstGeom>
+        </p:spPr>
+      </p:pic>
+      <p:sp>
+        <p:nvSpPr>
+          <p:cNvPr id="16" name="TextBox 15"/>
+          <p:cNvSpPr txBox="1"/>
+          <p:nvPr/>
+        </p:nvSpPr>
+        <p:spPr>
+          <a:xfrm>
+            <a:off x="12675759" y="13270677"/>
+            <a:ext cx="1543050" cy="1077218"/>
+          </a:xfrm>
+          <a:prstGeom prst="rect">
+            <a:avLst/>
+          </a:prstGeom>
+          <a:noFill/>
+        </p:spPr>
+        <p:txBody>
+          <a:bodyPr wrap="square" rtlCol="0">
+            <a:spAutoFit/>
+          </a:bodyPr>
+          <a:lstStyle/>
+          <a:p>
+            <a:pPr algn="ctr"/>
+            <a:r>
+              <a:rPr lang="en-US" sz="3200" dirty="0" smtClean="0"/>
+              <a:t>Internals</a:t>
+            </a:r>
+            <a:endParaRPr lang="en-US" sz="3200" dirty="0"/>
+          </a:p>
+        </p:txBody>
+      </p:sp>
+      <p:sp>
+        <p:nvSpPr>
+          <p:cNvPr id="54" name="TextBox 53"/>
+          <p:cNvSpPr txBox="1"/>
+          <p:nvPr/>
+        </p:nvSpPr>
+        <p:spPr>
+          <a:xfrm>
+            <a:off x="18295996" y="13270677"/>
+            <a:ext cx="3091359" cy="584775"/>
+          </a:xfrm>
+          <a:prstGeom prst="rect">
+            <a:avLst/>
+          </a:prstGeom>
+          <a:noFill/>
+        </p:spPr>
+        <p:txBody>
+          <a:bodyPr wrap="square" rtlCol="0">
+            <a:spAutoFit/>
+          </a:bodyPr>
+          <a:lstStyle/>
+          <a:p>
+            <a:pPr algn="ctr"/>
+            <a:r>
+              <a:rPr lang="en-US" sz="3200" dirty="0" smtClean="0"/>
+              <a:t>Docker SDK</a:t>
+            </a:r>
+            <a:endParaRPr lang="en-US" sz="3200" dirty="0"/>
+          </a:p>
+        </p:txBody>
+      </p:sp>
+      <p:sp>
+        <p:nvSpPr>
+          <p:cNvPr id="20" name="TextBox 19"/>
+          <p:cNvSpPr txBox="1"/>
+          <p:nvPr/>
+        </p:nvSpPr>
+        <p:spPr>
+          <a:xfrm>
+            <a:off x="630712" y="8396772"/>
+            <a:ext cx="9484895" cy="1569660"/>
+          </a:xfrm>
+          <a:prstGeom prst="rect">
+            <a:avLst/>
+          </a:prstGeom>
+          <a:noFill/>
+        </p:spPr>
+        <p:txBody>
+          <a:bodyPr wrap="square" numCol="2" rtlCol="0">
+            <a:spAutoFit/>
+          </a:bodyPr>
+          <a:lstStyle/>
+          <a:p>
+            <a:r>
+              <a:rPr lang="en-US" sz="2400" dirty="0" smtClean="0"/>
+              <a:t>❏ Launch exercises via GUI</a:t>
+            </a:r>
+          </a:p>
+          <a:p>
+            <a:r>
+              <a:rPr lang="en-US" sz="2400" dirty="0" smtClean="0"/>
+              <a:t>❏ Automatic grading/emailing</a:t>
+            </a:r>
+          </a:p>
+          <a:p>
+            <a:r>
+              <a:rPr lang="en-US" sz="2400" dirty="0" smtClean="0"/>
+              <a:t>❏ Configure all data via GUI</a:t>
+            </a:r>
+          </a:p>
+          <a:p>
+            <a:endParaRPr lang="en-US" sz="2400" dirty="0" smtClean="0"/>
+          </a:p>
+          <a:p>
+            <a:r>
+              <a:rPr lang="en-US" sz="2400" dirty="0" smtClean="0"/>
+              <a:t>❏ Secure web portal</a:t>
+            </a:r>
+          </a:p>
+          <a:p>
+            <a:r>
+              <a:rPr lang="en-US" sz="2400" dirty="0" smtClean="0"/>
+              <a:t>❏ Four full virtual exercises</a:t>
+            </a:r>
+          </a:p>
+          <a:p>
+            <a:r>
+              <a:rPr lang="en-US" sz="2400" dirty="0" smtClean="0"/>
+              <a:t>❏ Scales to performance needs</a:t>
+            </a:r>
+            <a:endParaRPr lang="en-US" sz="2400" dirty="0"/>
+          </a:p>
+        </p:txBody>
+      </p:sp>
+      <p:pic>
+        <p:nvPicPr>
+          <p:cNvPr id="1029" name="Picture 1028"/>
           <p:cNvPicPr>
             <a:picLocks noChangeAspect="1"/>
           </p:cNvPicPr>
@@ -5386,8 +5539,8 @@
         </p:blipFill>
         <p:spPr>
           <a:xfrm>
-            <a:off x="12129237" y="22270533"/>
-            <a:ext cx="8626191" cy="2942803"/>
+            <a:off x="11788334" y="21766081"/>
+            <a:ext cx="11909866" cy="7630326"/>
           </a:xfrm>
           <a:prstGeom prst="rect">
             <a:avLst/>
@@ -5396,7 +5549,7 @@
       </p:pic>
       <p:pic>
         <p:nvPicPr>
-          <p:cNvPr id="5" name="Picture 4"/>
+          <p:cNvPr id="71" name="Picture 70"/>
           <p:cNvPicPr>
             <a:picLocks noChangeAspect="1"/>
           </p:cNvPicPr>
@@ -5410,8 +5563,172 @@
         </p:blipFill>
         <p:spPr>
           <a:xfrm>
-            <a:off x="12129236" y="25696733"/>
-            <a:ext cx="8626191" cy="3078499"/>
+            <a:off x="871677" y="22489528"/>
+            <a:ext cx="4967762" cy="2701221"/>
+          </a:xfrm>
+          <a:prstGeom prst="rect">
+            <a:avLst/>
+          </a:prstGeom>
+        </p:spPr>
+      </p:pic>
+      <p:sp>
+        <p:nvSpPr>
+          <p:cNvPr id="1030" name="TextBox 1029"/>
+          <p:cNvSpPr txBox="1"/>
+          <p:nvPr/>
+        </p:nvSpPr>
+        <p:spPr>
+          <a:xfrm>
+            <a:off x="12130840" y="9824798"/>
+            <a:ext cx="10556641" cy="523220"/>
+          </a:xfrm>
+          <a:prstGeom prst="rect">
+            <a:avLst/>
+          </a:prstGeom>
+          <a:noFill/>
+        </p:spPr>
+        <p:txBody>
+          <a:bodyPr wrap="square" numCol="3" rtlCol="0">
+            <a:spAutoFit/>
+          </a:bodyPr>
+          <a:lstStyle/>
+          <a:p>
+            <a:r>
+              <a:rPr lang="en-US" sz="2800" b="1" dirty="0" smtClean="0"/>
+              <a:t>Secure</a:t>
+            </a:r>
+          </a:p>
+          <a:p>
+            <a:r>
+              <a:rPr lang="en-US" sz="2800" b="1" dirty="0" smtClean="0"/>
+              <a:t>Efficient</a:t>
+            </a:r>
+          </a:p>
+          <a:p>
+            <a:r>
+              <a:rPr lang="en-US" sz="2800" b="1" dirty="0" smtClean="0"/>
+              <a:t>Functional</a:t>
+            </a:r>
+            <a:endParaRPr lang="en-US" sz="2800" b="1" dirty="0"/>
+          </a:p>
+        </p:txBody>
+      </p:sp>
+      <p:sp>
+        <p:nvSpPr>
+          <p:cNvPr id="1031" name="TextBox 1030"/>
+          <p:cNvSpPr txBox="1"/>
+          <p:nvPr/>
+        </p:nvSpPr>
+        <p:spPr>
+          <a:xfrm>
+            <a:off x="11768890" y="10233132"/>
+            <a:ext cx="2732095" cy="923330"/>
+          </a:xfrm>
+          <a:prstGeom prst="rect">
+            <a:avLst/>
+          </a:prstGeom>
+          <a:noFill/>
+        </p:spPr>
+        <p:txBody>
+          <a:bodyPr wrap="square" rtlCol="0">
+            <a:spAutoFit/>
+          </a:bodyPr>
+          <a:lstStyle/>
+          <a:p>
+            <a:r>
+              <a:rPr lang="en-US" sz="1800" dirty="0" smtClean="0"/>
+              <a:t>There are zero vulnerabilities in Anchore, </a:t>
+            </a:r>
+            <a:r>
+              <a:rPr lang="en-US" sz="1800" dirty="0"/>
+              <a:t>S</a:t>
+            </a:r>
+            <a:r>
+              <a:rPr lang="en-US" sz="1800" dirty="0" smtClean="0"/>
+              <a:t>onarqube, and ZAP</a:t>
+            </a:r>
+            <a:endParaRPr lang="en-US" sz="1800" dirty="0"/>
+          </a:p>
+        </p:txBody>
+      </p:sp>
+      <p:sp>
+        <p:nvSpPr>
+          <p:cNvPr id="74" name="TextBox 73"/>
+          <p:cNvSpPr txBox="1"/>
+          <p:nvPr/>
+        </p:nvSpPr>
+        <p:spPr>
+          <a:xfrm>
+            <a:off x="14558135" y="10213094"/>
+            <a:ext cx="4168015" cy="923330"/>
+          </a:xfrm>
+          <a:prstGeom prst="rect">
+            <a:avLst/>
+          </a:prstGeom>
+          <a:noFill/>
+        </p:spPr>
+        <p:txBody>
+          <a:bodyPr wrap="square" rtlCol="0">
+            <a:spAutoFit/>
+          </a:bodyPr>
+          <a:lstStyle/>
+          <a:p>
+            <a:r>
+              <a:rPr lang="en-US" sz="1800" dirty="0" smtClean="0"/>
+              <a:t>The Docker Software Development Kit allows virtual machines to be built, started, and stopped in under 20seconds</a:t>
+            </a:r>
+            <a:endParaRPr lang="en-US" sz="1800" dirty="0"/>
+          </a:p>
+        </p:txBody>
+      </p:sp>
+      <p:sp>
+        <p:nvSpPr>
+          <p:cNvPr id="75" name="TextBox 74"/>
+          <p:cNvSpPr txBox="1"/>
+          <p:nvPr/>
+        </p:nvSpPr>
+        <p:spPr>
+          <a:xfrm>
+            <a:off x="18665065" y="10233731"/>
+            <a:ext cx="2732095" cy="923330"/>
+          </a:xfrm>
+          <a:prstGeom prst="rect">
+            <a:avLst/>
+          </a:prstGeom>
+          <a:noFill/>
+        </p:spPr>
+        <p:txBody>
+          <a:bodyPr wrap="square" rtlCol="0">
+            <a:spAutoFit/>
+          </a:bodyPr>
+          <a:lstStyle/>
+          <a:p>
+            <a:r>
+              <a:rPr lang="en-US" sz="1800" dirty="0" smtClean="0"/>
+              <a:t>Student and instructor tasks can be easily done in seconds through the GUI</a:t>
+            </a:r>
+            <a:endParaRPr lang="en-US" sz="1800" dirty="0"/>
+          </a:p>
+        </p:txBody>
+      </p:sp>
+      <p:pic>
+        <p:nvPicPr>
+          <p:cNvPr id="1032" name="Picture 1031"/>
+          <p:cNvPicPr>
+            <a:picLocks noChangeAspect="1"/>
+          </p:cNvPicPr>
+          <p:nvPr/>
+        </p:nvPicPr>
+        <p:blipFill>
+          <a:blip r:embed="rId10"/>
+          <a:stretch>
+            <a:fillRect/>
+          </a:stretch>
+        </p:blipFill>
+        <p:spPr>
+          <a:xfrm>
+            <a:off x="11566370" y="28613697"/>
+            <a:ext cx="4862073" cy="2653763"/>
           </a:xfrm>
           <a:prstGeom prst="rect">
             <a:avLst/>
@@ -5420,14 +5737,14 @@
       </p:pic>
       <p:pic>
         <p:nvPicPr>
-          <p:cNvPr id="1026" name="Picture 2" descr="https://github.com/so87/Security-Lab-Manager/raw/dev/documentation/dev-deploy-process.PNG"/>
+          <p:cNvPr id="1034" name="Picture 4" descr="Official Django logo. Trademark Django Software Foundation."/>
           <p:cNvPicPr>
             <a:picLocks noChangeAspect="1" noChangeArrowheads="1"/>
           </p:cNvPicPr>
           <p:nvPr/>
         </p:nvPicPr>
         <p:blipFill>
-          <a:blip r:embed="rId10">
+          <a:blip r:embed="rId11" cstate="print">
             <a:extLst>
               <a:ext uri="{28A0092B-C50C-407E-A947-70E740481C1C}">
                 <a14:useLocalDpi xmlns:a14="http://schemas.microsoft.com/office/drawing/2010/main" val="0"/>
@@ -5441,8 +5758,8 @@
         </p:blipFill>
         <p:spPr bwMode="auto">
           <a:xfrm>
-            <a:off x="18152156" y="13734722"/>
-            <a:ext cx="3340254" cy="1804019"/>
+            <a:off x="5153639" y="30929306"/>
+            <a:ext cx="2232861" cy="777780"/>
           </a:xfrm>
           <a:prstGeom prst="rect">
             <a:avLst/>
@@ -5461,31 +5778,7 @@
       </p:pic>
       <p:pic>
         <p:nvPicPr>
-          <p:cNvPr id="6" name="Picture 5"/>
-          <p:cNvPicPr>
-            <a:picLocks noChangeAspect="1"/>
-          </p:cNvPicPr>
-          <p:nvPr/>
-        </p:nvPicPr>
-        <p:blipFill>
-          <a:blip r:embed="rId11"/>
-          <a:stretch>
-            <a:fillRect/>
-          </a:stretch>
-        </p:blipFill>
-        <p:spPr>
-          <a:xfrm>
-            <a:off x="14693985" y="14043928"/>
-            <a:ext cx="3413445" cy="1087542"/>
-          </a:xfrm>
-          <a:prstGeom prst="rect">
-            <a:avLst/>
-          </a:prstGeom>
-        </p:spPr>
-      </p:pic>
-      <p:pic>
-        <p:nvPicPr>
-          <p:cNvPr id="11" name="Picture 10"/>
+          <p:cNvPr id="49" name="Picture 48"/>
           <p:cNvPicPr>
             <a:picLocks noChangeAspect="1"/>
           </p:cNvPicPr>
@@ -5499,8 +5792,8 @@
         </p:blipFill>
         <p:spPr>
           <a:xfrm>
-            <a:off x="16253927" y="17036594"/>
-            <a:ext cx="4902001" cy="3145900"/>
+            <a:off x="7995142" y="31573873"/>
+            <a:ext cx="2311329" cy="802364"/>
           </a:xfrm>
           <a:prstGeom prst="rect">
             <a:avLst/>
@@ -5509,14 +5802,74 @@
       </p:pic>
       <p:sp>
         <p:nvSpPr>
-          <p:cNvPr id="16" name="TextBox 15"/>
+          <p:cNvPr id="1035" name="Rectangle 1034"/>
+          <p:cNvSpPr/>
+          <p:nvPr/>
+        </p:nvSpPr>
+        <p:spPr>
+          <a:xfrm>
+            <a:off x="11849924" y="28194000"/>
+            <a:ext cx="4494976" cy="523220"/>
+          </a:xfrm>
+          <a:prstGeom prst="rect">
+            <a:avLst/>
+          </a:prstGeom>
+        </p:spPr>
+        <p:txBody>
+          <a:bodyPr wrap="square">
+            <a:spAutoFit/>
+          </a:bodyPr>
+          <a:lstStyle/>
+          <a:p>
+            <a:pPr algn="ctr"/>
+            <a:r>
+              <a:rPr lang="en-US" sz="2800" b="1" dirty="0" smtClean="0"/>
+              <a:t>Findings over Development</a:t>
+            </a:r>
+            <a:endParaRPr lang="en-US" sz="2800" b="1" dirty="0"/>
+          </a:p>
+        </p:txBody>
+      </p:sp>
+      <p:sp>
+        <p:nvSpPr>
+          <p:cNvPr id="80" name="Rectangle 79"/>
+          <p:cNvSpPr/>
+          <p:nvPr/>
+        </p:nvSpPr>
+        <p:spPr>
+          <a:xfrm>
+            <a:off x="14224138" y="31151612"/>
+            <a:ext cx="4494976" cy="523220"/>
+          </a:xfrm>
+          <a:prstGeom prst="rect">
+            <a:avLst/>
+          </a:prstGeom>
+        </p:spPr>
+        <p:txBody>
+          <a:bodyPr wrap="square">
+            <a:spAutoFit/>
+          </a:bodyPr>
+          <a:lstStyle/>
+          <a:p>
+            <a:pPr algn="ctr"/>
+            <a:r>
+              <a:rPr lang="en-US" sz="2800" b="1" dirty="0" smtClean="0"/>
+              <a:t>Summary</a:t>
+            </a:r>
+            <a:endParaRPr lang="en-US" sz="2800" b="1" dirty="0"/>
+          </a:p>
+        </p:txBody>
+      </p:sp>
+      <p:sp>
+        <p:nvSpPr>
+          <p:cNvPr id="82" name="TextBox 81"/>
           <p:cNvSpPr txBox="1"/>
           <p:nvPr/>
         </p:nvSpPr>
         <p:spPr>
           <a:xfrm>
-            <a:off x="12438556" y="13270677"/>
-            <a:ext cx="1543050" cy="523220"/>
+            <a:off x="11720517" y="31545240"/>
+            <a:ext cx="9479280" cy="830997"/>
           </a:xfrm>
           <a:prstGeom prst="rect">
             <a:avLst/>
@@ -5529,25 +5882,184 @@
           </a:bodyPr>
           <a:lstStyle/>
           <a:p>
+            <a:r>
+              <a:rPr lang="en-US" sz="2400" dirty="0" smtClean="0"/>
+              <a:t>The application met all requirements, is much more efficient than using virtual machines, and helps students learn security in a hands on way.</a:t>
+            </a:r>
+            <a:endParaRPr lang="en-US" sz="2400" dirty="0"/>
+          </a:p>
+        </p:txBody>
+      </p:sp>
+      <p:sp>
+        <p:nvSpPr>
+          <p:cNvPr id="83" name="Rectangle 82"/>
+          <p:cNvSpPr/>
+          <p:nvPr/>
+        </p:nvSpPr>
+        <p:spPr>
+          <a:xfrm>
+            <a:off x="16616435" y="28194000"/>
+            <a:ext cx="4494976" cy="523220"/>
+          </a:xfrm>
+          <a:prstGeom prst="rect">
+            <a:avLst/>
+          </a:prstGeom>
+        </p:spPr>
+        <p:txBody>
+          <a:bodyPr wrap="square">
+            <a:spAutoFit/>
+          </a:bodyPr>
+          <a:lstStyle/>
+          <a:p>
             <a:pPr algn="ctr"/>
             <a:r>
-              <a:rPr lang="en-US" sz="2800" dirty="0" smtClean="0"/>
-              <a:t>Internals</a:t>
-            </a:r>
-            <a:endParaRPr lang="en-US" sz="2800" dirty="0"/>
-          </a:p>
-        </p:txBody>
-      </p:sp>
-      <p:sp>
-        <p:nvSpPr>
-          <p:cNvPr id="53" name="TextBox 52"/>
+              <a:rPr lang="en-US" sz="2800" b="1" dirty="0" smtClean="0"/>
+              <a:t>Codebase Size</a:t>
+            </a:r>
+            <a:endParaRPr lang="en-US" sz="2800" b="1" dirty="0"/>
+          </a:p>
+        </p:txBody>
+      </p:sp>
+      <p:pic>
+        <p:nvPicPr>
+          <p:cNvPr id="1037" name="Picture 1036"/>
+          <p:cNvPicPr>
+            <a:picLocks noChangeAspect="1"/>
+          </p:cNvPicPr>
+          <p:nvPr/>
+        </p:nvPicPr>
+        <p:blipFill>
+          <a:blip r:embed="rId13"/>
+          <a:stretch>
+            <a:fillRect/>
+          </a:stretch>
+        </p:blipFill>
+        <p:spPr>
+          <a:xfrm>
+            <a:off x="17580610" y="28767913"/>
+            <a:ext cx="2575386" cy="2325895"/>
+          </a:xfrm>
+          <a:prstGeom prst="rect">
+            <a:avLst/>
+          </a:prstGeom>
+        </p:spPr>
+      </p:pic>
+      <p:pic>
+        <p:nvPicPr>
+          <p:cNvPr id="1040" name="Picture 1039"/>
+          <p:cNvPicPr>
+            <a:picLocks noChangeAspect="1"/>
+          </p:cNvPicPr>
+          <p:nvPr/>
+        </p:nvPicPr>
+        <p:blipFill>
+          <a:blip r:embed="rId14"/>
+          <a:stretch>
+            <a:fillRect/>
+          </a:stretch>
+        </p:blipFill>
+        <p:spPr>
+          <a:xfrm>
+            <a:off x="917719" y="25914628"/>
+            <a:ext cx="8858250" cy="2028825"/>
+          </a:xfrm>
+          <a:prstGeom prst="rect">
+            <a:avLst/>
+          </a:prstGeom>
+        </p:spPr>
+      </p:pic>
+      <p:pic>
+        <p:nvPicPr>
+          <p:cNvPr id="1041" name="Picture 8" descr="Image result for docker engine"/>
+          <p:cNvPicPr>
+            <a:picLocks noChangeAspect="1" noChangeArrowheads="1"/>
+          </p:cNvPicPr>
+          <p:nvPr/>
+        </p:nvPicPr>
+        <p:blipFill>
+          <a:blip r:embed="rId15">
+            <a:extLst>
+              <a:ext uri="{28A0092B-C50C-407E-A947-70E740481C1C}">
+                <a14:useLocalDpi xmlns:a14="http://schemas.microsoft.com/office/drawing/2010/main" val="0"/>
+              </a:ext>
+            </a:extLst>
+          </a:blip>
+          <a:srcRect/>
+          <a:stretch>
+            <a:fillRect/>
+          </a:stretch>
+        </p:blipFill>
+        <p:spPr bwMode="auto">
+          <a:xfrm>
+            <a:off x="18563303" y="13816566"/>
+            <a:ext cx="2468997" cy="2419618"/>
+          </a:xfrm>
+          <a:prstGeom prst="rect">
+            <a:avLst/>
+          </a:prstGeom>
+          <a:noFill/>
+          <a:extLst>
+            <a:ext uri="{909E8E84-426E-40DD-AFC4-6F175D3DCCD1}">
+              <a14:hiddenFill xmlns:a14="http://schemas.microsoft.com/office/drawing/2010/main">
+                <a:solidFill>
+                  <a:srgbClr val="FFFFFF"/>
+                </a:solidFill>
+              </a14:hiddenFill>
+            </a:ext>
+          </a:extLst>
+        </p:spPr>
+      </p:pic>
+      <p:pic>
+        <p:nvPicPr>
+          <p:cNvPr id="1043" name="Picture 12" descr="Image result for django rest framework"/>
+          <p:cNvPicPr>
+            <a:picLocks noChangeAspect="1" noChangeArrowheads="1"/>
+          </p:cNvPicPr>
+          <p:nvPr/>
+        </p:nvPicPr>
+        <p:blipFill>
+          <a:blip r:embed="rId16" cstate="print">
+            <a:extLst>
+              <a:ext uri="{28A0092B-C50C-407E-A947-70E740481C1C}">
+                <a14:useLocalDpi xmlns:a14="http://schemas.microsoft.com/office/drawing/2010/main" val="0"/>
+              </a:ext>
+            </a:extLst>
+          </a:blip>
+          <a:srcRect/>
+          <a:stretch>
+            <a:fillRect/>
+          </a:stretch>
+        </p:blipFill>
+        <p:spPr bwMode="auto">
+          <a:xfrm>
+            <a:off x="14870962" y="13759135"/>
+            <a:ext cx="3384049" cy="2214720"/>
+          </a:xfrm>
+          <a:prstGeom prst="rect">
+            <a:avLst/>
+          </a:prstGeom>
+          <a:noFill/>
+          <a:extLst>
+            <a:ext uri="{909E8E84-426E-40DD-AFC4-6F175D3DCCD1}">
+              <a14:hiddenFill xmlns:a14="http://schemas.microsoft.com/office/drawing/2010/main">
+                <a:solidFill>
+                  <a:srgbClr val="FFFFFF"/>
+                </a:solidFill>
+              </a14:hiddenFill>
+            </a:ext>
+          </a:extLst>
+        </p:spPr>
+      </p:pic>
+      <p:sp>
+        <p:nvSpPr>
+          <p:cNvPr id="91" name="TextBox 90"/>
           <p:cNvSpPr txBox="1"/>
           <p:nvPr/>
         </p:nvSpPr>
         <p:spPr>
           <a:xfrm>
-            <a:off x="15038434" y="13271616"/>
-            <a:ext cx="3091359" cy="523220"/>
+            <a:off x="14826237" y="13235667"/>
+            <a:ext cx="3310712" cy="584775"/>
           </a:xfrm>
           <a:prstGeom prst="rect">
             <a:avLst/>
@@ -5562,52 +6074,289 @@
           <a:p>
             <a:pPr algn="ctr"/>
             <a:r>
-              <a:rPr lang="en-US" sz="2800" dirty="0" err="1" smtClean="0"/>
-              <a:t>Gunicorn</a:t>
-            </a:r>
-            <a:r>
-              <a:rPr lang="en-US" sz="2800" dirty="0"/>
-              <a:t> </a:t>
-            </a:r>
-            <a:r>
-              <a:rPr lang="en-US" sz="2800" dirty="0" smtClean="0"/>
-              <a:t>- Browser</a:t>
-            </a:r>
-            <a:endParaRPr lang="en-US" sz="2800" dirty="0"/>
-          </a:p>
-        </p:txBody>
-      </p:sp>
-      <p:sp>
-        <p:nvSpPr>
-          <p:cNvPr id="54" name="TextBox 53"/>
-          <p:cNvSpPr txBox="1"/>
+              <a:rPr lang="en-US" sz="3200" dirty="0" smtClean="0"/>
+              <a:t>REST Framework</a:t>
+            </a:r>
+            <a:endParaRPr lang="en-US" sz="3200" dirty="0"/>
+          </a:p>
+        </p:txBody>
+      </p:sp>
+      <p:sp>
+        <p:nvSpPr>
+          <p:cNvPr id="92" name="Rectangle 91"/>
+          <p:cNvSpPr/>
           <p:nvPr/>
         </p:nvSpPr>
         <p:spPr>
           <a:xfrm>
-            <a:off x="18368359" y="13271462"/>
-            <a:ext cx="3091359" cy="523220"/>
-          </a:xfrm>
-          <a:prstGeom prst="rect">
-            <a:avLst/>
-          </a:prstGeom>
-          <a:noFill/>
-        </p:spPr>
-        <p:txBody>
-          <a:bodyPr wrap="square" rtlCol="0">
+            <a:off x="917719" y="25448186"/>
+            <a:ext cx="8858250" cy="523220"/>
+          </a:xfrm>
+          <a:prstGeom prst="rect">
+            <a:avLst/>
+          </a:prstGeom>
+        </p:spPr>
+        <p:txBody>
+          <a:bodyPr wrap="square">
             <a:spAutoFit/>
           </a:bodyPr>
           <a:lstStyle/>
           <a:p>
             <a:pPr algn="ctr"/>
             <a:r>
-              <a:rPr lang="en-US" sz="2800" dirty="0" smtClean="0"/>
-              <a:t>Network Setup</a:t>
-            </a:r>
-            <a:endParaRPr lang="en-US" sz="2800" dirty="0"/>
-          </a:p>
-        </p:txBody>
-      </p:sp>
+              <a:rPr lang="en-US" sz="2800" b="1" dirty="0" smtClean="0"/>
+              <a:t>Jenkins runs Anchore, Sonarqube, and ZAP scans</a:t>
+            </a:r>
+            <a:endParaRPr lang="en-US" sz="2800" b="1" dirty="0"/>
+          </a:p>
+        </p:txBody>
+      </p:sp>
+      <p:sp>
+        <p:nvSpPr>
+          <p:cNvPr id="93" name="Rectangle 92"/>
+          <p:cNvSpPr/>
+          <p:nvPr/>
+        </p:nvSpPr>
+        <p:spPr>
+          <a:xfrm>
+            <a:off x="814112" y="20035071"/>
+            <a:ext cx="8858250" cy="523220"/>
+          </a:xfrm>
+          <a:prstGeom prst="rect">
+            <a:avLst/>
+          </a:prstGeom>
+        </p:spPr>
+        <p:txBody>
+          <a:bodyPr wrap="square">
+            <a:spAutoFit/>
+          </a:bodyPr>
+          <a:lstStyle/>
+          <a:p>
+            <a:pPr algn="ctr"/>
+            <a:r>
+              <a:rPr lang="en-US" sz="2800" b="1" dirty="0" smtClean="0"/>
+              <a:t>Kanban boards </a:t>
+            </a:r>
+            <a:r>
+              <a:rPr lang="en-US" sz="2800" b="1" dirty="0" smtClean="0"/>
+              <a:t>for project Management</a:t>
+            </a:r>
+            <a:endParaRPr lang="en-US" sz="2800" b="1" dirty="0"/>
+          </a:p>
+        </p:txBody>
+      </p:sp>
+      <p:sp>
+        <p:nvSpPr>
+          <p:cNvPr id="94" name="Rectangle 93"/>
+          <p:cNvSpPr/>
+          <p:nvPr/>
+        </p:nvSpPr>
+        <p:spPr>
+          <a:xfrm>
+            <a:off x="917719" y="21979978"/>
+            <a:ext cx="8858250" cy="523220"/>
+          </a:xfrm>
+          <a:prstGeom prst="rect">
+            <a:avLst/>
+          </a:prstGeom>
+        </p:spPr>
+        <p:txBody>
+          <a:bodyPr wrap="square">
+            <a:spAutoFit/>
+          </a:bodyPr>
+          <a:lstStyle/>
+          <a:p>
+            <a:pPr algn="ctr"/>
+            <a:r>
+              <a:rPr lang="en-US" sz="2800" b="1" dirty="0" smtClean="0"/>
+              <a:t>VSCODE, Docker, and Chrome for development </a:t>
+            </a:r>
+            <a:endParaRPr lang="en-US" sz="2800" b="1" dirty="0"/>
+          </a:p>
+        </p:txBody>
+      </p:sp>
+      <p:sp>
+        <p:nvSpPr>
+          <p:cNvPr id="95" name="Rectangle 94"/>
+          <p:cNvSpPr/>
+          <p:nvPr/>
+        </p:nvSpPr>
+        <p:spPr>
+          <a:xfrm>
+            <a:off x="917719" y="27769293"/>
+            <a:ext cx="8858250" cy="954107"/>
+          </a:xfrm>
+          <a:prstGeom prst="rect">
+            <a:avLst/>
+          </a:prstGeom>
+        </p:spPr>
+        <p:txBody>
+          <a:bodyPr wrap="square">
+            <a:spAutoFit/>
+          </a:bodyPr>
+          <a:lstStyle/>
+          <a:p>
+            <a:pPr algn="ctr"/>
+            <a:r>
+              <a:rPr lang="en-US" sz="2800" b="1" dirty="0" smtClean="0"/>
+              <a:t>Store Security reports, push code and </a:t>
+            </a:r>
+            <a:r>
+              <a:rPr lang="en-US" sz="2800" b="1" dirty="0"/>
+              <a:t>D</a:t>
+            </a:r>
+            <a:r>
+              <a:rPr lang="en-US" sz="2800" b="1" dirty="0" smtClean="0"/>
+              <a:t>ocker images to source control, deploy to production</a:t>
+            </a:r>
+            <a:endParaRPr lang="en-US" sz="2800" b="1" dirty="0"/>
+          </a:p>
+        </p:txBody>
+      </p:sp>
+      <p:pic>
+        <p:nvPicPr>
+          <p:cNvPr id="1044" name="Picture 1043"/>
+          <p:cNvPicPr>
+            <a:picLocks noChangeAspect="1"/>
+          </p:cNvPicPr>
+          <p:nvPr/>
+        </p:nvPicPr>
+        <p:blipFill>
+          <a:blip r:embed="rId17"/>
+          <a:stretch>
+            <a:fillRect/>
+          </a:stretch>
+        </p:blipFill>
+        <p:spPr>
+          <a:xfrm>
+            <a:off x="1214420" y="28718503"/>
+            <a:ext cx="3967044" cy="2132477"/>
+          </a:xfrm>
+          <a:prstGeom prst="rect">
+            <a:avLst/>
+          </a:prstGeom>
+        </p:spPr>
+      </p:pic>
+      <p:pic>
+        <p:nvPicPr>
+          <p:cNvPr id="1045" name="Picture 1044"/>
+          <p:cNvPicPr>
+            <a:picLocks noChangeAspect="1"/>
+          </p:cNvPicPr>
+          <p:nvPr/>
+        </p:nvPicPr>
+        <p:blipFill>
+          <a:blip r:embed="rId18"/>
+          <a:stretch>
+            <a:fillRect/>
+          </a:stretch>
+        </p:blipFill>
+        <p:spPr>
+          <a:xfrm>
+            <a:off x="6176831" y="22499083"/>
+            <a:ext cx="3729169" cy="852573"/>
+          </a:xfrm>
+          <a:prstGeom prst="rect">
+            <a:avLst/>
+          </a:prstGeom>
+        </p:spPr>
+      </p:pic>
+      <p:pic>
+        <p:nvPicPr>
+          <p:cNvPr id="1046" name="Picture 1045"/>
+          <p:cNvPicPr>
+            <a:picLocks noChangeAspect="1"/>
+          </p:cNvPicPr>
+          <p:nvPr/>
+        </p:nvPicPr>
+        <p:blipFill>
+          <a:blip r:embed="rId19"/>
+          <a:stretch>
+            <a:fillRect/>
+          </a:stretch>
+        </p:blipFill>
+        <p:spPr>
+          <a:xfrm>
+            <a:off x="6252913" y="23525132"/>
+            <a:ext cx="3933799" cy="1780674"/>
+          </a:xfrm>
+          <a:prstGeom prst="rect">
+            <a:avLst/>
+          </a:prstGeom>
+        </p:spPr>
+      </p:pic>
+      <p:pic>
+        <p:nvPicPr>
+          <p:cNvPr id="1047" name="Picture 1046"/>
+          <p:cNvPicPr>
+            <a:picLocks noChangeAspect="1"/>
+          </p:cNvPicPr>
+          <p:nvPr/>
+        </p:nvPicPr>
+        <p:blipFill>
+          <a:blip r:embed="rId20"/>
+          <a:stretch>
+            <a:fillRect/>
+          </a:stretch>
+        </p:blipFill>
+        <p:spPr>
+          <a:xfrm>
+            <a:off x="5598159" y="28718503"/>
+            <a:ext cx="3884602" cy="1586434"/>
+          </a:xfrm>
+          <a:prstGeom prst="rect">
+            <a:avLst/>
+          </a:prstGeom>
+        </p:spPr>
+      </p:pic>
+      <p:pic>
+        <p:nvPicPr>
+          <p:cNvPr id="17" name="Picture 16"/>
+          <p:cNvPicPr>
+            <a:picLocks noChangeAspect="1"/>
+          </p:cNvPicPr>
+          <p:nvPr/>
+        </p:nvPicPr>
+        <p:blipFill>
+          <a:blip r:embed="rId21"/>
+          <a:stretch>
+            <a:fillRect/>
+          </a:stretch>
+        </p:blipFill>
+        <p:spPr>
+          <a:xfrm>
+            <a:off x="711107" y="15580233"/>
+            <a:ext cx="9443743" cy="2625439"/>
+          </a:xfrm>
+          <a:prstGeom prst="rect">
+            <a:avLst/>
+          </a:prstGeom>
+        </p:spPr>
+      </p:pic>
+      <p:pic>
+        <p:nvPicPr>
+          <p:cNvPr id="19" name="Picture 18"/>
+          <p:cNvPicPr>
+            <a:picLocks noChangeAspect="1"/>
+          </p:cNvPicPr>
+          <p:nvPr/>
+        </p:nvPicPr>
+        <p:blipFill>
+          <a:blip r:embed="rId22"/>
+          <a:stretch>
+            <a:fillRect/>
+          </a:stretch>
+        </p:blipFill>
+        <p:spPr>
+          <a:xfrm>
+            <a:off x="2056650" y="20518854"/>
+            <a:ext cx="6373174" cy="1242958"/>
+          </a:xfrm>
+          <a:prstGeom prst="rect">
+            <a:avLst/>
+          </a:prstGeom>
+        </p:spPr>
+      </p:pic>
     </p:spTree>
     <p:extLst>
       <p:ext uri="{BB962C8B-B14F-4D97-AF65-F5344CB8AC3E}">
@@ -6431,7 +7180,7 @@
 </file>
 
 <file path=customXml/itemProps2.xml><?xml version="1.0" encoding="utf-8"?>
-<ds:datastoreItem xmlns:ds="http://schemas.openxmlformats.org/officeDocument/2006/customXml" ds:itemID="{2EF28B04-7BD9-4708-B545-D41AE94ED983}">
+<ds:datastoreItem xmlns:ds="http://schemas.openxmlformats.org/officeDocument/2006/customXml" ds:itemID="{E88F0995-72E3-441E-A368-0BAFED719E82}">
   <ds:schemaRefs>
     <ds:schemaRef ds:uri="http://www.w3.org/2001/XMLSchema"/>
     <ds:schemaRef ds:uri="http://www.boldonjames.com/2008/01/sie/internal/label"/>

--- a/documentation/poster.pptx
+++ b/documentation/poster.pptx
@@ -200,7 +200,7 @@
           <a:p>
             <a:fld id="{7A742C25-6B9D-4BBC-B963-7C0051B7F1C0}" type="datetimeFigureOut">
               <a:rPr lang="en-US" smtClean="0"/>
-              <a:t>4/5/2019</a:t>
+              <a:t>4/9/2019</a:t>
             </a:fld>
             <a:endParaRPr lang="en-US"/>
           </a:p>
@@ -365,7 +365,7 @@
           <a:p>
             <a:fld id="{6337218B-FAD9-4329-997D-1F8E36863CDC}" type="datetimeFigureOut">
               <a:rPr lang="en-US" smtClean="0"/>
-              <a:t>4/5/2019</a:t>
+              <a:t>4/9/2019</a:t>
             </a:fld>
             <a:endParaRPr lang="en-US"/>
           </a:p>
@@ -892,7 +892,7 @@
           <a:p>
             <a:fld id="{D2033A72-562D-473B-B2EC-CFF4CA1A8D42}" type="datetimeFigureOut">
               <a:rPr lang="en-US" smtClean="0"/>
-              <a:t>4/5/2019</a:t>
+              <a:t>4/9/2019</a:t>
             </a:fld>
             <a:endParaRPr lang="en-US"/>
           </a:p>
@@ -1062,7 +1062,7 @@
           <a:p>
             <a:fld id="{D2033A72-562D-473B-B2EC-CFF4CA1A8D42}" type="datetimeFigureOut">
               <a:rPr lang="en-US" smtClean="0"/>
-              <a:t>4/5/2019</a:t>
+              <a:t>4/9/2019</a:t>
             </a:fld>
             <a:endParaRPr lang="en-US"/>
           </a:p>
@@ -1242,7 +1242,7 @@
           <a:p>
             <a:fld id="{D2033A72-562D-473B-B2EC-CFF4CA1A8D42}" type="datetimeFigureOut">
               <a:rPr lang="en-US" smtClean="0"/>
-              <a:t>4/5/2019</a:t>
+              <a:t>4/9/2019</a:t>
             </a:fld>
             <a:endParaRPr lang="en-US"/>
           </a:p>
@@ -1412,7 +1412,7 @@
           <a:p>
             <a:fld id="{D2033A72-562D-473B-B2EC-CFF4CA1A8D42}" type="datetimeFigureOut">
               <a:rPr lang="en-US" smtClean="0"/>
-              <a:t>4/5/2019</a:t>
+              <a:t>4/9/2019</a:t>
             </a:fld>
             <a:endParaRPr lang="en-US"/>
           </a:p>
@@ -1656,7 +1656,7 @@
           <a:p>
             <a:fld id="{D2033A72-562D-473B-B2EC-CFF4CA1A8D42}" type="datetimeFigureOut">
               <a:rPr lang="en-US" smtClean="0"/>
-              <a:t>4/5/2019</a:t>
+              <a:t>4/9/2019</a:t>
             </a:fld>
             <a:endParaRPr lang="en-US"/>
           </a:p>
@@ -1888,7 +1888,7 @@
           <a:p>
             <a:fld id="{D2033A72-562D-473B-B2EC-CFF4CA1A8D42}" type="datetimeFigureOut">
               <a:rPr lang="en-US" smtClean="0"/>
-              <a:t>4/5/2019</a:t>
+              <a:t>4/9/2019</a:t>
             </a:fld>
             <a:endParaRPr lang="en-US"/>
           </a:p>
@@ -2255,7 +2255,7 @@
           <a:p>
             <a:fld id="{D2033A72-562D-473B-B2EC-CFF4CA1A8D42}" type="datetimeFigureOut">
               <a:rPr lang="en-US" smtClean="0"/>
-              <a:t>4/5/2019</a:t>
+              <a:t>4/9/2019</a:t>
             </a:fld>
             <a:endParaRPr lang="en-US"/>
           </a:p>
@@ -2373,7 +2373,7 @@
           <a:p>
             <a:fld id="{D2033A72-562D-473B-B2EC-CFF4CA1A8D42}" type="datetimeFigureOut">
               <a:rPr lang="en-US" smtClean="0"/>
-              <a:t>4/5/2019</a:t>
+              <a:t>4/9/2019</a:t>
             </a:fld>
             <a:endParaRPr lang="en-US"/>
           </a:p>
@@ -2468,7 +2468,7 @@
           <a:p>
             <a:fld id="{D2033A72-562D-473B-B2EC-CFF4CA1A8D42}" type="datetimeFigureOut">
               <a:rPr lang="en-US" smtClean="0"/>
-              <a:t>4/5/2019</a:t>
+              <a:t>4/9/2019</a:t>
             </a:fld>
             <a:endParaRPr lang="en-US"/>
           </a:p>
@@ -2745,7 +2745,7 @@
           <a:p>
             <a:fld id="{D2033A72-562D-473B-B2EC-CFF4CA1A8D42}" type="datetimeFigureOut">
               <a:rPr lang="en-US" smtClean="0"/>
-              <a:t>4/5/2019</a:t>
+              <a:t>4/9/2019</a:t>
             </a:fld>
             <a:endParaRPr lang="en-US"/>
           </a:p>
@@ -3002,7 +3002,7 @@
           <a:p>
             <a:fld id="{D2033A72-562D-473B-B2EC-CFF4CA1A8D42}" type="datetimeFigureOut">
               <a:rPr lang="en-US" smtClean="0"/>
-              <a:t>4/5/2019</a:t>
+              <a:t>4/9/2019</a:t>
             </a:fld>
             <a:endParaRPr lang="en-US"/>
           </a:p>
@@ -3215,7 +3215,7 @@
           <a:p>
             <a:fld id="{D2033A72-562D-473B-B2EC-CFF4CA1A8D42}" type="datetimeFigureOut">
               <a:rPr lang="en-US" smtClean="0"/>
-              <a:t>4/5/2019</a:t>
+              <a:t>4/9/2019</a:t>
             </a:fld>
             <a:endParaRPr lang="en-US"/>
           </a:p>
@@ -3858,25 +3858,7 @@
                 </a:solidFill>
                 <a:latin typeface="Berlin Sans FB" panose="020E0602020502020306" pitchFamily="34" charset="0"/>
               </a:rPr>
-              <a:t>Developed by Simon Owens		     </a:t>
-            </a:r>
-            <a:r>
-              <a:rPr lang="en-US" sz="4800" dirty="0" smtClean="0">
-                <a:solidFill>
-                  <a:schemeClr val="bg1"/>
-                </a:solidFill>
-                <a:latin typeface="Berlin Sans FB" panose="020E0602020502020306" pitchFamily="34" charset="0"/>
-              </a:rPr>
-              <a:t>  Advisor/Sponsor</a:t>
-            </a:r>
-            <a:r>
-              <a:rPr lang="en-US" sz="4800" dirty="0" smtClean="0">
-                <a:solidFill>
-                  <a:schemeClr val="bg1"/>
-                </a:solidFill>
-                <a:latin typeface="Berlin Sans FB" panose="020E0602020502020306" pitchFamily="34" charset="0"/>
-              </a:rPr>
-              <a:t>: Mr. Mark Randall</a:t>
+              <a:t>Developed by Simon Owens		       Advisor/Sponsor: Mr. Mark Randall</a:t>
             </a:r>
           </a:p>
           <a:p>
@@ -3905,25 +3887,7 @@
                 </a:solidFill>
                 <a:latin typeface="Berlin Sans FB" panose="020E0602020502020306" pitchFamily="34" charset="0"/>
               </a:rPr>
-              <a:t>                             </a:t>
-            </a:r>
-            <a:r>
-              <a:rPr lang="en-US" sz="4800" dirty="0" smtClean="0">
-                <a:solidFill>
-                  <a:schemeClr val="bg1"/>
-                </a:solidFill>
-                <a:latin typeface="Berlin Sans FB" panose="020E0602020502020306" pitchFamily="34" charset="0"/>
-              </a:rPr>
-              <a:t>  University </a:t>
-            </a:r>
-            <a:r>
-              <a:rPr lang="en-US" sz="4800" dirty="0" smtClean="0">
-                <a:solidFill>
-                  <a:schemeClr val="bg1"/>
-                </a:solidFill>
-                <a:latin typeface="Berlin Sans FB" panose="020E0602020502020306" pitchFamily="34" charset="0"/>
-              </a:rPr>
-              <a:t>of Evansville</a:t>
+              <a:t>                               University of Evansville</a:t>
             </a:r>
           </a:p>
         </p:txBody>
@@ -4052,16 +4016,7 @@
                 </a:solidFill>
                 <a:latin typeface="Bauhaus 93" panose="04030905020B02020C02" pitchFamily="82" charset="0"/>
               </a:rPr>
-              <a:t> Security </a:t>
-            </a:r>
-            <a:r>
-              <a:rPr lang="en-US" sz="9600" dirty="0" smtClean="0">
-                <a:solidFill>
-                  <a:schemeClr val="bg1"/>
-                </a:solidFill>
-                <a:latin typeface="Bauhaus 93" panose="04030905020B02020C02" pitchFamily="82" charset="0"/>
-              </a:rPr>
-              <a:t>Lab Manager</a:t>
+              <a:t> Security Lab Manager</a:t>
             </a:r>
             <a:endParaRPr lang="en-US" sz="9600" dirty="0">
               <a:solidFill>
@@ -4123,8 +4078,8 @@
         </p:nvSpPr>
         <p:spPr>
           <a:xfrm>
-            <a:off x="401054" y="5387406"/>
-            <a:ext cx="10042357" cy="6285070"/>
+            <a:off x="401054" y="5387405"/>
+            <a:ext cx="10042357" cy="6295169"/>
           </a:xfrm>
           <a:prstGeom prst="rect">
             <a:avLst/>
@@ -4210,7 +4165,7 @@
         <p:spPr>
           <a:xfrm>
             <a:off x="11502190" y="5387404"/>
-            <a:ext cx="9990220" cy="5806043"/>
+            <a:ext cx="9990220" cy="7537663"/>
           </a:xfrm>
           <a:prstGeom prst="rect">
             <a:avLst/>
@@ -4330,8 +4285,8 @@
         </p:nvSpPr>
         <p:spPr>
           <a:xfrm>
-            <a:off x="401054" y="13165131"/>
-            <a:ext cx="10042357" cy="5286645"/>
+            <a:off x="401054" y="12157458"/>
+            <a:ext cx="10042357" cy="7124221"/>
           </a:xfrm>
           <a:prstGeom prst="rect">
             <a:avLst/>
@@ -4416,8 +4371,8 @@
         </p:nvSpPr>
         <p:spPr>
           <a:xfrm>
-            <a:off x="11502189" y="11663529"/>
-            <a:ext cx="9997632" cy="8345775"/>
+            <a:off x="11502189" y="13313364"/>
+            <a:ext cx="9997632" cy="6891928"/>
           </a:xfrm>
           <a:prstGeom prst="rect">
             <a:avLst/>
@@ -4459,8 +4414,8 @@
         </p:nvSpPr>
         <p:spPr>
           <a:xfrm>
-            <a:off x="11502191" y="11672476"/>
-            <a:ext cx="9990220" cy="876682"/>
+            <a:off x="11498561" y="13328550"/>
+            <a:ext cx="10012900" cy="1089352"/>
           </a:xfrm>
           <a:prstGeom prst="rect">
             <a:avLst/>
@@ -4502,8 +4457,8 @@
         </p:nvSpPr>
         <p:spPr>
           <a:xfrm>
-            <a:off x="401053" y="18942392"/>
-            <a:ext cx="10042357" cy="11700654"/>
+            <a:off x="401053" y="19781746"/>
+            <a:ext cx="10042357" cy="10861299"/>
           </a:xfrm>
           <a:prstGeom prst="rect">
             <a:avLst/>
@@ -4545,7 +4500,7 @@
         </p:nvSpPr>
         <p:spPr>
           <a:xfrm>
-            <a:off x="401053" y="18955832"/>
+            <a:off x="401053" y="19781746"/>
             <a:ext cx="10042357" cy="1053472"/>
           </a:xfrm>
           <a:prstGeom prst="rect">
@@ -4588,8 +4543,8 @@
         </p:nvSpPr>
         <p:spPr>
           <a:xfrm>
-            <a:off x="11502190" y="20492701"/>
-            <a:ext cx="9990220" cy="11939829"/>
+            <a:off x="11502190" y="20712620"/>
+            <a:ext cx="9990220" cy="11719910"/>
           </a:xfrm>
           <a:prstGeom prst="rect">
             <a:avLst/>
@@ -4631,7 +4586,7 @@
         </p:nvSpPr>
         <p:spPr>
           <a:xfrm>
-            <a:off x="11502190" y="20506141"/>
+            <a:off x="11502190" y="20712620"/>
             <a:ext cx="9990220" cy="1050467"/>
           </a:xfrm>
           <a:prstGeom prst="rect">
@@ -4791,13 +4746,54 @@
       </p:sp>
       <p:sp>
         <p:nvSpPr>
-          <p:cNvPr id="37" name="TextBox 36"/>
+          <p:cNvPr id="38" name="TextBox 37"/>
           <p:cNvSpPr txBox="1"/>
           <p:nvPr/>
         </p:nvSpPr>
         <p:spPr>
           <a:xfrm>
-            <a:off x="11487676" y="11562032"/>
+            <a:off x="11487963" y="20713617"/>
+            <a:ext cx="10042357" cy="1107996"/>
+          </a:xfrm>
+          <a:prstGeom prst="rect">
+            <a:avLst/>
+          </a:prstGeom>
+          <a:noFill/>
+        </p:spPr>
+        <p:txBody>
+          <a:bodyPr wrap="square" rtlCol="0">
+            <a:spAutoFit/>
+          </a:bodyPr>
+          <a:lstStyle/>
+          <a:p>
+            <a:pPr algn="ctr"/>
+            <a:r>
+              <a:rPr lang="en-US" sz="6600" dirty="0" smtClean="0">
+                <a:solidFill>
+                  <a:schemeClr val="bg1"/>
+                </a:solidFill>
+                <a:latin typeface="Berlin Sans FB" panose="020E0602020502020306" pitchFamily="34" charset="0"/>
+              </a:rPr>
+              <a:t>RESULTS</a:t>
+            </a:r>
+            <a:endParaRPr lang="en-US" sz="6600" dirty="0">
+              <a:solidFill>
+                <a:schemeClr val="bg1"/>
+              </a:solidFill>
+              <a:latin typeface="Berlin Sans FB" panose="020E0602020502020306" pitchFamily="34" charset="0"/>
+            </a:endParaRPr>
+          </a:p>
+        </p:txBody>
+      </p:sp>
+      <p:sp>
+        <p:nvSpPr>
+          <p:cNvPr id="39" name="TextBox 38"/>
+          <p:cNvSpPr txBox="1"/>
+          <p:nvPr/>
+        </p:nvSpPr>
+        <p:spPr>
+          <a:xfrm>
+            <a:off x="404683" y="19762717"/>
             <a:ext cx="10042357" cy="1107996"/>
           </a:xfrm>
           <a:prstGeom prst="rect">
@@ -4832,14 +4828,14 @@
       </p:sp>
       <p:sp>
         <p:nvSpPr>
-          <p:cNvPr id="38" name="TextBox 37"/>
+          <p:cNvPr id="40" name="TextBox 39"/>
           <p:cNvSpPr txBox="1"/>
           <p:nvPr/>
         </p:nvSpPr>
         <p:spPr>
           <a:xfrm>
-            <a:off x="11487963" y="20477641"/>
-            <a:ext cx="10042357" cy="1107996"/>
+            <a:off x="567537" y="6598798"/>
+            <a:ext cx="9582303" cy="5078313"/>
           </a:xfrm>
           <a:prstGeom prst="rect">
             <a:avLst/>
@@ -4852,35 +4848,30 @@
           </a:bodyPr>
           <a:lstStyle/>
           <a:p>
-            <a:pPr algn="ctr"/>
-            <a:r>
-              <a:rPr lang="en-US" sz="6600" dirty="0" smtClean="0">
-                <a:solidFill>
-                  <a:schemeClr val="bg1"/>
-                </a:solidFill>
-                <a:latin typeface="Berlin Sans FB" panose="020E0602020502020306" pitchFamily="34" charset="0"/>
-              </a:rPr>
-              <a:t>RESULT</a:t>
-            </a:r>
-            <a:endParaRPr lang="en-US" sz="6600" dirty="0">
-              <a:solidFill>
-                <a:schemeClr val="bg1"/>
-              </a:solidFill>
-              <a:latin typeface="Berlin Sans FB" panose="020E0602020502020306" pitchFamily="34" charset="0"/>
-            </a:endParaRPr>
-          </a:p>
-        </p:txBody>
-      </p:sp>
-      <p:sp>
-        <p:nvSpPr>
-          <p:cNvPr id="39" name="TextBox 38"/>
+            <a:r>
+              <a:rPr lang="en-US" sz="3600" dirty="0" smtClean="0"/>
+              <a:t>The Security Lab Manager is a web application that manages vulnerable virtual machines for users to practice cyber security on.  Users only need to login to the website to get started – no setting up environments or downloading software.  Each exercise has unique answers for students –</a:t>
+            </a:r>
+          </a:p>
+          <a:p>
+            <a:r>
+              <a:rPr lang="en-US" sz="3600" dirty="0" smtClean="0"/>
+              <a:t>so answer sharing isn’t viable.  Administrators can create, edit, and view: classes, exercises, and users.  Grades can be emailed out automatically.</a:t>
+            </a:r>
+            <a:endParaRPr lang="en-US" sz="3600" dirty="0"/>
+          </a:p>
+        </p:txBody>
+      </p:sp>
+      <p:sp>
+        <p:nvSpPr>
+          <p:cNvPr id="45" name="TextBox 44"/>
           <p:cNvSpPr txBox="1"/>
           <p:nvPr/>
         </p:nvSpPr>
         <p:spPr>
           <a:xfrm>
-            <a:off x="404683" y="18936806"/>
-            <a:ext cx="10042357" cy="1107996"/>
+            <a:off x="640080" y="13260737"/>
+            <a:ext cx="9509760" cy="3847207"/>
           </a:xfrm>
           <a:prstGeom prst="rect">
             <a:avLst/>
@@ -4893,35 +4884,45 @@
           </a:bodyPr>
           <a:lstStyle/>
           <a:p>
-            <a:pPr algn="ctr"/>
-            <a:r>
-              <a:rPr lang="en-US" sz="6600" dirty="0" smtClean="0">
-                <a:solidFill>
-                  <a:schemeClr val="bg1"/>
-                </a:solidFill>
-                <a:latin typeface="Berlin Sans FB" panose="020E0602020502020306" pitchFamily="34" charset="0"/>
-              </a:rPr>
-              <a:t>DEVELOPMENT</a:t>
-            </a:r>
-            <a:endParaRPr lang="en-US" sz="6600" dirty="0">
-              <a:solidFill>
-                <a:schemeClr val="bg1"/>
-              </a:solidFill>
-              <a:latin typeface="Berlin Sans FB" panose="020E0602020502020306" pitchFamily="34" charset="0"/>
-            </a:endParaRPr>
-          </a:p>
-        </p:txBody>
-      </p:sp>
-      <p:sp>
-        <p:nvSpPr>
-          <p:cNvPr id="40" name="TextBox 39"/>
+            <a:r>
+              <a:rPr lang="en-US" sz="2800" dirty="0" smtClean="0"/>
+              <a:t>Security training is desired in all parts of industry: secure coding for developers, Q/A Testers, and Security Engineers.  There are several virtual machines to practice security, but none have a student-teacher model.  </a:t>
+            </a:r>
+            <a:r>
+              <a:rPr lang="en-US" sz="2800" dirty="0"/>
+              <a:t>S</a:t>
+            </a:r>
+            <a:r>
+              <a:rPr lang="en-US" sz="2800" dirty="0" smtClean="0"/>
+              <a:t>tudents can now easily begin learning security</a:t>
+            </a:r>
+            <a:r>
+              <a:rPr lang="en-US" sz="2800" dirty="0"/>
+              <a:t> </a:t>
+            </a:r>
+            <a:r>
+              <a:rPr lang="en-US" sz="2800" dirty="0" smtClean="0"/>
+              <a:t>with just this application.  The table below compares current options for learning security, bring your own device(BYOD), using VMware virtual machines, or this app.</a:t>
+            </a:r>
+          </a:p>
+          <a:p>
+            <a:endParaRPr lang="en-US" sz="2400" dirty="0"/>
+          </a:p>
+          <a:p>
+            <a:endParaRPr lang="en-US" sz="2400" dirty="0" smtClean="0"/>
+          </a:p>
+        </p:txBody>
+      </p:sp>
+      <p:sp>
+        <p:nvSpPr>
+          <p:cNvPr id="47" name="TextBox 46"/>
           <p:cNvSpPr txBox="1"/>
           <p:nvPr/>
         </p:nvSpPr>
         <p:spPr>
           <a:xfrm>
-            <a:off x="640080" y="6480810"/>
-            <a:ext cx="9509760" cy="5016758"/>
+            <a:off x="11735642" y="6505216"/>
+            <a:ext cx="9509760" cy="4339650"/>
           </a:xfrm>
           <a:prstGeom prst="rect">
             <a:avLst/>
@@ -4935,276 +4936,135 @@
           <a:lstStyle/>
           <a:p>
             <a:r>
-              <a:rPr lang="en-US" sz="2400" dirty="0" smtClean="0"/>
-              <a:t>The Security Lab Manager is a web application that manages vulnerable virtualization machines for users to practice hacking on.  </a:t>
-            </a:r>
-            <a:r>
-              <a:rPr lang="en-US" sz="2400" dirty="0"/>
-              <a:t>U</a:t>
-            </a:r>
-            <a:r>
-              <a:rPr lang="en-US" sz="2400" dirty="0" smtClean="0"/>
-              <a:t>sers can start hacking in their own virtual environment.  Administrators can view completed exercises and send grades to users.</a:t>
-            </a:r>
-            <a:endParaRPr lang="en-US" sz="2400" dirty="0"/>
-          </a:p>
-          <a:p>
-            <a:r>
-              <a:rPr lang="en-US" sz="2800" b="1" dirty="0" smtClean="0"/>
-              <a:t>Features</a:t>
-            </a:r>
-          </a:p>
-          <a:p>
-            <a:r>
-              <a:rPr lang="en-US" sz="2400" dirty="0" smtClean="0"/>
-              <a:t/>
-            </a:r>
-            <a:br>
-              <a:rPr lang="en-US" sz="2400" dirty="0" smtClean="0"/>
-            </a:br>
-            <a:r>
-              <a:rPr lang="en-US" sz="2400" dirty="0" smtClean="0"/>
-              <a:t/>
-            </a:r>
-            <a:br>
-              <a:rPr lang="en-US" sz="2400" dirty="0" smtClean="0"/>
-            </a:br>
-            <a:endParaRPr lang="en-US" sz="2400" dirty="0" smtClean="0"/>
-          </a:p>
-          <a:p>
-            <a:r>
-              <a:rPr lang="en-US" sz="2800" b="1" dirty="0" smtClean="0"/>
-              <a:t>Software</a:t>
-            </a:r>
-          </a:p>
-          <a:p>
-            <a:r>
-              <a:rPr lang="en-US" sz="2400" dirty="0" smtClean="0"/>
-              <a:t>❏ Front End – JavaScript, JQuery, HTML5, CSS</a:t>
-            </a:r>
-          </a:p>
-          <a:p>
-            <a:r>
-              <a:rPr lang="en-US" sz="2400" dirty="0" smtClean="0"/>
-              <a:t>❏ Back End – Django Framework, Python, Docker SDK, Bash, PostgreSQL</a:t>
-            </a:r>
-          </a:p>
-          <a:p>
-            <a:r>
-              <a:rPr lang="en-US" sz="2400" dirty="0" smtClean="0"/>
-              <a:t>❏ Platform – Docker Linux Containers: Can run and develop on Windows or Linux if </a:t>
-            </a:r>
-            <a:r>
-              <a:rPr lang="en-US" sz="2400" dirty="0"/>
-              <a:t>D</a:t>
-            </a:r>
-            <a:r>
-              <a:rPr lang="en-US" sz="2400" dirty="0" smtClean="0"/>
-              <a:t>ocker is installed</a:t>
-            </a:r>
-          </a:p>
-        </p:txBody>
-      </p:sp>
-      <p:sp>
-        <p:nvSpPr>
-          <p:cNvPr id="45" name="TextBox 44"/>
-          <p:cNvSpPr txBox="1"/>
-          <p:nvPr/>
-        </p:nvSpPr>
-        <p:spPr>
-          <a:xfrm>
-            <a:off x="640080" y="13260737"/>
-            <a:ext cx="9509760" cy="3046988"/>
-          </a:xfrm>
-          <a:prstGeom prst="rect">
-            <a:avLst/>
-          </a:prstGeom>
-          <a:noFill/>
-        </p:spPr>
-        <p:txBody>
-          <a:bodyPr wrap="square" rtlCol="0">
-            <a:spAutoFit/>
-          </a:bodyPr>
-          <a:lstStyle/>
-          <a:p>
-            <a:r>
-              <a:rPr lang="en-US" sz="2400" dirty="0" smtClean="0"/>
-              <a:t>Security training is desired in all parts of industry: secure coding for developers, Q/A Testers, and Security Engineers.  There are several virtual machines to practice security, but none have a student-teacher model.  </a:t>
-            </a:r>
-            <a:r>
-              <a:rPr lang="en-US" sz="2400" dirty="0"/>
-              <a:t>S</a:t>
-            </a:r>
-            <a:r>
-              <a:rPr lang="en-US" sz="2400" dirty="0" smtClean="0"/>
-              <a:t>tudents can now easily begin learning security</a:t>
-            </a:r>
-            <a:r>
-              <a:rPr lang="en-US" sz="2400" dirty="0"/>
-              <a:t> </a:t>
-            </a:r>
-            <a:r>
-              <a:rPr lang="en-US" sz="2400" dirty="0" smtClean="0"/>
-              <a:t>with just this application</a:t>
-            </a:r>
-            <a:r>
-              <a:rPr lang="en-US" sz="2400" dirty="0" smtClean="0"/>
-              <a:t>.  The table below compares current options for learning security, bring your own device(BYOD), using VMware virtual machines, or this application.</a:t>
-            </a:r>
-            <a:endParaRPr lang="en-US" sz="2400" dirty="0" smtClean="0"/>
-          </a:p>
-          <a:p>
-            <a:endParaRPr lang="en-US" sz="2400" dirty="0"/>
-          </a:p>
-          <a:p>
-            <a:endParaRPr lang="en-US" sz="2400" dirty="0" smtClean="0"/>
-          </a:p>
-        </p:txBody>
-      </p:sp>
-      <p:sp>
-        <p:nvSpPr>
-          <p:cNvPr id="47" name="TextBox 46"/>
-          <p:cNvSpPr txBox="1"/>
-          <p:nvPr/>
-        </p:nvSpPr>
-        <p:spPr>
-          <a:xfrm>
-            <a:off x="11735642" y="6505216"/>
-            <a:ext cx="9509760" cy="3785652"/>
-          </a:xfrm>
-          <a:prstGeom prst="rect">
-            <a:avLst/>
-          </a:prstGeom>
-          <a:noFill/>
-        </p:spPr>
-        <p:txBody>
-          <a:bodyPr wrap="square" rtlCol="0">
-            <a:spAutoFit/>
-          </a:bodyPr>
-          <a:lstStyle/>
-          <a:p>
-            <a:r>
-              <a:rPr lang="en-US" sz="2400" dirty="0"/>
+              <a:rPr lang="en-US" sz="2800" dirty="0"/>
               <a:t>❏ </a:t>
             </a:r>
             <a:r>
-              <a:rPr lang="en-US" sz="2400" dirty="0" smtClean="0"/>
+              <a:rPr lang="en-US" sz="2800" dirty="0" smtClean="0"/>
               <a:t> Student </a:t>
             </a:r>
             <a:r>
-              <a:rPr lang="en-US" sz="2400" dirty="0"/>
-              <a:t>interface for starting, stopping, and restarting exercises.  There should also be a place to submit answers for exercises</a:t>
-            </a:r>
-          </a:p>
-          <a:p>
-            <a:r>
-              <a:rPr lang="en-US" sz="2400" dirty="0"/>
+              <a:rPr lang="en-US" sz="2800" dirty="0"/>
+              <a:t>interface for starting, stopping, and restarting exercises.  There </a:t>
+            </a:r>
+            <a:r>
+              <a:rPr lang="en-US" sz="2800" dirty="0" smtClean="0"/>
+              <a:t>is a </a:t>
+            </a:r>
+            <a:r>
+              <a:rPr lang="en-US" sz="2800" dirty="0"/>
+              <a:t>place to submit answers for exercises</a:t>
+            </a:r>
+          </a:p>
+          <a:p>
+            <a:r>
+              <a:rPr lang="en-US" sz="2800" dirty="0"/>
               <a:t>❏ </a:t>
             </a:r>
             <a:r>
-              <a:rPr lang="en-US" sz="2400" dirty="0" smtClean="0"/>
+              <a:rPr lang="en-US" sz="2800" dirty="0" smtClean="0"/>
               <a:t> Instructor </a:t>
             </a:r>
             <a:r>
-              <a:rPr lang="en-US" sz="2400" dirty="0"/>
+              <a:rPr lang="en-US" sz="2800" dirty="0"/>
               <a:t>interface for creating, editing, deleting: classes, exercises, students, and managing application performance</a:t>
             </a:r>
           </a:p>
           <a:p>
             <a:r>
-              <a:rPr lang="en-US" sz="2400" dirty="0"/>
+              <a:rPr lang="en-US" sz="2800" dirty="0"/>
               <a:t>❏ </a:t>
             </a:r>
             <a:r>
-              <a:rPr lang="en-US" sz="2400" dirty="0" smtClean="0"/>
+              <a:rPr lang="en-US" sz="2800" dirty="0" smtClean="0"/>
               <a:t> Instructors </a:t>
             </a:r>
             <a:r>
-              <a:rPr lang="en-US" sz="2400" dirty="0"/>
+              <a:rPr lang="en-US" sz="2800" dirty="0"/>
               <a:t>should be able to easily check and email grades</a:t>
             </a:r>
           </a:p>
           <a:p>
             <a:r>
-              <a:rPr lang="en-US" sz="2400" dirty="0"/>
+              <a:rPr lang="en-US" sz="2800" dirty="0"/>
               <a:t>❏ </a:t>
             </a:r>
             <a:r>
-              <a:rPr lang="en-US" sz="2400" dirty="0" smtClean="0"/>
+              <a:rPr lang="en-US" sz="2800" dirty="0" smtClean="0"/>
               <a:t> Must </a:t>
             </a:r>
             <a:r>
-              <a:rPr lang="en-US" sz="2400" dirty="0"/>
+              <a:rPr lang="en-US" sz="2800" dirty="0"/>
               <a:t>contain </a:t>
             </a:r>
             <a:r>
-              <a:rPr lang="en-US" sz="2400" dirty="0" smtClean="0"/>
+              <a:rPr lang="en-US" sz="2800" dirty="0" smtClean="0"/>
               <a:t>one </a:t>
             </a:r>
             <a:r>
-              <a:rPr lang="en-US" sz="2400" dirty="0"/>
+              <a:rPr lang="en-US" sz="2800" dirty="0"/>
               <a:t>web security exercise</a:t>
             </a:r>
           </a:p>
           <a:p>
             <a:r>
-              <a:rPr lang="en-US" sz="2400" dirty="0"/>
+              <a:rPr lang="en-US" sz="2800" dirty="0"/>
               <a:t>❏ </a:t>
             </a:r>
             <a:r>
-              <a:rPr lang="en-US" sz="2400" dirty="0" smtClean="0"/>
+              <a:rPr lang="en-US" sz="2800" dirty="0" smtClean="0"/>
               <a:t> Must </a:t>
             </a:r>
             <a:r>
-              <a:rPr lang="en-US" sz="2400" dirty="0"/>
+              <a:rPr lang="en-US" sz="2800" dirty="0"/>
               <a:t>contain </a:t>
             </a:r>
             <a:r>
-              <a:rPr lang="en-US" sz="2400" dirty="0" smtClean="0"/>
+              <a:rPr lang="en-US" sz="2800" dirty="0" smtClean="0"/>
               <a:t>one </a:t>
             </a:r>
             <a:r>
-              <a:rPr lang="en-US" sz="2400" dirty="0"/>
+              <a:rPr lang="en-US" sz="2800" dirty="0"/>
               <a:t>desktop security exercise</a:t>
             </a:r>
           </a:p>
           <a:p>
             <a:r>
-              <a:rPr lang="en-US" sz="2400" dirty="0"/>
+              <a:rPr lang="en-US" sz="2800" dirty="0"/>
               <a:t>❏ </a:t>
             </a:r>
             <a:r>
-              <a:rPr lang="en-US" sz="2400" dirty="0" smtClean="0"/>
+              <a:rPr lang="en-US" sz="2800" dirty="0" smtClean="0"/>
               <a:t> Must </a:t>
             </a:r>
             <a:r>
-              <a:rPr lang="en-US" sz="2400" dirty="0"/>
+              <a:rPr lang="en-US" sz="2800" dirty="0"/>
               <a:t>be developed </a:t>
             </a:r>
             <a:r>
-              <a:rPr lang="en-US" sz="2400" dirty="0" smtClean="0"/>
-              <a:t>securely – scan for vulnerabilities and fix them</a:t>
-            </a:r>
-            <a:endParaRPr lang="en-US" sz="2400" dirty="0"/>
-          </a:p>
-          <a:p>
-            <a:r>
-              <a:rPr lang="en-US" sz="2400" dirty="0"/>
+              <a:rPr lang="en-US" sz="2800" dirty="0" smtClean="0"/>
+              <a:t>securely – scan and fix vulnerabilities</a:t>
+            </a:r>
+            <a:endParaRPr lang="en-US" sz="2800" dirty="0"/>
+          </a:p>
+          <a:p>
+            <a:r>
+              <a:rPr lang="en-US" sz="2800" dirty="0"/>
               <a:t>❏ </a:t>
             </a:r>
             <a:r>
-              <a:rPr lang="en-US" sz="2400" dirty="0" smtClean="0"/>
+              <a:rPr lang="en-US" sz="2800" dirty="0" smtClean="0"/>
               <a:t> Must </a:t>
             </a:r>
             <a:r>
-              <a:rPr lang="en-US" sz="2400" dirty="0"/>
+              <a:rPr lang="en-US" sz="2800" dirty="0"/>
               <a:t>be easily installed and </a:t>
             </a:r>
             <a:r>
-              <a:rPr lang="en-US" sz="2400" dirty="0" smtClean="0"/>
+              <a:rPr lang="en-US" sz="2800" dirty="0" smtClean="0"/>
               <a:t>enhanced by other developers</a:t>
             </a:r>
-            <a:endParaRPr lang="en-US" sz="2400" dirty="0"/>
+            <a:endParaRPr lang="en-US" sz="2800" dirty="0"/>
           </a:p>
           <a:p>
             <a:endParaRPr lang="en-US" sz="2400" dirty="0"/>
@@ -5237,44 +5097,14 @@
       </p:pic>
       <p:sp>
         <p:nvSpPr>
-          <p:cNvPr id="50" name="TextBox 49"/>
-          <p:cNvSpPr txBox="1"/>
-          <p:nvPr/>
-        </p:nvSpPr>
-        <p:spPr>
-          <a:xfrm>
-            <a:off x="11502190" y="12529015"/>
-            <a:ext cx="9971563" cy="922843"/>
-          </a:xfrm>
-          <a:prstGeom prst="rect">
-            <a:avLst/>
-          </a:prstGeom>
-          <a:noFill/>
-        </p:spPr>
-        <p:txBody>
-          <a:bodyPr wrap="square" rtlCol="0">
-            <a:spAutoFit/>
-          </a:bodyPr>
-          <a:lstStyle/>
-          <a:p>
-            <a:pPr algn="ctr"/>
-            <a:r>
-              <a:rPr lang="en-US" dirty="0" smtClean="0"/>
-              <a:t>Components</a:t>
-            </a:r>
-          </a:p>
-        </p:txBody>
-      </p:sp>
-      <p:sp>
-        <p:nvSpPr>
           <p:cNvPr id="51" name="TextBox 50"/>
           <p:cNvSpPr txBox="1"/>
           <p:nvPr/>
         </p:nvSpPr>
         <p:spPr>
           <a:xfrm>
-            <a:off x="11788334" y="16008273"/>
-            <a:ext cx="9976184" cy="3352328"/>
+            <a:off x="3944769" y="25644971"/>
+            <a:ext cx="6033679" cy="769441"/>
           </a:xfrm>
           <a:prstGeom prst="rect">
             <a:avLst/>
@@ -5287,47 +5117,10 @@
           </a:bodyPr>
           <a:lstStyle/>
           <a:p>
-            <a:r>
-              <a:rPr lang="en-US" dirty="0" smtClean="0"/>
+            <a:pPr algn="ctr"/>
+            <a:r>
+              <a:rPr lang="en-US" sz="4400" dirty="0" smtClean="0"/>
               <a:t>Database</a:t>
-            </a:r>
-          </a:p>
-          <a:p>
-            <a:r>
-              <a:rPr lang="en-US" sz="3200" dirty="0"/>
-              <a:t>❏ Classes</a:t>
-            </a:r>
-            <a:endParaRPr lang="en-US" sz="3200" dirty="0" smtClean="0"/>
-          </a:p>
-          <a:p>
-            <a:r>
-              <a:rPr lang="en-US" sz="3200" dirty="0"/>
-              <a:t>❏ Exercises</a:t>
-            </a:r>
-            <a:endParaRPr lang="en-US" sz="3200" dirty="0" smtClean="0"/>
-          </a:p>
-          <a:p>
-            <a:r>
-              <a:rPr lang="en-US" sz="3200" dirty="0" smtClean="0"/>
-              <a:t>❏ </a:t>
-            </a:r>
-            <a:r>
-              <a:rPr lang="en-US" sz="3200" dirty="0"/>
-              <a:t>Submissions</a:t>
-            </a:r>
-            <a:endParaRPr lang="en-US" sz="3200" dirty="0" smtClean="0"/>
-          </a:p>
-          <a:p>
-            <a:r>
-              <a:rPr lang="en-US" sz="3200" dirty="0"/>
-              <a:t>❏ Users</a:t>
-            </a:r>
-            <a:endParaRPr lang="en-US" sz="3200" dirty="0" smtClean="0"/>
-          </a:p>
-          <a:p>
-            <a:r>
-              <a:rPr lang="en-US" sz="3200" dirty="0"/>
-              <a:t>❏ Settings</a:t>
             </a:r>
             <a:endParaRPr lang="en-US" sz="3200" dirty="0" smtClean="0"/>
           </a:p>
@@ -5356,8 +5149,8 @@
         </p:blipFill>
         <p:spPr bwMode="auto">
           <a:xfrm>
-            <a:off x="11791530" y="13734372"/>
-            <a:ext cx="2931045" cy="2250183"/>
+            <a:off x="567537" y="21751382"/>
+            <a:ext cx="4468764" cy="3430700"/>
           </a:xfrm>
           <a:prstGeom prst="rect">
             <a:avLst/>
@@ -5390,8 +5183,8 @@
         </p:blipFill>
         <p:spPr>
           <a:xfrm>
-            <a:off x="15264194" y="16331435"/>
-            <a:ext cx="7423287" cy="4463024"/>
+            <a:off x="4246331" y="26502832"/>
+            <a:ext cx="7621519" cy="4925338"/>
           </a:xfrm>
           <a:prstGeom prst="rect">
             <a:avLst/>
@@ -5406,8 +5199,8 @@
         </p:nvSpPr>
         <p:spPr>
           <a:xfrm>
-            <a:off x="12675759" y="13270677"/>
-            <a:ext cx="1543050" cy="1077218"/>
+            <a:off x="711107" y="20947647"/>
+            <a:ext cx="4226619" cy="769441"/>
           </a:xfrm>
           <a:prstGeom prst="rect">
             <a:avLst/>
@@ -5422,10 +5215,10 @@
           <a:p>
             <a:pPr algn="ctr"/>
             <a:r>
-              <a:rPr lang="en-US" sz="3200" dirty="0" smtClean="0"/>
-              <a:t>Internals</a:t>
-            </a:r>
-            <a:endParaRPr lang="en-US" sz="3200" dirty="0"/>
+              <a:rPr lang="en-US" sz="4400" dirty="0" smtClean="0"/>
+              <a:t>OS Level</a:t>
+            </a:r>
+            <a:endParaRPr lang="en-US" sz="4400" dirty="0"/>
           </a:p>
         </p:txBody>
       </p:sp>
@@ -5437,8 +5230,8 @@
         </p:nvSpPr>
         <p:spPr>
           <a:xfrm>
-            <a:off x="18295996" y="13270677"/>
-            <a:ext cx="3091359" cy="584775"/>
+            <a:off x="152528" y="25644972"/>
+            <a:ext cx="4398212" cy="769441"/>
           </a:xfrm>
           <a:prstGeom prst="rect">
             <a:avLst/>
@@ -5453,73 +5246,10 @@
           <a:p>
             <a:pPr algn="ctr"/>
             <a:r>
-              <a:rPr lang="en-US" sz="3200" dirty="0" smtClean="0"/>
+              <a:rPr lang="en-US" sz="4400" dirty="0" smtClean="0"/>
               <a:t>Docker SDK</a:t>
             </a:r>
-            <a:endParaRPr lang="en-US" sz="3200" dirty="0"/>
-          </a:p>
-        </p:txBody>
-      </p:sp>
-      <p:sp>
-        <p:nvSpPr>
-          <p:cNvPr id="20" name="TextBox 19"/>
-          <p:cNvSpPr txBox="1"/>
-          <p:nvPr/>
-        </p:nvSpPr>
-        <p:spPr>
-          <a:xfrm>
-            <a:off x="630712" y="8396772"/>
-            <a:ext cx="9484895" cy="1569660"/>
-          </a:xfrm>
-          <a:prstGeom prst="rect">
-            <a:avLst/>
-          </a:prstGeom>
-          <a:noFill/>
-        </p:spPr>
-        <p:txBody>
-          <a:bodyPr wrap="square" numCol="2" rtlCol="0">
-            <a:spAutoFit/>
-          </a:bodyPr>
-          <a:lstStyle/>
-          <a:p>
-            <a:r>
-              <a:rPr lang="en-US" sz="2400" dirty="0" smtClean="0"/>
-              <a:t>❏ Launch exercises via GUI</a:t>
-            </a:r>
-          </a:p>
-          <a:p>
-            <a:r>
-              <a:rPr lang="en-US" sz="2400" dirty="0" smtClean="0"/>
-              <a:t>❏ Automatic grading/emailing</a:t>
-            </a:r>
-          </a:p>
-          <a:p>
-            <a:r>
-              <a:rPr lang="en-US" sz="2400" dirty="0" smtClean="0"/>
-              <a:t>❏ Configure all data via GUI</a:t>
-            </a:r>
-          </a:p>
-          <a:p>
-            <a:endParaRPr lang="en-US" sz="2400" dirty="0" smtClean="0"/>
-          </a:p>
-          <a:p>
-            <a:r>
-              <a:rPr lang="en-US" sz="2400" dirty="0" smtClean="0"/>
-              <a:t>❏ Secure web portal</a:t>
-            </a:r>
-          </a:p>
-          <a:p>
-            <a:r>
-              <a:rPr lang="en-US" sz="2400" dirty="0" smtClean="0"/>
-              <a:t>❏ Four full virtual exercises</a:t>
-            </a:r>
-          </a:p>
-          <a:p>
-            <a:r>
-              <a:rPr lang="en-US" sz="2400" dirty="0" smtClean="0"/>
-              <a:t>❏ Scales to performance needs</a:t>
-            </a:r>
-            <a:endParaRPr lang="en-US" sz="2400" dirty="0"/>
+            <a:endParaRPr lang="en-US" sz="4400" dirty="0"/>
           </a:p>
         </p:txBody>
       </p:sp>
@@ -5539,7 +5269,7 @@
         </p:blipFill>
         <p:spPr>
           <a:xfrm>
-            <a:off x="11788334" y="21766081"/>
+            <a:off x="11788334" y="21854572"/>
             <a:ext cx="11909866" cy="7630326"/>
           </a:xfrm>
           <a:prstGeom prst="rect">
@@ -5563,7 +5293,7 @@
         </p:blipFill>
         <p:spPr>
           <a:xfrm>
-            <a:off x="871677" y="22489528"/>
+            <a:off x="12074254" y="14911804"/>
             <a:ext cx="4967762" cy="2701221"/>
           </a:xfrm>
           <a:prstGeom prst="rect">
@@ -5579,8 +5309,8 @@
         </p:nvSpPr>
         <p:spPr>
           <a:xfrm>
-            <a:off x="12130840" y="9824798"/>
-            <a:ext cx="10556641" cy="523220"/>
+            <a:off x="12160338" y="10290601"/>
+            <a:ext cx="12052212" cy="584775"/>
           </a:xfrm>
           <a:prstGeom prst="rect">
             <a:avLst/>
@@ -5588,28 +5318,16 @@
           <a:noFill/>
         </p:spPr>
         <p:txBody>
-          <a:bodyPr wrap="square" numCol="3" rtlCol="0">
+          <a:bodyPr wrap="square" numCol="1" rtlCol="0">
             <a:spAutoFit/>
           </a:bodyPr>
           <a:lstStyle/>
           <a:p>
             <a:r>
-              <a:rPr lang="en-US" sz="2800" b="1" dirty="0" smtClean="0"/>
-              <a:t>Secure</a:t>
-            </a:r>
-          </a:p>
-          <a:p>
-            <a:r>
-              <a:rPr lang="en-US" sz="2800" b="1" dirty="0" smtClean="0"/>
-              <a:t>Efficient</a:t>
-            </a:r>
-          </a:p>
-          <a:p>
-            <a:r>
-              <a:rPr lang="en-US" sz="2800" b="1" dirty="0" smtClean="0"/>
-              <a:t>Functional</a:t>
-            </a:r>
-            <a:endParaRPr lang="en-US" sz="2800" b="1" dirty="0"/>
+              <a:rPr lang="en-US" sz="3200" b="1" dirty="0" smtClean="0"/>
+              <a:t> Secure                        Efficient                      Functional</a:t>
+            </a:r>
+            <a:endParaRPr lang="en-US" sz="3200" b="1" dirty="0"/>
           </a:p>
         </p:txBody>
       </p:sp>
@@ -5621,8 +5339,8 @@
         </p:nvSpPr>
         <p:spPr>
           <a:xfrm>
-            <a:off x="11768890" y="10233132"/>
-            <a:ext cx="2732095" cy="923330"/>
+            <a:off x="11827884" y="10698935"/>
+            <a:ext cx="2732095" cy="2246769"/>
           </a:xfrm>
           <a:prstGeom prst="rect">
             <a:avLst/>
@@ -5636,18 +5354,18 @@
           <a:lstStyle/>
           <a:p>
             <a:r>
-              <a:rPr lang="en-US" sz="1800" dirty="0" smtClean="0"/>
+              <a:rPr lang="en-US" sz="2800" dirty="0" smtClean="0"/>
               <a:t>There are zero vulnerabilities in Anchore, </a:t>
             </a:r>
             <a:r>
-              <a:rPr lang="en-US" sz="1800" dirty="0"/>
+              <a:rPr lang="en-US" sz="2800" dirty="0"/>
               <a:t>S</a:t>
             </a:r>
             <a:r>
-              <a:rPr lang="en-US" sz="1800" dirty="0" smtClean="0"/>
+              <a:rPr lang="en-US" sz="2800" dirty="0" smtClean="0"/>
               <a:t>onarqube, and ZAP</a:t>
             </a:r>
-            <a:endParaRPr lang="en-US" sz="1800" dirty="0"/>
+            <a:endParaRPr lang="en-US" sz="2800" dirty="0"/>
           </a:p>
         </p:txBody>
       </p:sp>
@@ -5659,8 +5377,8 @@
         </p:nvSpPr>
         <p:spPr>
           <a:xfrm>
-            <a:off x="14558135" y="10213094"/>
-            <a:ext cx="4168015" cy="923330"/>
+            <a:off x="14617129" y="10678897"/>
+            <a:ext cx="4168015" cy="2246769"/>
           </a:xfrm>
           <a:prstGeom prst="rect">
             <a:avLst/>
@@ -5674,10 +5392,10 @@
           <a:lstStyle/>
           <a:p>
             <a:r>
-              <a:rPr lang="en-US" sz="1800" dirty="0" smtClean="0"/>
+              <a:rPr lang="en-US" sz="2800" dirty="0" smtClean="0"/>
               <a:t>The Docker Software Development Kit allows virtual machines to be built, started, and stopped in under 20seconds</a:t>
             </a:r>
-            <a:endParaRPr lang="en-US" sz="1800" dirty="0"/>
+            <a:endParaRPr lang="en-US" sz="2800" dirty="0"/>
           </a:p>
         </p:txBody>
       </p:sp>
@@ -5689,8 +5407,8 @@
         </p:nvSpPr>
         <p:spPr>
           <a:xfrm>
-            <a:off x="18665065" y="10233731"/>
-            <a:ext cx="2732095" cy="923330"/>
+            <a:off x="18722215" y="10699534"/>
+            <a:ext cx="2732095" cy="2246769"/>
           </a:xfrm>
           <a:prstGeom prst="rect">
             <a:avLst/>
@@ -5704,10 +5422,10 @@
           <a:lstStyle/>
           <a:p>
             <a:r>
-              <a:rPr lang="en-US" sz="1800" dirty="0" smtClean="0"/>
+              <a:rPr lang="en-US" sz="2800" dirty="0" smtClean="0"/>
               <a:t>Student and instructor tasks can be easily done in seconds through the GUI</a:t>
             </a:r>
-            <a:endParaRPr lang="en-US" sz="1800" dirty="0"/>
+            <a:endParaRPr lang="en-US" sz="2800" dirty="0"/>
           </a:p>
         </p:txBody>
       </p:sp>
@@ -5727,8 +5445,8 @@
         </p:blipFill>
         <p:spPr>
           <a:xfrm>
-            <a:off x="11566370" y="28613697"/>
-            <a:ext cx="4862073" cy="2653763"/>
+            <a:off x="16630338" y="29922932"/>
+            <a:ext cx="4396608" cy="2399708"/>
           </a:xfrm>
           <a:prstGeom prst="rect">
             <a:avLst/>
@@ -5800,129 +5518,9 @@
           </a:prstGeom>
         </p:spPr>
       </p:pic>
-      <p:sp>
-        <p:nvSpPr>
-          <p:cNvPr id="1035" name="Rectangle 1034"/>
-          <p:cNvSpPr/>
-          <p:nvPr/>
-        </p:nvSpPr>
-        <p:spPr>
-          <a:xfrm>
-            <a:off x="11849924" y="28194000"/>
-            <a:ext cx="4494976" cy="523220"/>
-          </a:xfrm>
-          <a:prstGeom prst="rect">
-            <a:avLst/>
-          </a:prstGeom>
-        </p:spPr>
-        <p:txBody>
-          <a:bodyPr wrap="square">
-            <a:spAutoFit/>
-          </a:bodyPr>
-          <a:lstStyle/>
-          <a:p>
-            <a:pPr algn="ctr"/>
-            <a:r>
-              <a:rPr lang="en-US" sz="2800" b="1" dirty="0" smtClean="0"/>
-              <a:t>Findings over Development</a:t>
-            </a:r>
-            <a:endParaRPr lang="en-US" sz="2800" b="1" dirty="0"/>
-          </a:p>
-        </p:txBody>
-      </p:sp>
-      <p:sp>
-        <p:nvSpPr>
-          <p:cNvPr id="80" name="Rectangle 79"/>
-          <p:cNvSpPr/>
-          <p:nvPr/>
-        </p:nvSpPr>
-        <p:spPr>
-          <a:xfrm>
-            <a:off x="14224138" y="31151612"/>
-            <a:ext cx="4494976" cy="523220"/>
-          </a:xfrm>
-          <a:prstGeom prst="rect">
-            <a:avLst/>
-          </a:prstGeom>
-        </p:spPr>
-        <p:txBody>
-          <a:bodyPr wrap="square">
-            <a:spAutoFit/>
-          </a:bodyPr>
-          <a:lstStyle/>
-          <a:p>
-            <a:pPr algn="ctr"/>
-            <a:r>
-              <a:rPr lang="en-US" sz="2800" b="1" dirty="0" smtClean="0"/>
-              <a:t>Summary</a:t>
-            </a:r>
-            <a:endParaRPr lang="en-US" sz="2800" b="1" dirty="0"/>
-          </a:p>
-        </p:txBody>
-      </p:sp>
-      <p:sp>
-        <p:nvSpPr>
-          <p:cNvPr id="82" name="TextBox 81"/>
-          <p:cNvSpPr txBox="1"/>
-          <p:nvPr/>
-        </p:nvSpPr>
-        <p:spPr>
-          <a:xfrm>
-            <a:off x="11720517" y="31545240"/>
-            <a:ext cx="9479280" cy="830997"/>
-          </a:xfrm>
-          <a:prstGeom prst="rect">
-            <a:avLst/>
-          </a:prstGeom>
-          <a:noFill/>
-        </p:spPr>
-        <p:txBody>
-          <a:bodyPr wrap="square" rtlCol="0">
-            <a:spAutoFit/>
-          </a:bodyPr>
-          <a:lstStyle/>
-          <a:p>
-            <a:r>
-              <a:rPr lang="en-US" sz="2400" dirty="0" smtClean="0"/>
-              <a:t>The application met all requirements, is much more efficient than using virtual machines, and helps students learn security in a hands on way.</a:t>
-            </a:r>
-            <a:endParaRPr lang="en-US" sz="2400" dirty="0"/>
-          </a:p>
-        </p:txBody>
-      </p:sp>
-      <p:sp>
-        <p:nvSpPr>
-          <p:cNvPr id="83" name="Rectangle 82"/>
-          <p:cNvSpPr/>
-          <p:nvPr/>
-        </p:nvSpPr>
-        <p:spPr>
-          <a:xfrm>
-            <a:off x="16616435" y="28194000"/>
-            <a:ext cx="4494976" cy="523220"/>
-          </a:xfrm>
-          <a:prstGeom prst="rect">
-            <a:avLst/>
-          </a:prstGeom>
-        </p:spPr>
-        <p:txBody>
-          <a:bodyPr wrap="square">
-            <a:spAutoFit/>
-          </a:bodyPr>
-          <a:lstStyle/>
-          <a:p>
-            <a:pPr algn="ctr"/>
-            <a:r>
-              <a:rPr lang="en-US" sz="2800" b="1" dirty="0" smtClean="0"/>
-              <a:t>Codebase Size</a:t>
-            </a:r>
-            <a:endParaRPr lang="en-US" sz="2800" b="1" dirty="0"/>
-          </a:p>
-        </p:txBody>
-      </p:sp>
       <p:pic>
         <p:nvPicPr>
-          <p:cNvPr id="1037" name="Picture 1036"/>
+          <p:cNvPr id="1040" name="Picture 1039"/>
           <p:cNvPicPr>
             <a:picLocks noChangeAspect="1"/>
           </p:cNvPicPr>
@@ -5936,38 +5534,103 @@
         </p:blipFill>
         <p:spPr>
           <a:xfrm>
-            <a:off x="17580610" y="28767913"/>
-            <a:ext cx="2575386" cy="2325895"/>
+            <a:off x="12120296" y="18298805"/>
+            <a:ext cx="8858250" cy="1755882"/>
           </a:xfrm>
           <a:prstGeom prst="rect">
             <a:avLst/>
           </a:prstGeom>
         </p:spPr>
       </p:pic>
-      <p:pic>
-        <p:nvPicPr>
-          <p:cNvPr id="1040" name="Picture 1039"/>
-          <p:cNvPicPr>
-            <a:picLocks noChangeAspect="1"/>
-          </p:cNvPicPr>
+      <p:sp>
+        <p:nvSpPr>
+          <p:cNvPr id="1035" name="Rectangle 1034"/>
+          <p:cNvSpPr/>
           <p:nvPr/>
-        </p:nvPicPr>
-        <p:blipFill>
-          <a:blip r:embed="rId14"/>
-          <a:stretch>
-            <a:fillRect/>
-          </a:stretch>
-        </p:blipFill>
-        <p:spPr>
-          <a:xfrm>
-            <a:off x="917719" y="25914628"/>
-            <a:ext cx="8858250" cy="2028825"/>
-          </a:xfrm>
-          <a:prstGeom prst="rect">
-            <a:avLst/>
-          </a:prstGeom>
-        </p:spPr>
-      </p:pic>
+        </p:nvSpPr>
+        <p:spPr>
+          <a:xfrm>
+            <a:off x="16768884" y="29626919"/>
+            <a:ext cx="4722885" cy="523220"/>
+          </a:xfrm>
+          <a:prstGeom prst="rect">
+            <a:avLst/>
+          </a:prstGeom>
+        </p:spPr>
+        <p:txBody>
+          <a:bodyPr wrap="square">
+            <a:spAutoFit/>
+          </a:bodyPr>
+          <a:lstStyle/>
+          <a:p>
+            <a:r>
+              <a:rPr lang="en-US" sz="2800" b="1" dirty="0" smtClean="0"/>
+              <a:t>Findings over Development</a:t>
+            </a:r>
+            <a:endParaRPr lang="en-US" sz="2800" b="1" dirty="0"/>
+          </a:p>
+        </p:txBody>
+      </p:sp>
+      <p:sp>
+        <p:nvSpPr>
+          <p:cNvPr id="80" name="Rectangle 79"/>
+          <p:cNvSpPr/>
+          <p:nvPr/>
+        </p:nvSpPr>
+        <p:spPr>
+          <a:xfrm>
+            <a:off x="10540637" y="29612340"/>
+            <a:ext cx="4494976" cy="523220"/>
+          </a:xfrm>
+          <a:prstGeom prst="rect">
+            <a:avLst/>
+          </a:prstGeom>
+        </p:spPr>
+        <p:txBody>
+          <a:bodyPr wrap="square">
+            <a:spAutoFit/>
+          </a:bodyPr>
+          <a:lstStyle/>
+          <a:p>
+            <a:pPr algn="ctr"/>
+            <a:r>
+              <a:rPr lang="en-US" sz="2800" b="1" dirty="0" smtClean="0"/>
+              <a:t>Summary</a:t>
+            </a:r>
+            <a:endParaRPr lang="en-US" sz="2800" b="1" dirty="0"/>
+          </a:p>
+        </p:txBody>
+      </p:sp>
+      <p:sp>
+        <p:nvSpPr>
+          <p:cNvPr id="82" name="TextBox 81"/>
+          <p:cNvSpPr txBox="1"/>
+          <p:nvPr/>
+        </p:nvSpPr>
+        <p:spPr>
+          <a:xfrm>
+            <a:off x="11917880" y="30044258"/>
+            <a:ext cx="5124136" cy="2246769"/>
+          </a:xfrm>
+          <a:prstGeom prst="rect">
+            <a:avLst/>
+          </a:prstGeom>
+          <a:noFill/>
+        </p:spPr>
+        <p:txBody>
+          <a:bodyPr wrap="square" rtlCol="0">
+            <a:spAutoFit/>
+          </a:bodyPr>
+          <a:lstStyle/>
+          <a:p>
+            <a:r>
+              <a:rPr lang="en-US" sz="2800" dirty="0" smtClean="0"/>
+              <a:t>The application met all requirements, is much more efficient than using virtual machines, and helps students learn security in a hands-on way.</a:t>
+            </a:r>
+            <a:endParaRPr lang="en-US" sz="2800" dirty="0"/>
+          </a:p>
+        </p:txBody>
+      </p:sp>
       <p:pic>
         <p:nvPicPr>
           <p:cNvPr id="1041" name="Picture 8" descr="Image result for docker engine"/>
@@ -5977,7 +5640,7 @@
           <p:nvPr/>
         </p:nvPicPr>
         <p:blipFill>
-          <a:blip r:embed="rId15">
+          <a:blip r:embed="rId14">
             <a:extLst>
               <a:ext uri="{28A0092B-C50C-407E-A947-70E740481C1C}">
                 <a14:useLocalDpi xmlns:a14="http://schemas.microsoft.com/office/drawing/2010/main" val="0"/>
@@ -5991,8 +5654,8 @@
         </p:blipFill>
         <p:spPr bwMode="auto">
           <a:xfrm>
-            <a:off x="18563303" y="13816566"/>
-            <a:ext cx="2468997" cy="2419618"/>
+            <a:off x="434180" y="26489884"/>
+            <a:ext cx="3996156" cy="3916234"/>
           </a:xfrm>
           <a:prstGeom prst="rect">
             <a:avLst/>
@@ -6018,7 +5681,7 @@
           <p:nvPr/>
         </p:nvPicPr>
         <p:blipFill>
-          <a:blip r:embed="rId16" cstate="print">
+          <a:blip r:embed="rId15" cstate="print">
             <a:extLst>
               <a:ext uri="{28A0092B-C50C-407E-A947-70E740481C1C}">
                 <a14:useLocalDpi xmlns:a14="http://schemas.microsoft.com/office/drawing/2010/main" val="0"/>
@@ -6032,8 +5695,8 @@
         </p:blipFill>
         <p:spPr bwMode="auto">
           <a:xfrm>
-            <a:off x="14870962" y="13759135"/>
-            <a:ext cx="3384049" cy="2214720"/>
+            <a:off x="5319855" y="21763086"/>
+            <a:ext cx="4976922" cy="3257189"/>
           </a:xfrm>
           <a:prstGeom prst="rect">
             <a:avLst/>
@@ -6058,8 +5721,8 @@
         </p:nvSpPr>
         <p:spPr>
           <a:xfrm>
-            <a:off x="14826237" y="13235667"/>
-            <a:ext cx="3310712" cy="584775"/>
+            <a:off x="5247780" y="20959132"/>
+            <a:ext cx="5048997" cy="769441"/>
           </a:xfrm>
           <a:prstGeom prst="rect">
             <a:avLst/>
@@ -6074,10 +5737,10 @@
           <a:p>
             <a:pPr algn="ctr"/>
             <a:r>
-              <a:rPr lang="en-US" sz="3200" dirty="0" smtClean="0"/>
+              <a:rPr lang="en-US" sz="4400" dirty="0" smtClean="0"/>
               <a:t>REST Framework</a:t>
             </a:r>
-            <a:endParaRPr lang="en-US" sz="3200" dirty="0"/>
+            <a:endParaRPr lang="en-US" sz="4400" dirty="0"/>
           </a:p>
         </p:txBody>
       </p:sp>
@@ -6089,7 +5752,7 @@
         </p:nvSpPr>
         <p:spPr>
           <a:xfrm>
-            <a:off x="917719" y="25448186"/>
+            <a:off x="12120296" y="17870462"/>
             <a:ext cx="8858250" cy="523220"/>
           </a:xfrm>
           <a:prstGeom prst="rect">
@@ -6113,13 +5776,59 @@
       </p:sp>
       <p:sp>
         <p:nvSpPr>
-          <p:cNvPr id="93" name="Rectangle 92"/>
+          <p:cNvPr id="66" name="TextBox 65"/>
+          <p:cNvSpPr txBox="1"/>
+          <p:nvPr/>
+        </p:nvSpPr>
+        <p:spPr>
+          <a:xfrm>
+            <a:off x="11996921" y="27946316"/>
+            <a:ext cx="9509760" cy="1815882"/>
+          </a:xfrm>
+          <a:prstGeom prst="rect">
+            <a:avLst/>
+          </a:prstGeom>
+          <a:noFill/>
+        </p:spPr>
+        <p:txBody>
+          <a:bodyPr wrap="square" rtlCol="0">
+            <a:spAutoFit/>
+          </a:bodyPr>
+          <a:lstStyle/>
+          <a:p>
+            <a:r>
+              <a:rPr lang="en-US" sz="2800" b="1" dirty="0" smtClean="0"/>
+              <a:t>Features</a:t>
+            </a:r>
+          </a:p>
+          <a:p>
+            <a:r>
+              <a:rPr lang="en-US" sz="2800" dirty="0" smtClean="0"/>
+              <a:t/>
+            </a:r>
+            <a:br>
+              <a:rPr lang="en-US" sz="2800" dirty="0" smtClean="0"/>
+            </a:br>
+            <a:r>
+              <a:rPr lang="en-US" sz="2800" dirty="0" smtClean="0"/>
+              <a:t/>
+            </a:r>
+            <a:br>
+              <a:rPr lang="en-US" sz="2800" dirty="0" smtClean="0"/>
+            </a:br>
+            <a:endParaRPr lang="en-US" sz="2800" dirty="0" smtClean="0"/>
+          </a:p>
+        </p:txBody>
+      </p:sp>
+      <p:sp>
+        <p:nvSpPr>
+          <p:cNvPr id="94" name="Rectangle 93"/>
           <p:cNvSpPr/>
           <p:nvPr/>
         </p:nvSpPr>
         <p:spPr>
           <a:xfrm>
-            <a:off x="814112" y="20035071"/>
+            <a:off x="12120296" y="14402254"/>
             <a:ext cx="8858250" cy="523220"/>
           </a:xfrm>
           <a:prstGeom prst="rect">
@@ -6135,79 +5844,7 @@
             <a:pPr algn="ctr"/>
             <a:r>
               <a:rPr lang="en-US" sz="2800" b="1" dirty="0" smtClean="0"/>
-              <a:t>Kanban boards </a:t>
-            </a:r>
-            <a:r>
-              <a:rPr lang="en-US" sz="2800" b="1" dirty="0" smtClean="0"/>
-              <a:t>for project Management</a:t>
-            </a:r>
-            <a:endParaRPr lang="en-US" sz="2800" b="1" dirty="0"/>
-          </a:p>
-        </p:txBody>
-      </p:sp>
-      <p:sp>
-        <p:nvSpPr>
-          <p:cNvPr id="94" name="Rectangle 93"/>
-          <p:cNvSpPr/>
-          <p:nvPr/>
-        </p:nvSpPr>
-        <p:spPr>
-          <a:xfrm>
-            <a:off x="917719" y="21979978"/>
-            <a:ext cx="8858250" cy="523220"/>
-          </a:xfrm>
-          <a:prstGeom prst="rect">
-            <a:avLst/>
-          </a:prstGeom>
-        </p:spPr>
-        <p:txBody>
-          <a:bodyPr wrap="square">
-            <a:spAutoFit/>
-          </a:bodyPr>
-          <a:lstStyle/>
-          <a:p>
-            <a:pPr algn="ctr"/>
-            <a:r>
-              <a:rPr lang="en-US" sz="2800" b="1" dirty="0" smtClean="0"/>
               <a:t>VSCODE, Docker, and Chrome for development </a:t>
-            </a:r>
-            <a:endParaRPr lang="en-US" sz="2800" b="1" dirty="0"/>
-          </a:p>
-        </p:txBody>
-      </p:sp>
-      <p:sp>
-        <p:nvSpPr>
-          <p:cNvPr id="95" name="Rectangle 94"/>
-          <p:cNvSpPr/>
-          <p:nvPr/>
-        </p:nvSpPr>
-        <p:spPr>
-          <a:xfrm>
-            <a:off x="917719" y="27769293"/>
-            <a:ext cx="8858250" cy="954107"/>
-          </a:xfrm>
-          <a:prstGeom prst="rect">
-            <a:avLst/>
-          </a:prstGeom>
-        </p:spPr>
-        <p:txBody>
-          <a:bodyPr wrap="square">
-            <a:spAutoFit/>
-          </a:bodyPr>
-          <a:lstStyle/>
-          <a:p>
-            <a:pPr algn="ctr"/>
-            <a:r>
-              <a:rPr lang="en-US" sz="2800" b="1" dirty="0" smtClean="0"/>
-              <a:t>Store Security reports, push code and </a:t>
-            </a:r>
-            <a:r>
-              <a:rPr lang="en-US" sz="2800" b="1" dirty="0"/>
-              <a:t>D</a:t>
-            </a:r>
-            <a:r>
-              <a:rPr lang="en-US" sz="2800" b="1" dirty="0" smtClean="0"/>
-              <a:t>ocker images to source control, deploy to production</a:t>
             </a:r>
             <a:endParaRPr lang="en-US" sz="2800" b="1" dirty="0"/>
           </a:p>
@@ -6215,7 +5852,31 @@
       </p:sp>
       <p:pic>
         <p:nvPicPr>
-          <p:cNvPr id="1044" name="Picture 1043"/>
+          <p:cNvPr id="1045" name="Picture 1044"/>
+          <p:cNvPicPr>
+            <a:picLocks noChangeAspect="1"/>
+          </p:cNvPicPr>
+          <p:nvPr/>
+        </p:nvPicPr>
+        <p:blipFill>
+          <a:blip r:embed="rId16"/>
+          <a:stretch>
+            <a:fillRect/>
+          </a:stretch>
+        </p:blipFill>
+        <p:spPr>
+          <a:xfrm>
+            <a:off x="17379408" y="14908659"/>
+            <a:ext cx="3729169" cy="852573"/>
+          </a:xfrm>
+          <a:prstGeom prst="rect">
+            <a:avLst/>
+          </a:prstGeom>
+        </p:spPr>
+      </p:pic>
+      <p:pic>
+        <p:nvPicPr>
+          <p:cNvPr id="1046" name="Picture 1045"/>
           <p:cNvPicPr>
             <a:picLocks noChangeAspect="1"/>
           </p:cNvPicPr>
@@ -6229,8 +5890,8 @@
         </p:blipFill>
         <p:spPr>
           <a:xfrm>
-            <a:off x="1214420" y="28718503"/>
-            <a:ext cx="3967044" cy="2132477"/>
+            <a:off x="17391990" y="15934708"/>
+            <a:ext cx="3933799" cy="1780674"/>
           </a:xfrm>
           <a:prstGeom prst="rect">
             <a:avLst/>
@@ -6239,7 +5900,7 @@
       </p:pic>
       <p:pic>
         <p:nvPicPr>
-          <p:cNvPr id="1045" name="Picture 1044"/>
+          <p:cNvPr id="17" name="Picture 16"/>
           <p:cNvPicPr>
             <a:picLocks noChangeAspect="1"/>
           </p:cNvPicPr>
@@ -6253,110 +5914,118 @@
         </p:blipFill>
         <p:spPr>
           <a:xfrm>
-            <a:off x="6176831" y="22499083"/>
-            <a:ext cx="3729169" cy="852573"/>
+            <a:off x="711107" y="16423352"/>
+            <a:ext cx="9443743" cy="2625439"/>
           </a:xfrm>
           <a:prstGeom prst="rect">
             <a:avLst/>
           </a:prstGeom>
         </p:spPr>
       </p:pic>
-      <p:pic>
-        <p:nvPicPr>
-          <p:cNvPr id="1046" name="Picture 1045"/>
-          <p:cNvPicPr>
-            <a:picLocks noChangeAspect="1"/>
-          </p:cNvPicPr>
+      <p:sp>
+        <p:nvSpPr>
+          <p:cNvPr id="67" name="TextBox 66"/>
+          <p:cNvSpPr txBox="1"/>
           <p:nvPr/>
-        </p:nvPicPr>
-        <p:blipFill>
-          <a:blip r:embed="rId19"/>
-          <a:stretch>
-            <a:fillRect/>
-          </a:stretch>
-        </p:blipFill>
-        <p:spPr>
-          <a:xfrm>
-            <a:off x="6252913" y="23525132"/>
-            <a:ext cx="3933799" cy="1780674"/>
-          </a:xfrm>
-          <a:prstGeom prst="rect">
-            <a:avLst/>
-          </a:prstGeom>
-        </p:spPr>
-      </p:pic>
-      <p:pic>
-        <p:nvPicPr>
-          <p:cNvPr id="1047" name="Picture 1046"/>
-          <p:cNvPicPr>
-            <a:picLocks noChangeAspect="1"/>
-          </p:cNvPicPr>
+        </p:nvSpPr>
+        <p:spPr>
+          <a:xfrm>
+            <a:off x="11899694" y="28304305"/>
+            <a:ext cx="9484895" cy="1815882"/>
+          </a:xfrm>
+          <a:prstGeom prst="rect">
+            <a:avLst/>
+          </a:prstGeom>
+          <a:noFill/>
+        </p:spPr>
+        <p:txBody>
+          <a:bodyPr wrap="square" numCol="2" rtlCol="0">
+            <a:spAutoFit/>
+          </a:bodyPr>
+          <a:lstStyle/>
+          <a:p>
+            <a:r>
+              <a:rPr lang="en-US" sz="2800" dirty="0" smtClean="0"/>
+              <a:t>❏ Launch exercises via GUI</a:t>
+            </a:r>
+          </a:p>
+          <a:p>
+            <a:r>
+              <a:rPr lang="en-US" sz="2800" dirty="0" smtClean="0"/>
+              <a:t>❏ Automatic grading/emailing</a:t>
+            </a:r>
+          </a:p>
+          <a:p>
+            <a:r>
+              <a:rPr lang="en-US" sz="2800" dirty="0" smtClean="0"/>
+              <a:t>❏ Configure all data via GUI</a:t>
+            </a:r>
+          </a:p>
+          <a:p>
+            <a:endParaRPr lang="en-US" sz="2800" dirty="0" smtClean="0"/>
+          </a:p>
+          <a:p>
+            <a:r>
+              <a:rPr lang="en-US" sz="2800" dirty="0" smtClean="0"/>
+              <a:t>❏ Secure web portal</a:t>
+            </a:r>
+          </a:p>
+          <a:p>
+            <a:r>
+              <a:rPr lang="en-US" sz="2800" dirty="0" smtClean="0"/>
+              <a:t>❏ Four full virtual exercises</a:t>
+            </a:r>
+          </a:p>
+          <a:p>
+            <a:r>
+              <a:rPr lang="en-US" sz="2800" dirty="0" smtClean="0"/>
+              <a:t>❏ Scales to performance needs</a:t>
+            </a:r>
+            <a:endParaRPr lang="en-US" sz="2800" dirty="0"/>
+          </a:p>
+        </p:txBody>
+      </p:sp>
+      <p:sp>
+        <p:nvSpPr>
+          <p:cNvPr id="37" name="TextBox 36"/>
+          <p:cNvSpPr txBox="1"/>
           <p:nvPr/>
-        </p:nvPicPr>
-        <p:blipFill>
-          <a:blip r:embed="rId20"/>
-          <a:stretch>
-            <a:fillRect/>
-          </a:stretch>
-        </p:blipFill>
-        <p:spPr>
-          <a:xfrm>
-            <a:off x="5598159" y="28718503"/>
-            <a:ext cx="3884602" cy="1586434"/>
-          </a:xfrm>
-          <a:prstGeom prst="rect">
-            <a:avLst/>
-          </a:prstGeom>
-        </p:spPr>
-      </p:pic>
-      <p:pic>
-        <p:nvPicPr>
-          <p:cNvPr id="17" name="Picture 16"/>
-          <p:cNvPicPr>
-            <a:picLocks noChangeAspect="1"/>
-          </p:cNvPicPr>
-          <p:nvPr/>
-        </p:nvPicPr>
-        <p:blipFill>
-          <a:blip r:embed="rId21"/>
-          <a:stretch>
-            <a:fillRect/>
-          </a:stretch>
-        </p:blipFill>
-        <p:spPr>
-          <a:xfrm>
-            <a:off x="711107" y="15580233"/>
-            <a:ext cx="9443743" cy="2625439"/>
-          </a:xfrm>
-          <a:prstGeom prst="rect">
-            <a:avLst/>
-          </a:prstGeom>
-        </p:spPr>
-      </p:pic>
-      <p:pic>
-        <p:nvPicPr>
-          <p:cNvPr id="19" name="Picture 18"/>
-          <p:cNvPicPr>
-            <a:picLocks noChangeAspect="1"/>
-          </p:cNvPicPr>
-          <p:nvPr/>
-        </p:nvPicPr>
-        <p:blipFill>
-          <a:blip r:embed="rId22"/>
-          <a:stretch>
-            <a:fillRect/>
-          </a:stretch>
-        </p:blipFill>
-        <p:spPr>
-          <a:xfrm>
-            <a:off x="2056650" y="20518854"/>
-            <a:ext cx="6373174" cy="1242958"/>
-          </a:xfrm>
-          <a:prstGeom prst="rect">
-            <a:avLst/>
-          </a:prstGeom>
-        </p:spPr>
-      </p:pic>
+        </p:nvSpPr>
+        <p:spPr>
+          <a:xfrm>
+            <a:off x="11509192" y="13307114"/>
+            <a:ext cx="10042357" cy="1107996"/>
+          </a:xfrm>
+          <a:prstGeom prst="rect">
+            <a:avLst/>
+          </a:prstGeom>
+          <a:noFill/>
+        </p:spPr>
+        <p:txBody>
+          <a:bodyPr wrap="square" rtlCol="0">
+            <a:spAutoFit/>
+          </a:bodyPr>
+          <a:lstStyle/>
+          <a:p>
+            <a:pPr algn="ctr"/>
+            <a:r>
+              <a:rPr lang="en-US" sz="6600" dirty="0" smtClean="0">
+                <a:solidFill>
+                  <a:schemeClr val="bg1"/>
+                </a:solidFill>
+                <a:latin typeface="Berlin Sans FB" panose="020E0602020502020306" pitchFamily="34" charset="0"/>
+              </a:rPr>
+              <a:t>DEVELOPMENT </a:t>
+            </a:r>
+            <a:endParaRPr lang="en-US" sz="6600" dirty="0">
+              <a:solidFill>
+                <a:schemeClr val="bg1"/>
+              </a:solidFill>
+              <a:latin typeface="Berlin Sans FB" panose="020E0602020502020306" pitchFamily="34" charset="0"/>
+            </a:endParaRPr>
+          </a:p>
+        </p:txBody>
+      </p:sp>
     </p:spTree>
     <p:extLst>
       <p:ext uri="{BB962C8B-B14F-4D97-AF65-F5344CB8AC3E}">
@@ -7180,7 +6849,7 @@
 </file>
 
 <file path=customXml/itemProps2.xml><?xml version="1.0" encoding="utf-8"?>
-<ds:datastoreItem xmlns:ds="http://schemas.openxmlformats.org/officeDocument/2006/customXml" ds:itemID="{E88F0995-72E3-441E-A368-0BAFED719E82}">
+<ds:datastoreItem xmlns:ds="http://schemas.openxmlformats.org/officeDocument/2006/customXml" ds:itemID="{4B9156A1-19E3-4C87-B573-103B1C2ED5D4}">
   <ds:schemaRefs>
     <ds:schemaRef ds:uri="http://www.w3.org/2001/XMLSchema"/>
     <ds:schemaRef ds:uri="http://www.boldonjames.com/2008/01/sie/internal/label"/>
